--- a/3조 프로젝트 노트/3조 시커머스 발표자료.pptx
+++ b/3조 프로젝트 노트/3조 시커머스 발표자료.pptx
@@ -6,8 +6,18 @@
   </p:sldMasterIdLst>
   <p:sldIdLst>
     <p:sldId id="258" r:id="rId2"/>
-    <p:sldId id="257" r:id="rId3"/>
-    <p:sldId id="256" r:id="rId4"/>
+    <p:sldId id="268" r:id="rId3"/>
+    <p:sldId id="257" r:id="rId4"/>
+    <p:sldId id="266" r:id="rId5"/>
+    <p:sldId id="260" r:id="rId6"/>
+    <p:sldId id="267" r:id="rId7"/>
+    <p:sldId id="261" r:id="rId8"/>
+    <p:sldId id="256" r:id="rId9"/>
+    <p:sldId id="262" r:id="rId10"/>
+    <p:sldId id="264" r:id="rId11"/>
+    <p:sldId id="265" r:id="rId12"/>
+    <p:sldId id="269" r:id="rId13"/>
+    <p:sldId id="263" r:id="rId14"/>
   </p:sldIdLst>
   <p:sldSz cx="12192000" cy="6858000"/>
   <p:notesSz cx="6858000" cy="9144000"/>
@@ -836,7 +846,7 @@
           <a:p>
             <a:fld id="{7989D7B3-E8E5-47A5-A35C-6E7FBDB71733}" type="datetimeFigureOut">
               <a:rPr lang="ko-KR" altLang="en-US" smtClean="0"/>
-              <a:t>2023-10-17</a:t>
+              <a:t>2023-10-18</a:t>
             </a:fld>
             <a:endParaRPr lang="ko-KR" altLang="en-US"/>
           </a:p>
@@ -1087,7 +1097,7 @@
           <a:p>
             <a:fld id="{7989D7B3-E8E5-47A5-A35C-6E7FBDB71733}" type="datetimeFigureOut">
               <a:rPr lang="ko-KR" altLang="en-US" smtClean="0"/>
-              <a:t>2023-10-17</a:t>
+              <a:t>2023-10-18</a:t>
             </a:fld>
             <a:endParaRPr lang="ko-KR" altLang="en-US"/>
           </a:p>
@@ -1401,7 +1411,7 @@
           <a:p>
             <a:fld id="{7989D7B3-E8E5-47A5-A35C-6E7FBDB71733}" type="datetimeFigureOut">
               <a:rPr lang="ko-KR" altLang="en-US" smtClean="0"/>
-              <a:t>2023-10-17</a:t>
+              <a:t>2023-10-18</a:t>
             </a:fld>
             <a:endParaRPr lang="ko-KR" altLang="en-US"/>
           </a:p>
@@ -1742,7 +1752,7 @@
           <a:p>
             <a:fld id="{7989D7B3-E8E5-47A5-A35C-6E7FBDB71733}" type="datetimeFigureOut">
               <a:rPr lang="ko-KR" altLang="en-US" smtClean="0"/>
-              <a:t>2023-10-17</a:t>
+              <a:t>2023-10-18</a:t>
             </a:fld>
             <a:endParaRPr lang="ko-KR" altLang="en-US"/>
           </a:p>
@@ -2056,7 +2066,7 @@
           <a:p>
             <a:fld id="{7989D7B3-E8E5-47A5-A35C-6E7FBDB71733}" type="datetimeFigureOut">
               <a:rPr lang="ko-KR" altLang="en-US" smtClean="0"/>
-              <a:t>2023-10-17</a:t>
+              <a:t>2023-10-18</a:t>
             </a:fld>
             <a:endParaRPr lang="ko-KR" altLang="en-US"/>
           </a:p>
@@ -2449,7 +2459,7 @@
           <a:p>
             <a:fld id="{7989D7B3-E8E5-47A5-A35C-6E7FBDB71733}" type="datetimeFigureOut">
               <a:rPr lang="ko-KR" altLang="en-US" smtClean="0"/>
-              <a:t>2023-10-17</a:t>
+              <a:t>2023-10-18</a:t>
             </a:fld>
             <a:endParaRPr lang="ko-KR" altLang="en-US"/>
           </a:p>
@@ -2619,7 +2629,7 @@
           <a:p>
             <a:fld id="{7989D7B3-E8E5-47A5-A35C-6E7FBDB71733}" type="datetimeFigureOut">
               <a:rPr lang="ko-KR" altLang="en-US" smtClean="0"/>
-              <a:t>2023-10-17</a:t>
+              <a:t>2023-10-18</a:t>
             </a:fld>
             <a:endParaRPr lang="ko-KR" altLang="en-US"/>
           </a:p>
@@ -2799,7 +2809,7 @@
           <a:p>
             <a:fld id="{7989D7B3-E8E5-47A5-A35C-6E7FBDB71733}" type="datetimeFigureOut">
               <a:rPr lang="ko-KR" altLang="en-US" smtClean="0"/>
-              <a:t>2023-10-17</a:t>
+              <a:t>2023-10-18</a:t>
             </a:fld>
             <a:endParaRPr lang="ko-KR" altLang="en-US"/>
           </a:p>
@@ -2975,7 +2985,7 @@
           <a:p>
             <a:fld id="{7989D7B3-E8E5-47A5-A35C-6E7FBDB71733}" type="datetimeFigureOut">
               <a:rPr lang="ko-KR" altLang="en-US" smtClean="0"/>
-              <a:t>2023-10-17</a:t>
+              <a:t>2023-10-18</a:t>
             </a:fld>
             <a:endParaRPr lang="ko-KR" altLang="en-US"/>
           </a:p>
@@ -3222,7 +3232,7 @@
           <a:p>
             <a:fld id="{7989D7B3-E8E5-47A5-A35C-6E7FBDB71733}" type="datetimeFigureOut">
               <a:rPr lang="ko-KR" altLang="en-US" smtClean="0"/>
-              <a:t>2023-10-17</a:t>
+              <a:t>2023-10-18</a:t>
             </a:fld>
             <a:endParaRPr lang="ko-KR" altLang="en-US"/>
           </a:p>
@@ -3454,7 +3464,7 @@
           <a:p>
             <a:fld id="{7989D7B3-E8E5-47A5-A35C-6E7FBDB71733}" type="datetimeFigureOut">
               <a:rPr lang="ko-KR" altLang="en-US" smtClean="0"/>
-              <a:t>2023-10-17</a:t>
+              <a:t>2023-10-18</a:t>
             </a:fld>
             <a:endParaRPr lang="ko-KR" altLang="en-US"/>
           </a:p>
@@ -3828,7 +3838,7 @@
           <a:p>
             <a:fld id="{7989D7B3-E8E5-47A5-A35C-6E7FBDB71733}" type="datetimeFigureOut">
               <a:rPr lang="ko-KR" altLang="en-US" smtClean="0"/>
-              <a:t>2023-10-17</a:t>
+              <a:t>2023-10-18</a:t>
             </a:fld>
             <a:endParaRPr lang="ko-KR" altLang="en-US"/>
           </a:p>
@@ -3951,7 +3961,7 @@
           <a:p>
             <a:fld id="{7989D7B3-E8E5-47A5-A35C-6E7FBDB71733}" type="datetimeFigureOut">
               <a:rPr lang="ko-KR" altLang="en-US" smtClean="0"/>
-              <a:t>2023-10-17</a:t>
+              <a:t>2023-10-18</a:t>
             </a:fld>
             <a:endParaRPr lang="ko-KR" altLang="en-US"/>
           </a:p>
@@ -4046,7 +4056,7 @@
           <a:p>
             <a:fld id="{7989D7B3-E8E5-47A5-A35C-6E7FBDB71733}" type="datetimeFigureOut">
               <a:rPr lang="ko-KR" altLang="en-US" smtClean="0"/>
-              <a:t>2023-10-17</a:t>
+              <a:t>2023-10-18</a:t>
             </a:fld>
             <a:endParaRPr lang="ko-KR" altLang="en-US"/>
           </a:p>
@@ -4301,7 +4311,7 @@
           <a:p>
             <a:fld id="{7989D7B3-E8E5-47A5-A35C-6E7FBDB71733}" type="datetimeFigureOut">
               <a:rPr lang="ko-KR" altLang="en-US" smtClean="0"/>
-              <a:t>2023-10-17</a:t>
+              <a:t>2023-10-18</a:t>
             </a:fld>
             <a:endParaRPr lang="ko-KR" altLang="en-US"/>
           </a:p>
@@ -4564,7 +4574,7 @@
           <a:p>
             <a:fld id="{7989D7B3-E8E5-47A5-A35C-6E7FBDB71733}" type="datetimeFigureOut">
               <a:rPr lang="ko-KR" altLang="en-US" smtClean="0"/>
-              <a:t>2023-10-17</a:t>
+              <a:t>2023-10-18</a:t>
             </a:fld>
             <a:endParaRPr lang="ko-KR" altLang="en-US"/>
           </a:p>
@@ -5307,7 +5317,7 @@
           <a:p>
             <a:fld id="{7989D7B3-E8E5-47A5-A35C-6E7FBDB71733}" type="datetimeFigureOut">
               <a:rPr lang="ko-KR" altLang="en-US" smtClean="0"/>
-              <a:t>2023-10-17</a:t>
+              <a:t>2023-10-18</a:t>
             </a:fld>
             <a:endParaRPr lang="ko-KR" altLang="en-US"/>
           </a:p>
@@ -5853,6 +5863,11 @@
           <a:p>
             <a:r>
               <a:rPr lang="ko-KR" altLang="en-US" sz="8000" dirty="0" smtClean="0">
+                <a:solidFill>
+                  <a:schemeClr val="accent2">
+                    <a:lumMod val="75000"/>
+                  </a:schemeClr>
+                </a:solidFill>
                 <a:latin typeface="나눔손글씨 펜" panose="03040600000000000000" pitchFamily="66" charset="-127"/>
                 <a:ea typeface="나눔손글씨 펜" panose="03040600000000000000" pitchFamily="66" charset="-127"/>
               </a:rPr>
@@ -5860,6 +5875,11 @@
             </a:r>
             <a:r>
               <a:rPr lang="en-US" altLang="ko-KR" sz="8000" dirty="0" smtClean="0">
+                <a:solidFill>
+                  <a:schemeClr val="accent2">
+                    <a:lumMod val="75000"/>
+                  </a:schemeClr>
+                </a:solidFill>
                 <a:latin typeface="나눔손글씨 펜" panose="03040600000000000000" pitchFamily="66" charset="-127"/>
                 <a:ea typeface="나눔손글씨 펜" panose="03040600000000000000" pitchFamily="66" charset="-127"/>
               </a:rPr>
@@ -5867,12 +5887,22 @@
             </a:r>
             <a:br>
               <a:rPr lang="en-US" altLang="ko-KR" sz="8000" dirty="0" smtClean="0">
+                <a:solidFill>
+                  <a:schemeClr val="accent2">
+                    <a:lumMod val="75000"/>
+                  </a:schemeClr>
+                </a:solidFill>
                 <a:latin typeface="나눔손글씨 펜" panose="03040600000000000000" pitchFamily="66" charset="-127"/>
                 <a:ea typeface="나눔손글씨 펜" panose="03040600000000000000" pitchFamily="66" charset="-127"/>
               </a:rPr>
             </a:br>
             <a:r>
               <a:rPr lang="en-US" altLang="ko-KR" sz="8000" dirty="0" err="1" smtClean="0">
+                <a:solidFill>
+                  <a:schemeClr val="accent2">
+                    <a:lumMod val="75000"/>
+                  </a:schemeClr>
+                </a:solidFill>
                 <a:latin typeface="나눔손글씨 펜" panose="03040600000000000000" pitchFamily="66" charset="-127"/>
                 <a:ea typeface="나눔손글씨 펜" panose="03040600000000000000" pitchFamily="66" charset="-127"/>
               </a:rPr>
@@ -5880,6 +5910,11 @@
             </a:r>
             <a:r>
               <a:rPr lang="en-US" altLang="ko-KR" sz="8000" dirty="0" smtClean="0">
+                <a:solidFill>
+                  <a:schemeClr val="accent2">
+                    <a:lumMod val="75000"/>
+                  </a:schemeClr>
+                </a:solidFill>
                 <a:latin typeface="나눔손글씨 펜" panose="03040600000000000000" pitchFamily="66" charset="-127"/>
                 <a:ea typeface="나눔손글씨 펜" panose="03040600000000000000" pitchFamily="66" charset="-127"/>
               </a:rPr>
@@ -5887,6 +5922,11 @@
             </a:r>
             <a:r>
               <a:rPr lang="en-US" altLang="ko-KR" sz="8000" dirty="0" err="1" smtClean="0">
+                <a:solidFill>
+                  <a:schemeClr val="accent2">
+                    <a:lumMod val="75000"/>
+                  </a:schemeClr>
+                </a:solidFill>
                 <a:latin typeface="나눔손글씨 펜" panose="03040600000000000000" pitchFamily="66" charset="-127"/>
                 <a:ea typeface="나눔손글씨 펜" panose="03040600000000000000" pitchFamily="66" charset="-127"/>
               </a:rPr>
@@ -5894,12 +5934,22 @@
             </a:r>
             <a:r>
               <a:rPr lang="en-US" altLang="ko-KR" sz="8000" dirty="0" smtClean="0">
+                <a:solidFill>
+                  <a:schemeClr val="accent2">
+                    <a:lumMod val="75000"/>
+                  </a:schemeClr>
+                </a:solidFill>
                 <a:latin typeface="나눔손글씨 펜" panose="03040600000000000000" pitchFamily="66" charset="-127"/>
                 <a:ea typeface="나눔손글씨 펜" panose="03040600000000000000" pitchFamily="66" charset="-127"/>
               </a:rPr>
               <a:t>)</a:t>
             </a:r>
             <a:endParaRPr lang="ko-KR" altLang="en-US" sz="8000" dirty="0">
+              <a:solidFill>
+                <a:schemeClr val="accent2">
+                  <a:lumMod val="75000"/>
+                </a:schemeClr>
+              </a:solidFill>
               <a:latin typeface="나눔손글씨 펜" panose="03040600000000000000" pitchFamily="66" charset="-127"/>
               <a:ea typeface="나눔손글씨 펜" panose="03040600000000000000" pitchFamily="66" charset="-127"/>
             </a:endParaRPr>
@@ -5922,73 +5972,181 @@
           <a:lstStyle/>
           <a:p>
             <a:r>
-              <a:rPr lang="ko-KR" altLang="en-US" dirty="0" smtClean="0"/>
+              <a:rPr lang="ko-KR" altLang="en-US" dirty="0" smtClean="0">
+                <a:solidFill>
+                  <a:schemeClr val="tx1"/>
+                </a:solidFill>
+                <a:latin typeface="휴먼모음T" panose="02030504000101010101" pitchFamily="18" charset="-127"/>
+                <a:ea typeface="휴먼모음T" panose="02030504000101010101" pitchFamily="18" charset="-127"/>
+              </a:rPr>
               <a:t>팀원</a:t>
             </a:r>
             <a:r>
-              <a:rPr lang="en-US" altLang="ko-KR" dirty="0" smtClean="0"/>
+              <a:rPr lang="en-US" altLang="ko-KR" dirty="0" smtClean="0">
+                <a:solidFill>
+                  <a:schemeClr val="tx1"/>
+                </a:solidFill>
+                <a:latin typeface="휴먼모음T" panose="02030504000101010101" pitchFamily="18" charset="-127"/>
+                <a:ea typeface="휴먼모음T" panose="02030504000101010101" pitchFamily="18" charset="-127"/>
+              </a:rPr>
               <a:t>: </a:t>
             </a:r>
             <a:r>
-              <a:rPr lang="ko-KR" altLang="en-US" dirty="0" smtClean="0"/>
+              <a:rPr lang="ko-KR" altLang="en-US" dirty="0" smtClean="0">
+                <a:solidFill>
+                  <a:schemeClr val="tx1"/>
+                </a:solidFill>
+                <a:latin typeface="휴먼모음T" panose="02030504000101010101" pitchFamily="18" charset="-127"/>
+                <a:ea typeface="휴먼모음T" panose="02030504000101010101" pitchFamily="18" charset="-127"/>
+              </a:rPr>
               <a:t>차성현</a:t>
             </a:r>
             <a:r>
-              <a:rPr lang="en-US" altLang="ko-KR" dirty="0" smtClean="0"/>
+              <a:rPr lang="en-US" altLang="ko-KR" dirty="0" smtClean="0">
+                <a:solidFill>
+                  <a:schemeClr val="tx1"/>
+                </a:solidFill>
+                <a:latin typeface="휴먼모음T" panose="02030504000101010101" pitchFamily="18" charset="-127"/>
+                <a:ea typeface="휴먼모음T" panose="02030504000101010101" pitchFamily="18" charset="-127"/>
+              </a:rPr>
               <a:t>(</a:t>
             </a:r>
             <a:r>
-              <a:rPr lang="ko-KR" altLang="en-US" dirty="0" smtClean="0"/>
+              <a:rPr lang="ko-KR" altLang="en-US" dirty="0" smtClean="0">
+                <a:solidFill>
+                  <a:schemeClr val="tx1"/>
+                </a:solidFill>
+                <a:latin typeface="휴먼모음T" panose="02030504000101010101" pitchFamily="18" charset="-127"/>
+                <a:ea typeface="휴먼모음T" panose="02030504000101010101" pitchFamily="18" charset="-127"/>
+              </a:rPr>
               <a:t>팀장</a:t>
             </a:r>
             <a:r>
-              <a:rPr lang="en-US" altLang="ko-KR" dirty="0" smtClean="0"/>
+              <a:rPr lang="en-US" altLang="ko-KR" dirty="0" smtClean="0">
+                <a:solidFill>
+                  <a:schemeClr val="tx1"/>
+                </a:solidFill>
+                <a:latin typeface="휴먼모음T" panose="02030504000101010101" pitchFamily="18" charset="-127"/>
+                <a:ea typeface="휴먼모음T" panose="02030504000101010101" pitchFamily="18" charset="-127"/>
+              </a:rPr>
               <a:t>), </a:t>
             </a:r>
             <a:r>
-              <a:rPr lang="ko-KR" altLang="en-US" dirty="0" err="1" smtClean="0"/>
+              <a:rPr lang="ko-KR" altLang="en-US" dirty="0" err="1" smtClean="0">
+                <a:solidFill>
+                  <a:schemeClr val="tx1"/>
+                </a:solidFill>
+                <a:latin typeface="휴먼모음T" panose="02030504000101010101" pitchFamily="18" charset="-127"/>
+                <a:ea typeface="휴먼모음T" panose="02030504000101010101" pitchFamily="18" charset="-127"/>
+              </a:rPr>
               <a:t>김남연</a:t>
             </a:r>
             <a:r>
-              <a:rPr lang="en-US" altLang="ko-KR" dirty="0" smtClean="0"/>
+              <a:rPr lang="en-US" altLang="ko-KR" dirty="0" smtClean="0">
+                <a:solidFill>
+                  <a:schemeClr val="tx1"/>
+                </a:solidFill>
+                <a:latin typeface="휴먼모음T" panose="02030504000101010101" pitchFamily="18" charset="-127"/>
+                <a:ea typeface="휴먼모음T" panose="02030504000101010101" pitchFamily="18" charset="-127"/>
+              </a:rPr>
               <a:t>, </a:t>
             </a:r>
             <a:r>
-              <a:rPr lang="ko-KR" altLang="en-US" dirty="0" smtClean="0"/>
+              <a:rPr lang="ko-KR" altLang="en-US" dirty="0" smtClean="0">
+                <a:solidFill>
+                  <a:schemeClr val="tx1"/>
+                </a:solidFill>
+                <a:latin typeface="휴먼모음T" panose="02030504000101010101" pitchFamily="18" charset="-127"/>
+                <a:ea typeface="휴먼모음T" panose="02030504000101010101" pitchFamily="18" charset="-127"/>
+              </a:rPr>
               <a:t>서준영</a:t>
             </a:r>
             <a:r>
-              <a:rPr lang="en-US" altLang="ko-KR" dirty="0" smtClean="0"/>
+              <a:rPr lang="en-US" altLang="ko-KR" dirty="0" smtClean="0">
+                <a:solidFill>
+                  <a:schemeClr val="tx1"/>
+                </a:solidFill>
+                <a:latin typeface="휴먼모음T" panose="02030504000101010101" pitchFamily="18" charset="-127"/>
+                <a:ea typeface="휴먼모음T" panose="02030504000101010101" pitchFamily="18" charset="-127"/>
+              </a:rPr>
               <a:t>, </a:t>
             </a:r>
             <a:r>
-              <a:rPr lang="ko-KR" altLang="en-US" dirty="0" smtClean="0"/>
+              <a:rPr lang="ko-KR" altLang="en-US" dirty="0" smtClean="0">
+                <a:solidFill>
+                  <a:schemeClr val="tx1"/>
+                </a:solidFill>
+                <a:latin typeface="휴먼모음T" panose="02030504000101010101" pitchFamily="18" charset="-127"/>
+                <a:ea typeface="휴먼모음T" panose="02030504000101010101" pitchFamily="18" charset="-127"/>
+              </a:rPr>
               <a:t>안지훈</a:t>
             </a:r>
             <a:r>
-              <a:rPr lang="en-US" altLang="ko-KR" dirty="0" smtClean="0"/>
+              <a:rPr lang="en-US" altLang="ko-KR" dirty="0" smtClean="0">
+                <a:solidFill>
+                  <a:schemeClr val="tx1"/>
+                </a:solidFill>
+                <a:latin typeface="휴먼모음T" panose="02030504000101010101" pitchFamily="18" charset="-127"/>
+                <a:ea typeface="휴먼모음T" panose="02030504000101010101" pitchFamily="18" charset="-127"/>
+              </a:rPr>
               <a:t>, </a:t>
             </a:r>
             <a:r>
-              <a:rPr lang="ko-KR" altLang="en-US" dirty="0" smtClean="0"/>
+              <a:rPr lang="ko-KR" altLang="en-US" dirty="0" smtClean="0">
+                <a:solidFill>
+                  <a:schemeClr val="tx1"/>
+                </a:solidFill>
+                <a:latin typeface="휴먼모음T" panose="02030504000101010101" pitchFamily="18" charset="-127"/>
+                <a:ea typeface="휴먼모음T" panose="02030504000101010101" pitchFamily="18" charset="-127"/>
+              </a:rPr>
               <a:t>이태주</a:t>
             </a:r>
-            <a:endParaRPr lang="en-US" altLang="ko-KR" dirty="0" smtClean="0"/>
-          </a:p>
-          <a:p>
-            <a:r>
-              <a:rPr lang="ko-KR" altLang="en-US" dirty="0" err="1"/>
+            <a:endParaRPr lang="en-US" altLang="ko-KR" dirty="0" smtClean="0">
+              <a:solidFill>
+                <a:schemeClr val="tx1"/>
+              </a:solidFill>
+              <a:latin typeface="휴먼모음T" panose="02030504000101010101" pitchFamily="18" charset="-127"/>
+              <a:ea typeface="휴먼모음T" panose="02030504000101010101" pitchFamily="18" charset="-127"/>
+            </a:endParaRPr>
+          </a:p>
+          <a:p>
+            <a:r>
+              <a:rPr lang="ko-KR" altLang="en-US" dirty="0" err="1">
+                <a:solidFill>
+                  <a:schemeClr val="tx1"/>
+                </a:solidFill>
+                <a:latin typeface="휴먼모음T" panose="02030504000101010101" pitchFamily="18" charset="-127"/>
+                <a:ea typeface="휴먼모음T" panose="02030504000101010101" pitchFamily="18" charset="-127"/>
+              </a:rPr>
               <a:t>팀명</a:t>
             </a:r>
             <a:r>
-              <a:rPr lang="en-US" altLang="ko-KR" dirty="0"/>
+              <a:rPr lang="en-US" altLang="ko-KR" dirty="0">
+                <a:solidFill>
+                  <a:schemeClr val="tx1"/>
+                </a:solidFill>
+                <a:latin typeface="휴먼모음T" panose="02030504000101010101" pitchFamily="18" charset="-127"/>
+                <a:ea typeface="휴먼모음T" panose="02030504000101010101" pitchFamily="18" charset="-127"/>
+              </a:rPr>
               <a:t>: </a:t>
             </a:r>
             <a:r>
-              <a:rPr lang="ko-KR" altLang="en-US" dirty="0" err="1" smtClean="0"/>
+              <a:rPr lang="ko-KR" altLang="en-US" dirty="0" err="1" smtClean="0">
+                <a:solidFill>
+                  <a:schemeClr val="tx1"/>
+                </a:solidFill>
+                <a:latin typeface="휴먼모음T" panose="02030504000101010101" pitchFamily="18" charset="-127"/>
+                <a:ea typeface="휴먼모음T" panose="02030504000101010101" pitchFamily="18" charset="-127"/>
+              </a:rPr>
               <a:t>시커머스</a:t>
             </a:r>
-            <a:endParaRPr lang="en-US" altLang="ko-KR" dirty="0"/>
+            <a:endParaRPr lang="en-US" altLang="ko-KR" dirty="0">
+              <a:solidFill>
+                <a:schemeClr val="tx1"/>
+              </a:solidFill>
+              <a:latin typeface="휴먼모음T" panose="02030504000101010101" pitchFamily="18" charset="-127"/>
+              <a:ea typeface="휴먼모음T" panose="02030504000101010101" pitchFamily="18" charset="-127"/>
+            </a:endParaRPr>
           </a:p>
         </p:txBody>
       </p:sp>
@@ -6002,6 +6160,1335 @@
   <p:clrMapOvr>
     <a:masterClrMapping/>
   </p:clrMapOvr>
+  <p:timing>
+    <p:tnLst>
+      <p:par>
+        <p:cTn id="1" dur="indefinite" restart="never" nodeType="tmRoot"/>
+      </p:par>
+    </p:tnLst>
+  </p:timing>
+</p:sld>
+</file>
+
+<file path=ppt/slides/slide10.xml><?xml version="1.0" encoding="utf-8"?>
+<p:sld xmlns:a="http://schemas.openxmlformats.org/drawingml/2006/main" xmlns:r="http://schemas.openxmlformats.org/officeDocument/2006/relationships" xmlns:p="http://schemas.openxmlformats.org/presentationml/2006/main">
+  <p:cSld>
+    <p:spTree>
+      <p:nvGrpSpPr>
+        <p:cNvPr id="1" name=""/>
+        <p:cNvGrpSpPr/>
+        <p:nvPr/>
+      </p:nvGrpSpPr>
+      <p:grpSpPr>
+        <a:xfrm>
+          <a:off x="0" y="0"/>
+          <a:ext cx="0" cy="0"/>
+          <a:chOff x="0" y="0"/>
+          <a:chExt cx="0" cy="0"/>
+        </a:xfrm>
+      </p:grpSpPr>
+      <p:sp>
+        <p:nvSpPr>
+          <p:cNvPr id="2" name="제목 1"/>
+          <p:cNvSpPr>
+            <a:spLocks noGrp="1"/>
+          </p:cNvSpPr>
+          <p:nvPr>
+            <p:ph type="title"/>
+          </p:nvPr>
+        </p:nvSpPr>
+        <p:spPr/>
+        <p:txBody>
+          <a:bodyPr/>
+          <a:lstStyle/>
+          <a:p>
+            <a:r>
+              <a:rPr lang="en-US" altLang="ko-KR" dirty="0" smtClean="0">
+                <a:latin typeface="휴먼모음T" panose="02030504000101010101" pitchFamily="18" charset="-127"/>
+                <a:ea typeface="휴먼모음T" panose="02030504000101010101" pitchFamily="18" charset="-127"/>
+              </a:rPr>
+              <a:t>4. </a:t>
+            </a:r>
+            <a:r>
+              <a:rPr lang="ko-KR" altLang="en-US" dirty="0" smtClean="0">
+                <a:latin typeface="휴먼모음T" panose="02030504000101010101" pitchFamily="18" charset="-127"/>
+                <a:ea typeface="휴먼모음T" panose="02030504000101010101" pitchFamily="18" charset="-127"/>
+              </a:rPr>
+              <a:t>구성원 </a:t>
+            </a:r>
+            <a:r>
+              <a:rPr lang="ko-KR" altLang="en-US" dirty="0" smtClean="0">
+                <a:latin typeface="휴먼모음T" panose="02030504000101010101" pitchFamily="18" charset="-127"/>
+                <a:ea typeface="휴먼모음T" panose="02030504000101010101" pitchFamily="18" charset="-127"/>
+              </a:rPr>
+              <a:t>및 역할 분담</a:t>
+            </a:r>
+            <a:endParaRPr lang="ko-KR" altLang="en-US" dirty="0">
+              <a:latin typeface="휴먼모음T" panose="02030504000101010101" pitchFamily="18" charset="-127"/>
+              <a:ea typeface="휴먼모음T" panose="02030504000101010101" pitchFamily="18" charset="-127"/>
+            </a:endParaRPr>
+          </a:p>
+        </p:txBody>
+      </p:sp>
+      <p:sp>
+        <p:nvSpPr>
+          <p:cNvPr id="3" name="내용 개체 틀 2"/>
+          <p:cNvSpPr>
+            <a:spLocks noGrp="1"/>
+          </p:cNvSpPr>
+          <p:nvPr>
+            <p:ph idx="1"/>
+          </p:nvPr>
+        </p:nvSpPr>
+        <p:spPr>
+          <a:xfrm>
+            <a:off x="677333" y="1458224"/>
+            <a:ext cx="8970249" cy="5101602"/>
+          </a:xfrm>
+        </p:spPr>
+        <p:txBody>
+          <a:bodyPr>
+            <a:noAutofit/>
+          </a:bodyPr>
+          <a:lstStyle/>
+          <a:p>
+            <a:pPr marL="0" indent="0" fontAlgn="base">
+              <a:buNone/>
+            </a:pPr>
+            <a:r>
+              <a:rPr lang="ko-KR" altLang="en-US" sz="1500" b="1" dirty="0">
+                <a:latin typeface="나눔고딕" panose="020D0604000000000000" pitchFamily="50" charset="-127"/>
+                <a:ea typeface="나눔고딕" panose="020D0604000000000000" pitchFamily="50" charset="-127"/>
+              </a:rPr>
+              <a:t>차성현</a:t>
+            </a:r>
+            <a:r>
+              <a:rPr lang="en-US" altLang="ko-KR" sz="1500" b="1" dirty="0">
+                <a:latin typeface="나눔고딕" panose="020D0604000000000000" pitchFamily="50" charset="-127"/>
+                <a:ea typeface="나눔고딕" panose="020D0604000000000000" pitchFamily="50" charset="-127"/>
+              </a:rPr>
+              <a:t>(</a:t>
+            </a:r>
+            <a:r>
+              <a:rPr lang="ko-KR" altLang="en-US" sz="1500" b="1" dirty="0">
+                <a:latin typeface="나눔고딕" panose="020D0604000000000000" pitchFamily="50" charset="-127"/>
+                <a:ea typeface="나눔고딕" panose="020D0604000000000000" pitchFamily="50" charset="-127"/>
+              </a:rPr>
+              <a:t>팀장</a:t>
+            </a:r>
+            <a:r>
+              <a:rPr lang="en-US" altLang="ko-KR" sz="1500" b="1" dirty="0">
+                <a:latin typeface="나눔고딕" panose="020D0604000000000000" pitchFamily="50" charset="-127"/>
+                <a:ea typeface="나눔고딕" panose="020D0604000000000000" pitchFamily="50" charset="-127"/>
+              </a:rPr>
+              <a:t>) : </a:t>
+            </a:r>
+            <a:r>
+              <a:rPr lang="ko-KR" altLang="en-US" sz="1500" b="1" dirty="0" err="1">
+                <a:latin typeface="나눔고딕" panose="020D0604000000000000" pitchFamily="50" charset="-127"/>
+                <a:ea typeface="나눔고딕" panose="020D0604000000000000" pitchFamily="50" charset="-127"/>
+              </a:rPr>
+              <a:t>메인페이지</a:t>
+            </a:r>
+            <a:endParaRPr lang="ko-KR" altLang="en-US" sz="1500" b="1" dirty="0">
+              <a:latin typeface="나눔고딕" panose="020D0604000000000000" pitchFamily="50" charset="-127"/>
+              <a:ea typeface="나눔고딕" panose="020D0604000000000000" pitchFamily="50" charset="-127"/>
+            </a:endParaRPr>
+          </a:p>
+          <a:p>
+            <a:pPr marL="0" indent="0" fontAlgn="base">
+              <a:buNone/>
+            </a:pPr>
+            <a:r>
+              <a:rPr lang="ko-KR" altLang="en-US" sz="1500" b="1" dirty="0">
+                <a:latin typeface="나눔고딕" panose="020D0604000000000000" pitchFamily="50" charset="-127"/>
+                <a:ea typeface="나눔고딕" panose="020D0604000000000000" pitchFamily="50" charset="-127"/>
+              </a:rPr>
+              <a:t>기본 작업환경 세팅</a:t>
+            </a:r>
+            <a:r>
+              <a:rPr lang="en-US" altLang="ko-KR" sz="1500" b="1" dirty="0">
+                <a:latin typeface="나눔고딕" panose="020D0604000000000000" pitchFamily="50" charset="-127"/>
+                <a:ea typeface="나눔고딕" panose="020D0604000000000000" pitchFamily="50" charset="-127"/>
+              </a:rPr>
+              <a:t>, </a:t>
+            </a:r>
+            <a:r>
+              <a:rPr lang="en-US" altLang="ko-KR" sz="1500" b="1" dirty="0" err="1">
+                <a:latin typeface="나눔고딕" panose="020D0604000000000000" pitchFamily="50" charset="-127"/>
+                <a:ea typeface="나눔고딕" panose="020D0604000000000000" pitchFamily="50" charset="-127"/>
+              </a:rPr>
+              <a:t>Git</a:t>
+            </a:r>
+            <a:r>
+              <a:rPr lang="en-US" altLang="ko-KR" sz="1500" b="1" dirty="0">
+                <a:latin typeface="나눔고딕" panose="020D0604000000000000" pitchFamily="50" charset="-127"/>
+                <a:ea typeface="나눔고딕" panose="020D0604000000000000" pitchFamily="50" charset="-127"/>
+              </a:rPr>
+              <a:t> branch merge </a:t>
+            </a:r>
+            <a:r>
+              <a:rPr lang="ko-KR" altLang="en-US" sz="1500" b="1" dirty="0">
+                <a:latin typeface="나눔고딕" panose="020D0604000000000000" pitchFamily="50" charset="-127"/>
+                <a:ea typeface="나눔고딕" panose="020D0604000000000000" pitchFamily="50" charset="-127"/>
+              </a:rPr>
+              <a:t>관리</a:t>
+            </a:r>
+            <a:r>
+              <a:rPr lang="en-US" altLang="ko-KR" sz="1500" b="1" dirty="0">
+                <a:latin typeface="나눔고딕" panose="020D0604000000000000" pitchFamily="50" charset="-127"/>
+                <a:ea typeface="나눔고딕" panose="020D0604000000000000" pitchFamily="50" charset="-127"/>
+              </a:rPr>
+              <a:t>. API</a:t>
+            </a:r>
+            <a:r>
+              <a:rPr lang="ko-KR" altLang="en-US" sz="1500" b="1" dirty="0">
+                <a:latin typeface="나눔고딕" panose="020D0604000000000000" pitchFamily="50" charset="-127"/>
+                <a:ea typeface="나눔고딕" panose="020D0604000000000000" pitchFamily="50" charset="-127"/>
+              </a:rPr>
+              <a:t>를 통한 페이지 출력 및 유저 정보 연동 확인</a:t>
+            </a:r>
+          </a:p>
+          <a:p>
+            <a:pPr marL="0" indent="0" fontAlgn="base">
+              <a:buNone/>
+            </a:pPr>
+            <a:r>
+              <a:rPr lang="ko-KR" altLang="en-US" sz="1500" b="1" dirty="0">
+                <a:latin typeface="나눔고딕" panose="020D0604000000000000" pitchFamily="50" charset="-127"/>
+                <a:ea typeface="나눔고딕" panose="020D0604000000000000" pitchFamily="50" charset="-127"/>
+              </a:rPr>
+              <a:t> </a:t>
+            </a:r>
+          </a:p>
+          <a:p>
+            <a:pPr marL="0" indent="0" fontAlgn="base">
+              <a:buNone/>
+            </a:pPr>
+            <a:r>
+              <a:rPr lang="ko-KR" altLang="en-US" sz="1500" b="1" dirty="0" err="1">
+                <a:latin typeface="나눔고딕" panose="020D0604000000000000" pitchFamily="50" charset="-127"/>
+                <a:ea typeface="나눔고딕" panose="020D0604000000000000" pitchFamily="50" charset="-127"/>
+              </a:rPr>
+              <a:t>김남연</a:t>
+            </a:r>
+            <a:r>
+              <a:rPr lang="en-US" altLang="ko-KR" sz="1500" b="1" dirty="0">
+                <a:latin typeface="나눔고딕" panose="020D0604000000000000" pitchFamily="50" charset="-127"/>
+                <a:ea typeface="나눔고딕" panose="020D0604000000000000" pitchFamily="50" charset="-127"/>
+              </a:rPr>
+              <a:t>: </a:t>
+            </a:r>
+            <a:r>
+              <a:rPr lang="ko-KR" altLang="en-US" sz="1500" b="1" dirty="0">
+                <a:latin typeface="나눔고딕" panose="020D0604000000000000" pitchFamily="50" charset="-127"/>
+                <a:ea typeface="나눔고딕" panose="020D0604000000000000" pitchFamily="50" charset="-127"/>
+              </a:rPr>
+              <a:t>로그인</a:t>
+            </a:r>
+            <a:r>
+              <a:rPr lang="en-US" altLang="ko-KR" sz="1500" b="1" dirty="0">
+                <a:latin typeface="나눔고딕" panose="020D0604000000000000" pitchFamily="50" charset="-127"/>
+                <a:ea typeface="나눔고딕" panose="020D0604000000000000" pitchFamily="50" charset="-127"/>
+              </a:rPr>
+              <a:t>/</a:t>
+            </a:r>
+            <a:r>
+              <a:rPr lang="ko-KR" altLang="en-US" sz="1500" b="1" dirty="0" smtClean="0">
+                <a:latin typeface="나눔고딕" panose="020D0604000000000000" pitchFamily="50" charset="-127"/>
+                <a:ea typeface="나눔고딕" panose="020D0604000000000000" pitchFamily="50" charset="-127"/>
+              </a:rPr>
+              <a:t>회원가입</a:t>
+            </a:r>
+            <a:r>
+              <a:rPr lang="en-US" altLang="ko-KR" sz="1500" b="1" dirty="0" smtClean="0">
+                <a:latin typeface="나눔고딕" panose="020D0604000000000000" pitchFamily="50" charset="-127"/>
+                <a:ea typeface="나눔고딕" panose="020D0604000000000000" pitchFamily="50" charset="-127"/>
+              </a:rPr>
+              <a:t>,</a:t>
+            </a:r>
+            <a:r>
+              <a:rPr lang="ko-KR" altLang="en-US" sz="1500" b="1" dirty="0" smtClean="0">
+                <a:latin typeface="나눔고딕" panose="020D0604000000000000" pitchFamily="50" charset="-127"/>
+                <a:ea typeface="나눔고딕" panose="020D0604000000000000" pitchFamily="50" charset="-127"/>
+              </a:rPr>
+              <a:t> 유저</a:t>
+            </a:r>
+            <a:r>
+              <a:rPr lang="ko-KR" altLang="en-US" sz="1500" b="1" dirty="0">
+                <a:latin typeface="나눔고딕" panose="020D0604000000000000" pitchFamily="50" charset="-127"/>
+                <a:ea typeface="나눔고딕" panose="020D0604000000000000" pitchFamily="50" charset="-127"/>
+              </a:rPr>
+              <a:t> 인증 구현</a:t>
+            </a:r>
+            <a:r>
+              <a:rPr lang="en-US" altLang="ko-KR" sz="1500" b="1" dirty="0" smtClean="0">
+                <a:latin typeface="나눔고딕" panose="020D0604000000000000" pitchFamily="50" charset="-127"/>
+                <a:ea typeface="나눔고딕" panose="020D0604000000000000" pitchFamily="50" charset="-127"/>
+              </a:rPr>
+              <a:t>.</a:t>
+            </a:r>
+          </a:p>
+          <a:p>
+            <a:pPr marL="0" indent="0" fontAlgn="base">
+              <a:buNone/>
+            </a:pPr>
+            <a:r>
+              <a:rPr lang="ko-KR" altLang="en-US" sz="1500" b="1" dirty="0" smtClean="0">
+                <a:latin typeface="나눔고딕" panose="020D0604000000000000" pitchFamily="50" charset="-127"/>
+                <a:ea typeface="나눔고딕" panose="020D0604000000000000" pitchFamily="50" charset="-127"/>
+              </a:rPr>
+              <a:t>인증된 </a:t>
+            </a:r>
+            <a:r>
+              <a:rPr lang="ko-KR" altLang="en-US" sz="1500" b="1" dirty="0" err="1" smtClean="0">
+                <a:latin typeface="나눔고딕" panose="020D0604000000000000" pitchFamily="50" charset="-127"/>
+                <a:ea typeface="나눔고딕" panose="020D0604000000000000" pitchFamily="50" charset="-127"/>
+              </a:rPr>
+              <a:t>유저별</a:t>
+            </a:r>
+            <a:r>
+              <a:rPr lang="ko-KR" altLang="en-US" sz="1500" b="1" dirty="0" smtClean="0">
+                <a:latin typeface="나눔고딕" panose="020D0604000000000000" pitchFamily="50" charset="-127"/>
+                <a:ea typeface="나눔고딕" panose="020D0604000000000000" pitchFamily="50" charset="-127"/>
+              </a:rPr>
+              <a:t> 등록 정보 입출력 설계</a:t>
+            </a:r>
+            <a:endParaRPr lang="ko-KR" altLang="en-US" sz="1500" b="1" dirty="0">
+              <a:latin typeface="나눔고딕" panose="020D0604000000000000" pitchFamily="50" charset="-127"/>
+              <a:ea typeface="나눔고딕" panose="020D0604000000000000" pitchFamily="50" charset="-127"/>
+            </a:endParaRPr>
+          </a:p>
+          <a:p>
+            <a:pPr marL="0" indent="0" fontAlgn="base">
+              <a:buNone/>
+            </a:pPr>
+            <a:r>
+              <a:rPr lang="ko-KR" altLang="en-US" sz="1500" b="1" dirty="0">
+                <a:latin typeface="나눔고딕" panose="020D0604000000000000" pitchFamily="50" charset="-127"/>
+                <a:ea typeface="나눔고딕" panose="020D0604000000000000" pitchFamily="50" charset="-127"/>
+              </a:rPr>
+              <a:t> </a:t>
+            </a:r>
+          </a:p>
+          <a:p>
+            <a:pPr marL="0" indent="0" fontAlgn="base">
+              <a:buNone/>
+            </a:pPr>
+            <a:r>
+              <a:rPr lang="ko-KR" altLang="en-US" sz="1500" b="1" dirty="0">
+                <a:latin typeface="나눔고딕" panose="020D0604000000000000" pitchFamily="50" charset="-127"/>
+                <a:ea typeface="나눔고딕" panose="020D0604000000000000" pitchFamily="50" charset="-127"/>
+              </a:rPr>
+              <a:t>서준영</a:t>
+            </a:r>
+            <a:r>
+              <a:rPr lang="en-US" altLang="ko-KR" sz="1500" b="1" dirty="0">
+                <a:latin typeface="나눔고딕" panose="020D0604000000000000" pitchFamily="50" charset="-127"/>
+                <a:ea typeface="나눔고딕" panose="020D0604000000000000" pitchFamily="50" charset="-127"/>
+              </a:rPr>
+              <a:t>: </a:t>
+            </a:r>
+            <a:r>
+              <a:rPr lang="ko-KR" altLang="en-US" sz="1500" b="1" dirty="0">
+                <a:latin typeface="나눔고딕" panose="020D0604000000000000" pitchFamily="50" charset="-127"/>
+                <a:ea typeface="나눔고딕" panose="020D0604000000000000" pitchFamily="50" charset="-127"/>
+              </a:rPr>
+              <a:t>상세페이지</a:t>
+            </a:r>
+          </a:p>
+          <a:p>
+            <a:pPr marL="0" indent="0" fontAlgn="base">
+              <a:buNone/>
+            </a:pPr>
+            <a:r>
+              <a:rPr lang="en-US" altLang="ko-KR" sz="1500" b="1" dirty="0" smtClean="0">
+                <a:latin typeface="나눔고딕" panose="020D0604000000000000" pitchFamily="50" charset="-127"/>
+                <a:ea typeface="나눔고딕" panose="020D0604000000000000" pitchFamily="50" charset="-127"/>
+              </a:rPr>
+              <a:t>API</a:t>
+            </a:r>
+            <a:r>
+              <a:rPr lang="ko-KR" altLang="en-US" sz="1500" b="1" dirty="0">
+                <a:latin typeface="나눔고딕" panose="020D0604000000000000" pitchFamily="50" charset="-127"/>
+                <a:ea typeface="나눔고딕" panose="020D0604000000000000" pitchFamily="50" charset="-127"/>
+              </a:rPr>
+              <a:t>와 </a:t>
+            </a:r>
+            <a:r>
+              <a:rPr lang="en-US" altLang="ko-KR" sz="1500" b="1" dirty="0">
+                <a:latin typeface="나눔고딕" panose="020D0604000000000000" pitchFamily="50" charset="-127"/>
+                <a:ea typeface="나눔고딕" panose="020D0604000000000000" pitchFamily="50" charset="-127"/>
+              </a:rPr>
+              <a:t>DB </a:t>
+            </a:r>
+            <a:r>
+              <a:rPr lang="ko-KR" altLang="en-US" sz="1500" b="1" dirty="0">
+                <a:latin typeface="나눔고딕" panose="020D0604000000000000" pitchFamily="50" charset="-127"/>
+                <a:ea typeface="나눔고딕" panose="020D0604000000000000" pitchFamily="50" charset="-127"/>
+              </a:rPr>
+              <a:t>활</a:t>
+            </a:r>
+            <a:r>
+              <a:rPr lang="ko-KR" altLang="en-US" sz="1500" b="1" dirty="0" smtClean="0">
+                <a:latin typeface="나눔고딕" panose="020D0604000000000000" pitchFamily="50" charset="-127"/>
+                <a:ea typeface="나눔고딕" panose="020D0604000000000000" pitchFamily="50" charset="-127"/>
+              </a:rPr>
+              <a:t>용하여</a:t>
+            </a:r>
+            <a:r>
+              <a:rPr lang="ko-KR" altLang="en-US" sz="1500" b="1" dirty="0">
+                <a:latin typeface="나눔고딕" panose="020D0604000000000000" pitchFamily="50" charset="-127"/>
+                <a:ea typeface="나눔고딕" panose="020D0604000000000000" pitchFamily="50" charset="-127"/>
+              </a:rPr>
+              <a:t> 앨범 상세정보 출력</a:t>
+            </a:r>
+            <a:r>
+              <a:rPr lang="en-US" altLang="ko-KR" sz="1500" b="1" dirty="0" smtClean="0">
+                <a:latin typeface="나눔고딕" panose="020D0604000000000000" pitchFamily="50" charset="-127"/>
+                <a:ea typeface="나눔고딕" panose="020D0604000000000000" pitchFamily="50" charset="-127"/>
+              </a:rPr>
+              <a:t>.</a:t>
+            </a:r>
+            <a:r>
+              <a:rPr lang="en-US" altLang="ko-KR" sz="1500" b="1" dirty="0">
+                <a:latin typeface="나눔고딕" panose="020D0604000000000000" pitchFamily="50" charset="-127"/>
+                <a:ea typeface="나눔고딕" panose="020D0604000000000000" pitchFamily="50" charset="-127"/>
+              </a:rPr>
+              <a:t> </a:t>
+            </a:r>
+            <a:r>
+              <a:rPr lang="ko-KR" altLang="en-US" sz="1500" b="1" dirty="0">
+                <a:latin typeface="나눔고딕" panose="020D0604000000000000" pitchFamily="50" charset="-127"/>
+                <a:ea typeface="나눔고딕" panose="020D0604000000000000" pitchFamily="50" charset="-127"/>
+              </a:rPr>
+              <a:t>플레이리스트 </a:t>
+            </a:r>
+            <a:r>
+              <a:rPr lang="ko-KR" altLang="en-US" sz="1500" b="1" dirty="0" smtClean="0">
+                <a:latin typeface="나눔고딕" panose="020D0604000000000000" pitchFamily="50" charset="-127"/>
+                <a:ea typeface="나눔고딕" panose="020D0604000000000000" pitchFamily="50" charset="-127"/>
+              </a:rPr>
+              <a:t>연동</a:t>
+            </a:r>
+            <a:endParaRPr lang="ko-KR" altLang="en-US" sz="1500" b="1" dirty="0">
+              <a:latin typeface="나눔고딕" panose="020D0604000000000000" pitchFamily="50" charset="-127"/>
+              <a:ea typeface="나눔고딕" panose="020D0604000000000000" pitchFamily="50" charset="-127"/>
+            </a:endParaRPr>
+          </a:p>
+          <a:p>
+            <a:pPr marL="0" indent="0" fontAlgn="base">
+              <a:buNone/>
+            </a:pPr>
+            <a:r>
+              <a:rPr lang="ko-KR" altLang="en-US" sz="1500" b="1" dirty="0">
+                <a:latin typeface="나눔고딕" panose="020D0604000000000000" pitchFamily="50" charset="-127"/>
+                <a:ea typeface="나눔고딕" panose="020D0604000000000000" pitchFamily="50" charset="-127"/>
+              </a:rPr>
+              <a:t> </a:t>
+            </a:r>
+          </a:p>
+          <a:p>
+            <a:pPr marL="0" indent="0" fontAlgn="base">
+              <a:buNone/>
+            </a:pPr>
+            <a:r>
+              <a:rPr lang="ko-KR" altLang="en-US" sz="1500" b="1" dirty="0">
+                <a:latin typeface="나눔고딕" panose="020D0604000000000000" pitchFamily="50" charset="-127"/>
+                <a:ea typeface="나눔고딕" panose="020D0604000000000000" pitchFamily="50" charset="-127"/>
+              </a:rPr>
+              <a:t>안지훈</a:t>
+            </a:r>
+            <a:r>
+              <a:rPr lang="en-US" altLang="ko-KR" sz="1500" b="1" dirty="0">
+                <a:latin typeface="나눔고딕" panose="020D0604000000000000" pitchFamily="50" charset="-127"/>
+                <a:ea typeface="나눔고딕" panose="020D0604000000000000" pitchFamily="50" charset="-127"/>
+              </a:rPr>
+              <a:t>: </a:t>
+            </a:r>
+            <a:r>
+              <a:rPr lang="ko-KR" altLang="en-US" sz="1500" b="1" dirty="0" err="1">
+                <a:latin typeface="나눔고딕" panose="020D0604000000000000" pitchFamily="50" charset="-127"/>
+                <a:ea typeface="나눔고딕" panose="020D0604000000000000" pitchFamily="50" charset="-127"/>
+              </a:rPr>
+              <a:t>마이페이지</a:t>
+            </a:r>
+            <a:endParaRPr lang="ko-KR" altLang="en-US" sz="1500" b="1" dirty="0">
+              <a:latin typeface="나눔고딕" panose="020D0604000000000000" pitchFamily="50" charset="-127"/>
+              <a:ea typeface="나눔고딕" panose="020D0604000000000000" pitchFamily="50" charset="-127"/>
+            </a:endParaRPr>
+          </a:p>
+          <a:p>
+            <a:pPr marL="0" indent="0" fontAlgn="base">
+              <a:buNone/>
+            </a:pPr>
+            <a:r>
+              <a:rPr lang="en-US" altLang="ko-KR" sz="1500" b="1" dirty="0" smtClean="0">
+                <a:latin typeface="나눔고딕" panose="020D0604000000000000" pitchFamily="50" charset="-127"/>
+                <a:ea typeface="나눔고딕" panose="020D0604000000000000" pitchFamily="50" charset="-127"/>
+              </a:rPr>
+              <a:t>DB</a:t>
+            </a:r>
+            <a:r>
+              <a:rPr lang="ko-KR" altLang="en-US" sz="1500" b="1" dirty="0">
+                <a:latin typeface="나눔고딕" panose="020D0604000000000000" pitchFamily="50" charset="-127"/>
+                <a:ea typeface="나눔고딕" panose="020D0604000000000000" pitchFamily="50" charset="-127"/>
+              </a:rPr>
+              <a:t>에서 인증된 유저 정보를 토대로 </a:t>
+            </a:r>
+            <a:r>
+              <a:rPr lang="en-US" altLang="ko-KR" sz="1500" b="1" dirty="0">
+                <a:latin typeface="나눔고딕" panose="020D0604000000000000" pitchFamily="50" charset="-127"/>
+                <a:ea typeface="나눔고딕" panose="020D0604000000000000" pitchFamily="50" charset="-127"/>
+              </a:rPr>
+              <a:t>'</a:t>
+            </a:r>
+            <a:r>
+              <a:rPr lang="ko-KR" altLang="en-US" sz="1500" b="1" dirty="0">
+                <a:latin typeface="나눔고딕" panose="020D0604000000000000" pitchFamily="50" charset="-127"/>
+                <a:ea typeface="나눔고딕" panose="020D0604000000000000" pitchFamily="50" charset="-127"/>
+              </a:rPr>
+              <a:t>좋아요</a:t>
+            </a:r>
+            <a:r>
+              <a:rPr lang="en-US" altLang="ko-KR" sz="1500" b="1" dirty="0">
+                <a:latin typeface="나눔고딕" panose="020D0604000000000000" pitchFamily="50" charset="-127"/>
+                <a:ea typeface="나눔고딕" panose="020D0604000000000000" pitchFamily="50" charset="-127"/>
+              </a:rPr>
+              <a:t>', '</a:t>
+            </a:r>
+            <a:r>
+              <a:rPr lang="ko-KR" altLang="en-US" sz="1500" b="1" dirty="0">
+                <a:latin typeface="나눔고딕" panose="020D0604000000000000" pitchFamily="50" charset="-127"/>
+                <a:ea typeface="나눔고딕" panose="020D0604000000000000" pitchFamily="50" charset="-127"/>
+              </a:rPr>
+              <a:t>플레이리스트</a:t>
+            </a:r>
+            <a:r>
+              <a:rPr lang="en-US" altLang="ko-KR" sz="1500" b="1" dirty="0" smtClean="0">
+                <a:latin typeface="나눔고딕" panose="020D0604000000000000" pitchFamily="50" charset="-127"/>
+                <a:ea typeface="나눔고딕" panose="020D0604000000000000" pitchFamily="50" charset="-127"/>
+              </a:rPr>
+              <a:t>'</a:t>
+            </a:r>
+            <a:r>
+              <a:rPr lang="ko-KR" altLang="en-US" sz="1500" b="1" dirty="0">
+                <a:latin typeface="나눔고딕" panose="020D0604000000000000" pitchFamily="50" charset="-127"/>
+                <a:ea typeface="나눔고딕" panose="020D0604000000000000" pitchFamily="50" charset="-127"/>
+              </a:rPr>
+              <a:t>를 </a:t>
+            </a:r>
+            <a:r>
+              <a:rPr lang="ko-KR" altLang="en-US" sz="1500" b="1" dirty="0" err="1">
+                <a:latin typeface="나눔고딕" panose="020D0604000000000000" pitchFamily="50" charset="-127"/>
+                <a:ea typeface="나눔고딕" panose="020D0604000000000000" pitchFamily="50" charset="-127"/>
+              </a:rPr>
+              <a:t>마이페이지에</a:t>
+            </a:r>
+            <a:r>
+              <a:rPr lang="ko-KR" altLang="en-US" sz="1500" b="1" dirty="0">
+                <a:latin typeface="나눔고딕" panose="020D0604000000000000" pitchFamily="50" charset="-127"/>
+                <a:ea typeface="나눔고딕" panose="020D0604000000000000" pitchFamily="50" charset="-127"/>
+              </a:rPr>
+              <a:t> </a:t>
+            </a:r>
+            <a:r>
+              <a:rPr lang="ko-KR" altLang="en-US" sz="1500" b="1" dirty="0" smtClean="0">
+                <a:latin typeface="나눔고딕" panose="020D0604000000000000" pitchFamily="50" charset="-127"/>
+                <a:ea typeface="나눔고딕" panose="020D0604000000000000" pitchFamily="50" charset="-127"/>
+              </a:rPr>
+              <a:t>연동</a:t>
+            </a:r>
+            <a:endParaRPr lang="ko-KR" altLang="en-US" sz="1500" b="1" dirty="0">
+              <a:latin typeface="나눔고딕" panose="020D0604000000000000" pitchFamily="50" charset="-127"/>
+              <a:ea typeface="나눔고딕" panose="020D0604000000000000" pitchFamily="50" charset="-127"/>
+            </a:endParaRPr>
+          </a:p>
+          <a:p>
+            <a:pPr marL="0" indent="0" fontAlgn="base">
+              <a:buNone/>
+            </a:pPr>
+            <a:r>
+              <a:rPr lang="ko-KR" altLang="en-US" sz="1500" b="1" dirty="0">
+                <a:latin typeface="나눔고딕" panose="020D0604000000000000" pitchFamily="50" charset="-127"/>
+                <a:ea typeface="나눔고딕" panose="020D0604000000000000" pitchFamily="50" charset="-127"/>
+              </a:rPr>
+              <a:t> </a:t>
+            </a:r>
+          </a:p>
+          <a:p>
+            <a:pPr marL="0" indent="0" fontAlgn="base">
+              <a:buNone/>
+            </a:pPr>
+            <a:r>
+              <a:rPr lang="ko-KR" altLang="en-US" sz="1500" b="1" dirty="0">
+                <a:latin typeface="나눔고딕" panose="020D0604000000000000" pitchFamily="50" charset="-127"/>
+                <a:ea typeface="나눔고딕" panose="020D0604000000000000" pitchFamily="50" charset="-127"/>
+              </a:rPr>
+              <a:t>이태주</a:t>
+            </a:r>
+            <a:r>
+              <a:rPr lang="en-US" altLang="ko-KR" sz="1500" b="1" dirty="0">
+                <a:latin typeface="나눔고딕" panose="020D0604000000000000" pitchFamily="50" charset="-127"/>
+                <a:ea typeface="나눔고딕" panose="020D0604000000000000" pitchFamily="50" charset="-127"/>
+              </a:rPr>
+              <a:t>: </a:t>
+            </a:r>
+            <a:r>
+              <a:rPr lang="ko-KR" altLang="en-US" sz="1500" b="1" dirty="0" err="1">
+                <a:latin typeface="나눔고딕" panose="020D0604000000000000" pitchFamily="50" charset="-127"/>
+                <a:ea typeface="나눔고딕" panose="020D0604000000000000" pitchFamily="50" charset="-127"/>
+              </a:rPr>
+              <a:t>메인페이지</a:t>
+            </a:r>
+            <a:endParaRPr lang="ko-KR" altLang="en-US" sz="1500" b="1" dirty="0">
+              <a:latin typeface="나눔고딕" panose="020D0604000000000000" pitchFamily="50" charset="-127"/>
+              <a:ea typeface="나눔고딕" panose="020D0604000000000000" pitchFamily="50" charset="-127"/>
+            </a:endParaRPr>
+          </a:p>
+          <a:p>
+            <a:pPr marL="0" indent="0" fontAlgn="base">
+              <a:buNone/>
+            </a:pPr>
+            <a:r>
+              <a:rPr lang="en-US" altLang="ko-KR" sz="1500" b="1" dirty="0" smtClean="0">
+                <a:latin typeface="나눔고딕" panose="020D0604000000000000" pitchFamily="50" charset="-127"/>
+                <a:ea typeface="나눔고딕" panose="020D0604000000000000" pitchFamily="50" charset="-127"/>
+              </a:rPr>
+              <a:t>API</a:t>
+            </a:r>
+            <a:r>
+              <a:rPr lang="en-US" altLang="ko-KR" sz="1500" b="1" dirty="0">
+                <a:latin typeface="나눔고딕" panose="020D0604000000000000" pitchFamily="50" charset="-127"/>
+                <a:ea typeface="나눔고딕" panose="020D0604000000000000" pitchFamily="50" charset="-127"/>
+              </a:rPr>
+              <a:t> </a:t>
+            </a:r>
+            <a:r>
+              <a:rPr lang="ko-KR" altLang="en-US" sz="1500" b="1" dirty="0">
+                <a:latin typeface="나눔고딕" panose="020D0604000000000000" pitchFamily="50" charset="-127"/>
+                <a:ea typeface="나눔고딕" panose="020D0604000000000000" pitchFamily="50" charset="-127"/>
+              </a:rPr>
+              <a:t>활용하여 </a:t>
+            </a:r>
+            <a:r>
+              <a:rPr lang="ko-KR" altLang="en-US" sz="1500" b="1" dirty="0" err="1">
+                <a:latin typeface="나눔고딕" panose="020D0604000000000000" pitchFamily="50" charset="-127"/>
+                <a:ea typeface="나눔고딕" panose="020D0604000000000000" pitchFamily="50" charset="-127"/>
+              </a:rPr>
+              <a:t>추천음악</a:t>
+            </a:r>
+            <a:r>
+              <a:rPr lang="en-US" altLang="ko-KR" sz="1500" b="1" dirty="0">
+                <a:latin typeface="나눔고딕" panose="020D0604000000000000" pitchFamily="50" charset="-127"/>
+                <a:ea typeface="나눔고딕" panose="020D0604000000000000" pitchFamily="50" charset="-127"/>
+              </a:rPr>
+              <a:t>, </a:t>
+            </a:r>
+            <a:r>
+              <a:rPr lang="ko-KR" altLang="en-US" sz="1500" b="1" dirty="0" err="1">
+                <a:latin typeface="나눔고딕" panose="020D0604000000000000" pitchFamily="50" charset="-127"/>
+                <a:ea typeface="나눔고딕" panose="020D0604000000000000" pitchFamily="50" charset="-127"/>
+              </a:rPr>
+              <a:t>최신음악</a:t>
+            </a:r>
+            <a:r>
+              <a:rPr lang="ko-KR" altLang="en-US" sz="1500" b="1" dirty="0">
+                <a:latin typeface="나눔고딕" panose="020D0604000000000000" pitchFamily="50" charset="-127"/>
+                <a:ea typeface="나눔고딕" panose="020D0604000000000000" pitchFamily="50" charset="-127"/>
+              </a:rPr>
+              <a:t> </a:t>
+            </a:r>
+            <a:r>
+              <a:rPr lang="ko-KR" altLang="en-US" sz="1500" b="1" dirty="0" smtClean="0">
+                <a:latin typeface="나눔고딕" panose="020D0604000000000000" pitchFamily="50" charset="-127"/>
+                <a:ea typeface="나눔고딕" panose="020D0604000000000000" pitchFamily="50" charset="-127"/>
+              </a:rPr>
+              <a:t>출력</a:t>
+            </a:r>
+            <a:r>
+              <a:rPr lang="en-US" altLang="ko-KR" sz="1500" b="1" dirty="0">
+                <a:latin typeface="나눔고딕" panose="020D0604000000000000" pitchFamily="50" charset="-127"/>
+                <a:ea typeface="나눔고딕" panose="020D0604000000000000" pitchFamily="50" charset="-127"/>
+              </a:rPr>
+              <a:t>, </a:t>
+            </a:r>
+            <a:r>
+              <a:rPr lang="ko-KR" altLang="en-US" sz="1500" b="1" dirty="0">
+                <a:latin typeface="나눔고딕" panose="020D0604000000000000" pitchFamily="50" charset="-127"/>
+                <a:ea typeface="나눔고딕" panose="020D0604000000000000" pitchFamily="50" charset="-127"/>
+              </a:rPr>
+              <a:t>페이지 스타일 </a:t>
+            </a:r>
+            <a:r>
+              <a:rPr lang="ko-KR" altLang="en-US" sz="1500" b="1" dirty="0" smtClean="0">
+                <a:latin typeface="나눔고딕" panose="020D0604000000000000" pitchFamily="50" charset="-127"/>
+                <a:ea typeface="나눔고딕" panose="020D0604000000000000" pitchFamily="50" charset="-127"/>
+              </a:rPr>
+              <a:t>정립</a:t>
+            </a:r>
+            <a:endParaRPr lang="ko-KR" altLang="en-US" sz="1500" b="1" dirty="0">
+              <a:latin typeface="나눔고딕" panose="020D0604000000000000" pitchFamily="50" charset="-127"/>
+              <a:ea typeface="나눔고딕" panose="020D0604000000000000" pitchFamily="50" charset="-127"/>
+            </a:endParaRPr>
+          </a:p>
+        </p:txBody>
+      </p:sp>
+    </p:spTree>
+    <p:extLst>
+      <p:ext uri="{BB962C8B-B14F-4D97-AF65-F5344CB8AC3E}">
+        <p14:creationId xmlns:p14="http://schemas.microsoft.com/office/powerpoint/2010/main" val="1716013376"/>
+      </p:ext>
+    </p:extLst>
+  </p:cSld>
+  <p:clrMapOvr>
+    <a:masterClrMapping/>
+  </p:clrMapOvr>
+  <p:timing>
+    <p:tnLst>
+      <p:par>
+        <p:cTn id="1" dur="indefinite" restart="never" nodeType="tmRoot"/>
+      </p:par>
+    </p:tnLst>
+  </p:timing>
+</p:sld>
+</file>
+
+<file path=ppt/slides/slide11.xml><?xml version="1.0" encoding="utf-8"?>
+<p:sld xmlns:a="http://schemas.openxmlformats.org/drawingml/2006/main" xmlns:r="http://schemas.openxmlformats.org/officeDocument/2006/relationships" xmlns:p="http://schemas.openxmlformats.org/presentationml/2006/main">
+  <p:cSld>
+    <p:spTree>
+      <p:nvGrpSpPr>
+        <p:cNvPr id="1" name=""/>
+        <p:cNvGrpSpPr/>
+        <p:nvPr/>
+      </p:nvGrpSpPr>
+      <p:grpSpPr>
+        <a:xfrm>
+          <a:off x="0" y="0"/>
+          <a:ext cx="0" cy="0"/>
+          <a:chOff x="0" y="0"/>
+          <a:chExt cx="0" cy="0"/>
+        </a:xfrm>
+      </p:grpSpPr>
+      <p:sp>
+        <p:nvSpPr>
+          <p:cNvPr id="2" name="세로 제목 1"/>
+          <p:cNvSpPr>
+            <a:spLocks noGrp="1"/>
+          </p:cNvSpPr>
+          <p:nvPr>
+            <p:ph type="title" orient="vert"/>
+          </p:nvPr>
+        </p:nvSpPr>
+        <p:spPr>
+          <a:xfrm>
+            <a:off x="677333" y="1930400"/>
+            <a:ext cx="1304743" cy="3930651"/>
+          </a:xfrm>
+        </p:spPr>
+        <p:txBody>
+          <a:bodyPr vert="horz">
+            <a:normAutofit fontScale="90000"/>
+          </a:bodyPr>
+          <a:lstStyle/>
+          <a:p>
+            <a:r>
+              <a:rPr lang="en-US" altLang="ko-KR" dirty="0" smtClean="0"/>
+              <a:t>10/17</a:t>
+            </a:r>
+            <a:br>
+              <a:rPr lang="en-US" altLang="ko-KR" dirty="0" smtClean="0"/>
+            </a:br>
+            <a:r>
+              <a:rPr lang="en-US" altLang="ko-KR" dirty="0" smtClean="0"/>
+              <a:t>10/18</a:t>
+            </a:r>
+            <a:br>
+              <a:rPr lang="en-US" altLang="ko-KR" dirty="0" smtClean="0"/>
+            </a:br>
+            <a:r>
+              <a:rPr lang="en-US" altLang="ko-KR" dirty="0" smtClean="0"/>
+              <a:t>10/20</a:t>
+            </a:r>
+            <a:br>
+              <a:rPr lang="en-US" altLang="ko-KR" dirty="0" smtClean="0"/>
+            </a:br>
+            <a:r>
+              <a:rPr lang="en-US" altLang="ko-KR" dirty="0" smtClean="0"/>
+              <a:t>10/24</a:t>
+            </a:r>
+            <a:br>
+              <a:rPr lang="en-US" altLang="ko-KR" dirty="0" smtClean="0"/>
+            </a:br>
+            <a:r>
+              <a:rPr lang="en-US" altLang="ko-KR" dirty="0" smtClean="0"/>
+              <a:t>10/25</a:t>
+            </a:r>
+            <a:br>
+              <a:rPr lang="en-US" altLang="ko-KR" dirty="0" smtClean="0"/>
+            </a:br>
+            <a:r>
+              <a:rPr lang="en-US" altLang="ko-KR" dirty="0" smtClean="0"/>
+              <a:t>10/26</a:t>
+            </a:r>
+            <a:endParaRPr lang="ko-KR" altLang="en-US" dirty="0"/>
+          </a:p>
+        </p:txBody>
+      </p:sp>
+      <p:sp>
+        <p:nvSpPr>
+          <p:cNvPr id="3" name="세로 텍스트 개체 틀 2"/>
+          <p:cNvSpPr>
+            <a:spLocks noGrp="1"/>
+          </p:cNvSpPr>
+          <p:nvPr>
+            <p:ph type="body" orient="vert" idx="1"/>
+          </p:nvPr>
+        </p:nvSpPr>
+        <p:spPr>
+          <a:xfrm>
+            <a:off x="2213852" y="2433982"/>
+            <a:ext cx="7060150" cy="3930650"/>
+          </a:xfrm>
+        </p:spPr>
+        <p:txBody>
+          <a:bodyPr vert="horz">
+            <a:normAutofit/>
+          </a:bodyPr>
+          <a:lstStyle/>
+          <a:p>
+            <a:r>
+              <a:rPr lang="ko-KR" altLang="en-US" sz="2400" dirty="0" smtClean="0"/>
+              <a:t>기획서 제출</a:t>
+            </a:r>
+            <a:r>
+              <a:rPr lang="en-US" altLang="ko-KR" sz="2400" dirty="0" smtClean="0"/>
+              <a:t>, </a:t>
+            </a:r>
+            <a:r>
+              <a:rPr lang="en-US" altLang="ko-KR" sz="2400" dirty="0" err="1" smtClean="0"/>
+              <a:t>audio_features</a:t>
+            </a:r>
+            <a:r>
+              <a:rPr lang="en-US" altLang="ko-KR" sz="2400" dirty="0" smtClean="0"/>
+              <a:t>() </a:t>
+            </a:r>
+            <a:r>
+              <a:rPr lang="ko-KR" altLang="en-US" sz="2400" dirty="0" err="1" smtClean="0"/>
+              <a:t>구현법</a:t>
+            </a:r>
+            <a:r>
+              <a:rPr lang="ko-KR" altLang="en-US" sz="2400" dirty="0" smtClean="0"/>
+              <a:t> 추가 회의</a:t>
+            </a:r>
+            <a:endParaRPr lang="en-US" altLang="ko-KR" sz="2400" dirty="0" smtClean="0"/>
+          </a:p>
+          <a:p>
+            <a:r>
+              <a:rPr lang="ko-KR" altLang="en-US" sz="2400" dirty="0" smtClean="0"/>
+              <a:t>프로젝트 발표</a:t>
+            </a:r>
+            <a:r>
+              <a:rPr lang="en-US" altLang="ko-KR" sz="2400" dirty="0" smtClean="0"/>
+              <a:t>, </a:t>
+            </a:r>
+            <a:r>
+              <a:rPr lang="ko-KR" altLang="en-US" sz="2400" dirty="0" smtClean="0"/>
+              <a:t>기초 기능 구현 시작</a:t>
+            </a:r>
+            <a:endParaRPr lang="en-US" altLang="ko-KR" sz="2400" dirty="0" smtClean="0"/>
+          </a:p>
+          <a:p>
+            <a:r>
+              <a:rPr lang="ko-KR" altLang="en-US" sz="2400" dirty="0" smtClean="0"/>
+              <a:t>기초 기능 구성 완료</a:t>
+            </a:r>
+            <a:r>
+              <a:rPr lang="en-US" altLang="ko-KR" sz="2400" dirty="0" smtClean="0"/>
+              <a:t>, </a:t>
+            </a:r>
+            <a:r>
+              <a:rPr lang="ko-KR" altLang="en-US" sz="2400" dirty="0" smtClean="0"/>
+              <a:t>추가 기능 구현 회의</a:t>
+            </a:r>
+            <a:endParaRPr lang="en-US" altLang="ko-KR" sz="2400" dirty="0" smtClean="0"/>
+          </a:p>
+          <a:p>
+            <a:r>
+              <a:rPr lang="ko-KR" altLang="en-US" sz="2400" dirty="0" smtClean="0"/>
+              <a:t>모든 기능 구현 및 </a:t>
+            </a:r>
+            <a:r>
+              <a:rPr lang="en-US" altLang="ko-KR" sz="2400" dirty="0" smtClean="0"/>
+              <a:t>html </a:t>
+            </a:r>
+            <a:r>
+              <a:rPr lang="ko-KR" altLang="en-US" sz="2400" dirty="0" smtClean="0"/>
+              <a:t>작성 완료</a:t>
+            </a:r>
+            <a:endParaRPr lang="en-US" altLang="ko-KR" sz="2400" dirty="0" smtClean="0"/>
+          </a:p>
+          <a:p>
+            <a:r>
+              <a:rPr lang="ko-KR" altLang="en-US" sz="2400" dirty="0" smtClean="0"/>
+              <a:t>기능 테스트 및 버그 수정</a:t>
+            </a:r>
+            <a:endParaRPr lang="en-US" altLang="ko-KR" sz="2400" dirty="0" smtClean="0"/>
+          </a:p>
+          <a:p>
+            <a:r>
+              <a:rPr lang="ko-KR" altLang="en-US" sz="2400" dirty="0" smtClean="0"/>
+              <a:t>프로젝트 결과 발표</a:t>
+            </a:r>
+            <a:endParaRPr lang="ko-KR" altLang="en-US" sz="2400" dirty="0"/>
+          </a:p>
+        </p:txBody>
+      </p:sp>
+      <p:sp>
+        <p:nvSpPr>
+          <p:cNvPr id="4" name="제목 1"/>
+          <p:cNvSpPr txBox="1">
+            <a:spLocks/>
+          </p:cNvSpPr>
+          <p:nvPr/>
+        </p:nvSpPr>
+        <p:spPr>
+          <a:xfrm>
+            <a:off x="677334" y="609600"/>
+            <a:ext cx="8596668" cy="1320800"/>
+          </a:xfrm>
+          <a:prstGeom prst="rect">
+            <a:avLst/>
+          </a:prstGeom>
+        </p:spPr>
+        <p:txBody>
+          <a:bodyPr vert="horz" lIns="91440" tIns="45720" rIns="91440" bIns="45720" rtlCol="0" anchor="ctr">
+            <a:normAutofit/>
+          </a:bodyPr>
+          <a:lstStyle>
+            <a:lvl1pPr algn="l" defTabSz="457200" rtl="0" eaLnBrk="1" latinLnBrk="1" hangingPunct="1">
+              <a:spcBef>
+                <a:spcPct val="0"/>
+              </a:spcBef>
+              <a:buNone/>
+              <a:defRPr sz="3600" kern="1200">
+                <a:solidFill>
+                  <a:schemeClr val="accent1"/>
+                </a:solidFill>
+                <a:latin typeface="+mj-lt"/>
+                <a:ea typeface="+mj-ea"/>
+                <a:cs typeface="+mj-cs"/>
+              </a:defRPr>
+            </a:lvl1pPr>
+            <a:lvl2pPr eaLnBrk="1" latinLnBrk="1" hangingPunct="1">
+              <a:defRPr>
+                <a:solidFill>
+                  <a:schemeClr val="tx2"/>
+                </a:solidFill>
+              </a:defRPr>
+            </a:lvl2pPr>
+            <a:lvl3pPr eaLnBrk="1" latinLnBrk="1" hangingPunct="1">
+              <a:defRPr>
+                <a:solidFill>
+                  <a:schemeClr val="tx2"/>
+                </a:solidFill>
+              </a:defRPr>
+            </a:lvl3pPr>
+            <a:lvl4pPr eaLnBrk="1" latinLnBrk="1" hangingPunct="1">
+              <a:defRPr>
+                <a:solidFill>
+                  <a:schemeClr val="tx2"/>
+                </a:solidFill>
+              </a:defRPr>
+            </a:lvl4pPr>
+            <a:lvl5pPr eaLnBrk="1" latinLnBrk="1" hangingPunct="1">
+              <a:defRPr>
+                <a:solidFill>
+                  <a:schemeClr val="tx2"/>
+                </a:solidFill>
+              </a:defRPr>
+            </a:lvl5pPr>
+            <a:lvl6pPr eaLnBrk="1" latinLnBrk="1" hangingPunct="1">
+              <a:defRPr>
+                <a:solidFill>
+                  <a:schemeClr val="tx2"/>
+                </a:solidFill>
+              </a:defRPr>
+            </a:lvl6pPr>
+            <a:lvl7pPr eaLnBrk="1" latinLnBrk="1" hangingPunct="1">
+              <a:defRPr>
+                <a:solidFill>
+                  <a:schemeClr val="tx2"/>
+                </a:solidFill>
+              </a:defRPr>
+            </a:lvl7pPr>
+            <a:lvl8pPr eaLnBrk="1" latinLnBrk="1" hangingPunct="1">
+              <a:defRPr>
+                <a:solidFill>
+                  <a:schemeClr val="tx2"/>
+                </a:solidFill>
+              </a:defRPr>
+            </a:lvl8pPr>
+            <a:lvl9pPr eaLnBrk="1" latinLnBrk="1" hangingPunct="1">
+              <a:defRPr>
+                <a:solidFill>
+                  <a:schemeClr val="tx2"/>
+                </a:solidFill>
+              </a:defRPr>
+            </a:lvl9pPr>
+          </a:lstStyle>
+          <a:p>
+            <a:r>
+              <a:rPr lang="en-US" altLang="ko-KR" dirty="0" smtClean="0">
+                <a:latin typeface="휴먼모음T" panose="02030504000101010101" pitchFamily="18" charset="-127"/>
+                <a:ea typeface="휴먼모음T" panose="02030504000101010101" pitchFamily="18" charset="-127"/>
+              </a:rPr>
+              <a:t>5. </a:t>
+            </a:r>
+            <a:r>
+              <a:rPr lang="ko-KR" altLang="en-US" dirty="0" smtClean="0">
+                <a:latin typeface="휴먼모음T" panose="02030504000101010101" pitchFamily="18" charset="-127"/>
+                <a:ea typeface="휴먼모음T" panose="02030504000101010101" pitchFamily="18" charset="-127"/>
+              </a:rPr>
+              <a:t>프로젝트 </a:t>
+            </a:r>
+            <a:r>
+              <a:rPr lang="ko-KR" altLang="en-US" dirty="0" smtClean="0">
+                <a:latin typeface="휴먼모음T" panose="02030504000101010101" pitchFamily="18" charset="-127"/>
+                <a:ea typeface="휴먼모음T" panose="02030504000101010101" pitchFamily="18" charset="-127"/>
+              </a:rPr>
+              <a:t>수행 일정</a:t>
+            </a:r>
+            <a:endParaRPr lang="ko-KR" altLang="en-US" dirty="0">
+              <a:latin typeface="휴먼모음T" panose="02030504000101010101" pitchFamily="18" charset="-127"/>
+              <a:ea typeface="휴먼모음T" panose="02030504000101010101" pitchFamily="18" charset="-127"/>
+            </a:endParaRPr>
+          </a:p>
+        </p:txBody>
+      </p:sp>
+    </p:spTree>
+    <p:extLst>
+      <p:ext uri="{BB962C8B-B14F-4D97-AF65-F5344CB8AC3E}">
+        <p14:creationId xmlns:p14="http://schemas.microsoft.com/office/powerpoint/2010/main" val="3294084660"/>
+      </p:ext>
+    </p:extLst>
+  </p:cSld>
+  <p:clrMapOvr>
+    <a:masterClrMapping/>
+  </p:clrMapOvr>
+  <p:timing>
+    <p:tnLst>
+      <p:par>
+        <p:cTn id="1" dur="indefinite" restart="never" nodeType="tmRoot"/>
+      </p:par>
+    </p:tnLst>
+  </p:timing>
+</p:sld>
+</file>
+
+<file path=ppt/slides/slide12.xml><?xml version="1.0" encoding="utf-8"?>
+<p:sld xmlns:a="http://schemas.openxmlformats.org/drawingml/2006/main" xmlns:r="http://schemas.openxmlformats.org/officeDocument/2006/relationships" xmlns:p="http://schemas.openxmlformats.org/presentationml/2006/main">
+  <p:cSld>
+    <p:spTree>
+      <p:nvGrpSpPr>
+        <p:cNvPr id="1" name=""/>
+        <p:cNvGrpSpPr/>
+        <p:nvPr/>
+      </p:nvGrpSpPr>
+      <p:grpSpPr>
+        <a:xfrm>
+          <a:off x="0" y="0"/>
+          <a:ext cx="0" cy="0"/>
+          <a:chOff x="0" y="0"/>
+          <a:chExt cx="0" cy="0"/>
+        </a:xfrm>
+      </p:grpSpPr>
+      <p:sp>
+        <p:nvSpPr>
+          <p:cNvPr id="2" name="제목 1"/>
+          <p:cNvSpPr>
+            <a:spLocks noGrp="1"/>
+          </p:cNvSpPr>
+          <p:nvPr>
+            <p:ph type="title"/>
+          </p:nvPr>
+        </p:nvSpPr>
+        <p:spPr/>
+        <p:txBody>
+          <a:bodyPr/>
+          <a:lstStyle/>
+          <a:p>
+            <a:r>
+              <a:rPr lang="ko-KR" altLang="en-US" dirty="0" smtClean="0">
+                <a:latin typeface="휴먼모음T" panose="02030504000101010101" pitchFamily="18" charset="-127"/>
+                <a:ea typeface="휴먼모음T" panose="02030504000101010101" pitchFamily="18" charset="-127"/>
+              </a:rPr>
+              <a:t>팀 규칙</a:t>
+            </a:r>
+            <a:endParaRPr lang="ko-KR" altLang="en-US" dirty="0">
+              <a:latin typeface="휴먼모음T" panose="02030504000101010101" pitchFamily="18" charset="-127"/>
+              <a:ea typeface="휴먼모음T" panose="02030504000101010101" pitchFamily="18" charset="-127"/>
+            </a:endParaRPr>
+          </a:p>
+        </p:txBody>
+      </p:sp>
+      <p:sp>
+        <p:nvSpPr>
+          <p:cNvPr id="3" name="내용 개체 틀 2"/>
+          <p:cNvSpPr>
+            <a:spLocks noGrp="1"/>
+          </p:cNvSpPr>
+          <p:nvPr>
+            <p:ph idx="1"/>
+          </p:nvPr>
+        </p:nvSpPr>
+        <p:spPr/>
+        <p:txBody>
+          <a:bodyPr/>
+          <a:lstStyle/>
+          <a:p>
+            <a:pPr>
+              <a:buFont typeface="+mj-lt"/>
+              <a:buAutoNum type="arabicPeriod"/>
+            </a:pPr>
+            <a:r>
+              <a:rPr lang="ko-KR" altLang="ko-KR" b="1" dirty="0"/>
+              <a:t>본인에게 맡겨진 업무는 반드시 기한 내로 끝내야만 한다</a:t>
+            </a:r>
+            <a:r>
+              <a:rPr lang="en-US" altLang="ko-KR" b="1" dirty="0" smtClean="0"/>
+              <a:t>.</a:t>
+            </a:r>
+            <a:endParaRPr lang="en-US" altLang="ko-KR" dirty="0" smtClean="0"/>
+          </a:p>
+          <a:p>
+            <a:pPr>
+              <a:buFont typeface="+mj-lt"/>
+              <a:buAutoNum type="arabicPeriod"/>
+            </a:pPr>
+            <a:endParaRPr lang="ko-KR" altLang="ko-KR" dirty="0"/>
+          </a:p>
+          <a:p>
+            <a:pPr>
+              <a:buFont typeface="+mj-lt"/>
+              <a:buAutoNum type="arabicPeriod"/>
+            </a:pPr>
+            <a:r>
+              <a:rPr lang="ko-KR" altLang="ko-KR" dirty="0"/>
+              <a:t>아침</a:t>
+            </a:r>
+            <a:r>
+              <a:rPr lang="en-US" altLang="ko-KR" dirty="0"/>
+              <a:t> 9</a:t>
+            </a:r>
+            <a:r>
+              <a:rPr lang="ko-KR" altLang="ko-KR" dirty="0"/>
+              <a:t>시부터 저녁</a:t>
+            </a:r>
+            <a:r>
+              <a:rPr lang="en-US" altLang="ko-KR" dirty="0"/>
+              <a:t> 6</a:t>
+            </a:r>
+            <a:r>
+              <a:rPr lang="ko-KR" altLang="ko-KR" dirty="0"/>
+              <a:t>시까지는 자유롭게 회의를 주최할 수 있으나 수업 종료 후 회의를 주최하면 </a:t>
+            </a:r>
+            <a:r>
+              <a:rPr lang="ko-KR" altLang="ko-KR" b="1" dirty="0"/>
+              <a:t>회의 참석에 동의한 팀원들만 참여</a:t>
+            </a:r>
+            <a:r>
+              <a:rPr lang="ko-KR" altLang="ko-KR" dirty="0"/>
+              <a:t>한다</a:t>
+            </a:r>
+            <a:r>
+              <a:rPr lang="en-US" altLang="ko-KR" dirty="0" smtClean="0"/>
+              <a:t>.</a:t>
+            </a:r>
+          </a:p>
+          <a:p>
+            <a:pPr>
+              <a:buFont typeface="+mj-lt"/>
+              <a:buAutoNum type="arabicPeriod"/>
+            </a:pPr>
+            <a:endParaRPr lang="ko-KR" altLang="ko-KR" dirty="0"/>
+          </a:p>
+          <a:p>
+            <a:pPr>
+              <a:buFont typeface="+mj-lt"/>
+              <a:buAutoNum type="arabicPeriod"/>
+            </a:pPr>
+            <a:r>
+              <a:rPr lang="ko-KR" altLang="ko-KR" dirty="0"/>
+              <a:t>휴식시간은 자유롭게 가지되 아침</a:t>
+            </a:r>
+            <a:r>
+              <a:rPr lang="en-US" altLang="ko-KR" dirty="0"/>
+              <a:t> 9</a:t>
+            </a:r>
+            <a:r>
+              <a:rPr lang="ko-KR" altLang="ko-KR" dirty="0"/>
+              <a:t>시부터 저녁</a:t>
+            </a:r>
+            <a:r>
+              <a:rPr lang="en-US" altLang="ko-KR" dirty="0"/>
+              <a:t> 6</a:t>
+            </a:r>
+            <a:r>
+              <a:rPr lang="ko-KR" altLang="ko-KR" dirty="0"/>
+              <a:t>시까지 점심시간을 제외한 휴식시간은 </a:t>
+            </a:r>
+            <a:r>
+              <a:rPr lang="ko-KR" altLang="ko-KR" b="1" dirty="0"/>
+              <a:t>총</a:t>
+            </a:r>
+            <a:r>
+              <a:rPr lang="en-US" altLang="ko-KR" b="1" dirty="0"/>
+              <a:t> 80</a:t>
+            </a:r>
+            <a:r>
+              <a:rPr lang="ko-KR" altLang="ko-KR" b="1" dirty="0"/>
+              <a:t>분</a:t>
+            </a:r>
+            <a:r>
+              <a:rPr lang="ko-KR" altLang="ko-KR" dirty="0"/>
+              <a:t>으로 정하고 자율적으로 분배한다</a:t>
+            </a:r>
+            <a:r>
+              <a:rPr lang="en-US" altLang="ko-KR" dirty="0" smtClean="0"/>
+              <a:t>.</a:t>
+            </a:r>
+          </a:p>
+          <a:p>
+            <a:pPr>
+              <a:buFont typeface="+mj-lt"/>
+              <a:buAutoNum type="arabicPeriod"/>
+            </a:pPr>
+            <a:endParaRPr lang="ko-KR" altLang="ko-KR" dirty="0"/>
+          </a:p>
+          <a:p>
+            <a:pPr>
+              <a:buFont typeface="+mj-lt"/>
+              <a:buAutoNum type="arabicPeriod"/>
+            </a:pPr>
+            <a:r>
+              <a:rPr lang="ko-KR" altLang="ko-KR" dirty="0"/>
+              <a:t>주석을 알아보기 쉽게 달아주자</a:t>
+            </a:r>
+            <a:r>
+              <a:rPr lang="en-US" altLang="ko-KR" dirty="0"/>
+              <a:t>. </a:t>
+            </a:r>
+            <a:r>
+              <a:rPr lang="ko-KR" altLang="ko-KR" dirty="0"/>
+              <a:t>나중에 코드 분석할 때 유용하게 쓰인다</a:t>
+            </a:r>
+            <a:r>
+              <a:rPr lang="en-US" altLang="ko-KR" dirty="0"/>
+              <a:t>.</a:t>
+            </a:r>
+            <a:endParaRPr lang="ko-KR" altLang="en-US" dirty="0"/>
+          </a:p>
+        </p:txBody>
+      </p:sp>
+    </p:spTree>
+    <p:extLst>
+      <p:ext uri="{BB962C8B-B14F-4D97-AF65-F5344CB8AC3E}">
+        <p14:creationId xmlns:p14="http://schemas.microsoft.com/office/powerpoint/2010/main" val="3428179072"/>
+      </p:ext>
+    </p:extLst>
+  </p:cSld>
+  <p:clrMapOvr>
+    <a:masterClrMapping/>
+  </p:clrMapOvr>
+  <p:timing>
+    <p:tnLst>
+      <p:par>
+        <p:cTn id="1" dur="indefinite" restart="never" nodeType="tmRoot"/>
+      </p:par>
+    </p:tnLst>
+  </p:timing>
+</p:sld>
+</file>
+
+<file path=ppt/slides/slide13.xml><?xml version="1.0" encoding="utf-8"?>
+<p:sld xmlns:a="http://schemas.openxmlformats.org/drawingml/2006/main" xmlns:r="http://schemas.openxmlformats.org/officeDocument/2006/relationships" xmlns:p="http://schemas.openxmlformats.org/presentationml/2006/main">
+  <p:cSld>
+    <p:spTree>
+      <p:nvGrpSpPr>
+        <p:cNvPr id="1" name=""/>
+        <p:cNvGrpSpPr/>
+        <p:nvPr/>
+      </p:nvGrpSpPr>
+      <p:grpSpPr>
+        <a:xfrm>
+          <a:off x="0" y="0"/>
+          <a:ext cx="0" cy="0"/>
+          <a:chOff x="0" y="0"/>
+          <a:chExt cx="0" cy="0"/>
+        </a:xfrm>
+      </p:grpSpPr>
+      <p:sp>
+        <p:nvSpPr>
+          <p:cNvPr id="2" name="제목 1"/>
+          <p:cNvSpPr>
+            <a:spLocks noGrp="1"/>
+          </p:cNvSpPr>
+          <p:nvPr>
+            <p:ph type="title"/>
+          </p:nvPr>
+        </p:nvSpPr>
+        <p:spPr>
+          <a:xfrm>
+            <a:off x="1830273" y="2690190"/>
+            <a:ext cx="8596668" cy="1320800"/>
+          </a:xfrm>
+        </p:spPr>
+        <p:txBody>
+          <a:bodyPr>
+            <a:normAutofit/>
+          </a:bodyPr>
+          <a:lstStyle/>
+          <a:p>
+            <a:r>
+              <a:rPr lang="ko-KR" altLang="en-US" sz="6600" dirty="0" smtClean="0">
+                <a:latin typeface="나눔고딕 ExtraBold" panose="020D0904000000000000" pitchFamily="50" charset="-127"/>
+                <a:ea typeface="나눔고딕 ExtraBold" panose="020D0904000000000000" pitchFamily="50" charset="-127"/>
+              </a:rPr>
+              <a:t>프로젝트 </a:t>
+            </a:r>
+            <a:r>
+              <a:rPr lang="en-US" altLang="ko-KR" sz="6600" dirty="0" smtClean="0">
+                <a:latin typeface="나눔고딕 ExtraBold" panose="020D0904000000000000" pitchFamily="50" charset="-127"/>
+                <a:ea typeface="나눔고딕 ExtraBold" panose="020D0904000000000000" pitchFamily="50" charset="-127"/>
+              </a:rPr>
+              <a:t>Q &amp; A</a:t>
+            </a:r>
+            <a:endParaRPr lang="ko-KR" altLang="en-US" sz="6600" dirty="0">
+              <a:latin typeface="나눔고딕 ExtraBold" panose="020D0904000000000000" pitchFamily="50" charset="-127"/>
+              <a:ea typeface="나눔고딕 ExtraBold" panose="020D0904000000000000" pitchFamily="50" charset="-127"/>
+            </a:endParaRPr>
+          </a:p>
+        </p:txBody>
+      </p:sp>
+    </p:spTree>
+    <p:extLst>
+      <p:ext uri="{BB962C8B-B14F-4D97-AF65-F5344CB8AC3E}">
+        <p14:creationId xmlns:p14="http://schemas.microsoft.com/office/powerpoint/2010/main" val="752787902"/>
+      </p:ext>
+    </p:extLst>
+  </p:cSld>
+  <p:clrMapOvr>
+    <a:masterClrMapping/>
+  </p:clrMapOvr>
+  <p:timing>
+    <p:tnLst>
+      <p:par>
+        <p:cTn id="1" dur="indefinite" restart="never" nodeType="tmRoot"/>
+      </p:par>
+    </p:tnLst>
+  </p:timing>
 </p:sld>
 </file>
 
@@ -6038,10 +7525,16 @@
           <a:lstStyle/>
           <a:p>
             <a:r>
-              <a:rPr lang="ko-KR" altLang="en-US" dirty="0" smtClean="0"/>
-              <a:t>프로젝트 주제 및 선정 배경</a:t>
-            </a:r>
-            <a:endParaRPr lang="ko-KR" altLang="en-US" dirty="0"/>
+              <a:rPr lang="ko-KR" altLang="en-US" dirty="0" smtClean="0">
+                <a:latin typeface="휴먼모음T" panose="02030504000101010101" pitchFamily="18" charset="-127"/>
+                <a:ea typeface="휴먼모음T" panose="02030504000101010101" pitchFamily="18" charset="-127"/>
+              </a:rPr>
+              <a:t>목차</a:t>
+            </a:r>
+            <a:endParaRPr lang="ko-KR" altLang="en-US" dirty="0">
+              <a:latin typeface="휴먼모음T" panose="02030504000101010101" pitchFamily="18" charset="-127"/>
+              <a:ea typeface="휴먼모음T" panose="02030504000101010101" pitchFamily="18" charset="-127"/>
+            </a:endParaRPr>
           </a:p>
         </p:txBody>
       </p:sp>
@@ -6055,29 +7548,502 @@
             <p:ph idx="1"/>
           </p:nvPr>
         </p:nvSpPr>
+        <p:spPr/>
+        <p:txBody>
+          <a:bodyPr>
+            <a:normAutofit/>
+          </a:bodyPr>
+          <a:lstStyle/>
+          <a:p>
+            <a:r>
+              <a:rPr lang="en-US" altLang="ko-KR" sz="2800" dirty="0" smtClean="0">
+                <a:solidFill>
+                  <a:schemeClr val="accent2">
+                    <a:lumMod val="75000"/>
+                  </a:schemeClr>
+                </a:solidFill>
+                <a:latin typeface="휴먼모음T" panose="02030504000101010101" pitchFamily="18" charset="-127"/>
+                <a:ea typeface="휴먼모음T" panose="02030504000101010101" pitchFamily="18" charset="-127"/>
+              </a:rPr>
+              <a:t>1. </a:t>
+            </a:r>
+            <a:r>
+              <a:rPr lang="ko-KR" altLang="en-US" sz="2800" dirty="0" smtClean="0">
+                <a:solidFill>
+                  <a:schemeClr val="accent2">
+                    <a:lumMod val="75000"/>
+                  </a:schemeClr>
+                </a:solidFill>
+                <a:latin typeface="휴먼모음T" panose="02030504000101010101" pitchFamily="18" charset="-127"/>
+                <a:ea typeface="휴먼모음T" panose="02030504000101010101" pitchFamily="18" charset="-127"/>
+              </a:rPr>
+              <a:t>프로젝트 주제 및 선정 배경</a:t>
+            </a:r>
+            <a:endParaRPr lang="en-US" altLang="ko-KR" sz="2800" dirty="0" smtClean="0">
+              <a:solidFill>
+                <a:schemeClr val="accent2">
+                  <a:lumMod val="75000"/>
+                </a:schemeClr>
+              </a:solidFill>
+              <a:latin typeface="휴먼모음T" panose="02030504000101010101" pitchFamily="18" charset="-127"/>
+              <a:ea typeface="휴먼모음T" panose="02030504000101010101" pitchFamily="18" charset="-127"/>
+            </a:endParaRPr>
+          </a:p>
+          <a:p>
+            <a:r>
+              <a:rPr lang="en-US" altLang="ko-KR" sz="2800" dirty="0" smtClean="0">
+                <a:solidFill>
+                  <a:schemeClr val="accent2">
+                    <a:lumMod val="75000"/>
+                  </a:schemeClr>
+                </a:solidFill>
+                <a:latin typeface="휴먼모음T" panose="02030504000101010101" pitchFamily="18" charset="-127"/>
+                <a:ea typeface="휴먼모음T" panose="02030504000101010101" pitchFamily="18" charset="-127"/>
+              </a:rPr>
+              <a:t>2. </a:t>
+            </a:r>
+            <a:r>
+              <a:rPr lang="ko-KR" altLang="en-US" sz="2800" dirty="0" smtClean="0">
+                <a:solidFill>
+                  <a:schemeClr val="accent2">
+                    <a:lumMod val="75000"/>
+                  </a:schemeClr>
+                </a:solidFill>
+                <a:latin typeface="휴먼모음T" panose="02030504000101010101" pitchFamily="18" charset="-127"/>
+                <a:ea typeface="휴먼모음T" panose="02030504000101010101" pitchFamily="18" charset="-127"/>
+              </a:rPr>
+              <a:t>구현 기능 설명</a:t>
+            </a:r>
+            <a:endParaRPr lang="en-US" altLang="ko-KR" sz="2800" dirty="0" smtClean="0">
+              <a:solidFill>
+                <a:schemeClr val="accent2">
+                  <a:lumMod val="75000"/>
+                </a:schemeClr>
+              </a:solidFill>
+              <a:latin typeface="휴먼모음T" panose="02030504000101010101" pitchFamily="18" charset="-127"/>
+              <a:ea typeface="휴먼모음T" panose="02030504000101010101" pitchFamily="18" charset="-127"/>
+            </a:endParaRPr>
+          </a:p>
+          <a:p>
+            <a:r>
+              <a:rPr lang="en-US" altLang="ko-KR" sz="2800" dirty="0" smtClean="0">
+                <a:solidFill>
+                  <a:schemeClr val="accent2">
+                    <a:lumMod val="75000"/>
+                  </a:schemeClr>
+                </a:solidFill>
+                <a:latin typeface="휴먼모음T" panose="02030504000101010101" pitchFamily="18" charset="-127"/>
+                <a:ea typeface="휴먼모음T" panose="02030504000101010101" pitchFamily="18" charset="-127"/>
+              </a:rPr>
+              <a:t>3. </a:t>
+            </a:r>
+            <a:r>
+              <a:rPr lang="ko-KR" altLang="en-US" sz="2800" dirty="0" err="1" smtClean="0">
+                <a:solidFill>
+                  <a:schemeClr val="accent2">
+                    <a:lumMod val="75000"/>
+                  </a:schemeClr>
+                </a:solidFill>
+                <a:latin typeface="휴먼모음T" panose="02030504000101010101" pitchFamily="18" charset="-127"/>
+                <a:ea typeface="휴먼모음T" panose="02030504000101010101" pitchFamily="18" charset="-127"/>
+              </a:rPr>
+              <a:t>사이트맵</a:t>
+            </a:r>
+            <a:endParaRPr lang="en-US" altLang="ko-KR" sz="2800" dirty="0">
+              <a:solidFill>
+                <a:schemeClr val="accent2">
+                  <a:lumMod val="75000"/>
+                </a:schemeClr>
+              </a:solidFill>
+              <a:latin typeface="휴먼모음T" panose="02030504000101010101" pitchFamily="18" charset="-127"/>
+              <a:ea typeface="휴먼모음T" panose="02030504000101010101" pitchFamily="18" charset="-127"/>
+            </a:endParaRPr>
+          </a:p>
+          <a:p>
+            <a:r>
+              <a:rPr lang="en-US" altLang="ko-KR" sz="2800" dirty="0" smtClean="0">
+                <a:solidFill>
+                  <a:schemeClr val="accent2">
+                    <a:lumMod val="75000"/>
+                  </a:schemeClr>
+                </a:solidFill>
+                <a:latin typeface="휴먼모음T" panose="02030504000101010101" pitchFamily="18" charset="-127"/>
+                <a:ea typeface="휴먼모음T" panose="02030504000101010101" pitchFamily="18" charset="-127"/>
+              </a:rPr>
+              <a:t>4. </a:t>
+            </a:r>
+            <a:r>
+              <a:rPr lang="ko-KR" altLang="en-US" sz="2800" dirty="0" smtClean="0">
+                <a:solidFill>
+                  <a:schemeClr val="accent2">
+                    <a:lumMod val="75000"/>
+                  </a:schemeClr>
+                </a:solidFill>
+                <a:latin typeface="휴먼모음T" panose="02030504000101010101" pitchFamily="18" charset="-127"/>
+                <a:ea typeface="휴먼모음T" panose="02030504000101010101" pitchFamily="18" charset="-127"/>
+              </a:rPr>
+              <a:t>구성원 역할 분담</a:t>
+            </a:r>
+            <a:endParaRPr lang="en-US" altLang="ko-KR" sz="2800" dirty="0" smtClean="0">
+              <a:solidFill>
+                <a:schemeClr val="accent2">
+                  <a:lumMod val="75000"/>
+                </a:schemeClr>
+              </a:solidFill>
+              <a:latin typeface="휴먼모음T" panose="02030504000101010101" pitchFamily="18" charset="-127"/>
+              <a:ea typeface="휴먼모음T" panose="02030504000101010101" pitchFamily="18" charset="-127"/>
+            </a:endParaRPr>
+          </a:p>
+          <a:p>
+            <a:r>
+              <a:rPr lang="en-US" altLang="ko-KR" sz="2800" dirty="0" smtClean="0">
+                <a:solidFill>
+                  <a:schemeClr val="accent2">
+                    <a:lumMod val="75000"/>
+                  </a:schemeClr>
+                </a:solidFill>
+                <a:latin typeface="휴먼모음T" panose="02030504000101010101" pitchFamily="18" charset="-127"/>
+                <a:ea typeface="휴먼모음T" panose="02030504000101010101" pitchFamily="18" charset="-127"/>
+              </a:rPr>
+              <a:t>5. </a:t>
+            </a:r>
+            <a:r>
+              <a:rPr lang="ko-KR" altLang="en-US" sz="2800" dirty="0" smtClean="0">
+                <a:solidFill>
+                  <a:schemeClr val="accent2">
+                    <a:lumMod val="75000"/>
+                  </a:schemeClr>
+                </a:solidFill>
+                <a:latin typeface="휴먼모음T" panose="02030504000101010101" pitchFamily="18" charset="-127"/>
+                <a:ea typeface="휴먼모음T" panose="02030504000101010101" pitchFamily="18" charset="-127"/>
+              </a:rPr>
+              <a:t>프로젝트 일정</a:t>
+            </a:r>
+            <a:endParaRPr lang="ko-KR" altLang="en-US" sz="2800" dirty="0">
+              <a:solidFill>
+                <a:schemeClr val="accent2">
+                  <a:lumMod val="75000"/>
+                </a:schemeClr>
+              </a:solidFill>
+              <a:latin typeface="휴먼모음T" panose="02030504000101010101" pitchFamily="18" charset="-127"/>
+              <a:ea typeface="휴먼모음T" panose="02030504000101010101" pitchFamily="18" charset="-127"/>
+            </a:endParaRPr>
+          </a:p>
+        </p:txBody>
+      </p:sp>
+    </p:spTree>
+    <p:extLst>
+      <p:ext uri="{BB962C8B-B14F-4D97-AF65-F5344CB8AC3E}">
+        <p14:creationId xmlns:p14="http://schemas.microsoft.com/office/powerpoint/2010/main" val="3836302144"/>
+      </p:ext>
+    </p:extLst>
+  </p:cSld>
+  <p:clrMapOvr>
+    <a:masterClrMapping/>
+  </p:clrMapOvr>
+  <p:timing>
+    <p:tnLst>
+      <p:par>
+        <p:cTn id="1" dur="indefinite" restart="never" nodeType="tmRoot"/>
+      </p:par>
+    </p:tnLst>
+  </p:timing>
+</p:sld>
+</file>
+
+<file path=ppt/slides/slide3.xml><?xml version="1.0" encoding="utf-8"?>
+<p:sld xmlns:a="http://schemas.openxmlformats.org/drawingml/2006/main" xmlns:r="http://schemas.openxmlformats.org/officeDocument/2006/relationships" xmlns:p="http://schemas.openxmlformats.org/presentationml/2006/main">
+  <p:cSld>
+    <p:spTree>
+      <p:nvGrpSpPr>
+        <p:cNvPr id="1" name=""/>
+        <p:cNvGrpSpPr/>
+        <p:nvPr/>
+      </p:nvGrpSpPr>
+      <p:grpSpPr>
+        <a:xfrm>
+          <a:off x="0" y="0"/>
+          <a:ext cx="0" cy="0"/>
+          <a:chOff x="0" y="0"/>
+          <a:chExt cx="0" cy="0"/>
+        </a:xfrm>
+      </p:grpSpPr>
+      <p:sp>
+        <p:nvSpPr>
+          <p:cNvPr id="2" name="제목 1"/>
+          <p:cNvSpPr>
+            <a:spLocks noGrp="1"/>
+          </p:cNvSpPr>
+          <p:nvPr>
+            <p:ph type="title"/>
+          </p:nvPr>
+        </p:nvSpPr>
+        <p:spPr/>
+        <p:txBody>
+          <a:bodyPr/>
+          <a:lstStyle/>
+          <a:p>
+            <a:r>
+              <a:rPr lang="en-US" altLang="ko-KR" dirty="0" smtClean="0">
+                <a:latin typeface="휴먼모음T" panose="02030504000101010101" pitchFamily="18" charset="-127"/>
+                <a:ea typeface="휴먼모음T" panose="02030504000101010101" pitchFamily="18" charset="-127"/>
+              </a:rPr>
+              <a:t>1. </a:t>
+            </a:r>
+            <a:r>
+              <a:rPr lang="ko-KR" altLang="en-US" dirty="0" smtClean="0">
+                <a:latin typeface="휴먼모음T" panose="02030504000101010101" pitchFamily="18" charset="-127"/>
+                <a:ea typeface="휴먼모음T" panose="02030504000101010101" pitchFamily="18" charset="-127"/>
+              </a:rPr>
+              <a:t>프로젝트 </a:t>
+            </a:r>
+            <a:r>
+              <a:rPr lang="ko-KR" altLang="en-US" dirty="0" smtClean="0">
+                <a:latin typeface="휴먼모음T" panose="02030504000101010101" pitchFamily="18" charset="-127"/>
+                <a:ea typeface="휴먼모음T" panose="02030504000101010101" pitchFamily="18" charset="-127"/>
+              </a:rPr>
+              <a:t>주제 및 선정 배경</a:t>
+            </a:r>
+            <a:endParaRPr lang="ko-KR" altLang="en-US" dirty="0">
+              <a:latin typeface="휴먼모음T" panose="02030504000101010101" pitchFamily="18" charset="-127"/>
+              <a:ea typeface="휴먼모음T" panose="02030504000101010101" pitchFamily="18" charset="-127"/>
+            </a:endParaRPr>
+          </a:p>
+        </p:txBody>
+      </p:sp>
+      <p:sp>
+        <p:nvSpPr>
+          <p:cNvPr id="3" name="내용 개체 틀 2"/>
+          <p:cNvSpPr>
+            <a:spLocks noGrp="1"/>
+          </p:cNvSpPr>
+          <p:nvPr>
+            <p:ph idx="1"/>
+          </p:nvPr>
+        </p:nvSpPr>
         <p:spPr>
           <a:xfrm>
-            <a:off x="677334" y="2160589"/>
-            <a:ext cx="8339666" cy="3880773"/>
+            <a:off x="677334" y="1460501"/>
+            <a:ext cx="8339666" cy="5051510"/>
           </a:xfrm>
         </p:spPr>
         <p:txBody>
-          <a:bodyPr/>
+          <a:bodyPr>
+            <a:normAutofit/>
+          </a:bodyPr>
           <a:lstStyle/>
           <a:p>
             <a:pPr marL="0" indent="0">
               <a:buNone/>
             </a:pPr>
             <a:r>
-              <a:rPr lang="ko-KR" altLang="en-US" dirty="0" err="1" smtClean="0"/>
-              <a:t>프론트엔드</a:t>
-            </a:r>
-            <a:r>
-              <a:rPr lang="ko-KR" altLang="en-US" dirty="0" smtClean="0"/>
-              <a:t> 프로젝트로부터 우리는 더 많은 것을 배웠습니다</a:t>
-            </a:r>
-            <a:r>
-              <a:rPr lang="en-US" altLang="ko-KR" dirty="0" smtClean="0"/>
+              <a:rPr lang="ko-KR" altLang="en-US" sz="2400" b="1" dirty="0" smtClean="0">
+                <a:solidFill>
+                  <a:schemeClr val="accent2">
+                    <a:lumMod val="75000"/>
+                  </a:schemeClr>
+                </a:solidFill>
+                <a:latin typeface="나눔고딕" panose="020D0604000000000000" pitchFamily="50" charset="-127"/>
+                <a:ea typeface="나눔고딕" panose="020D0604000000000000" pitchFamily="50" charset="-127"/>
+              </a:rPr>
+              <a:t>프로젝트 주제 </a:t>
+            </a:r>
+            <a:r>
+              <a:rPr lang="en-US" altLang="ko-KR" sz="2400" b="1" dirty="0" smtClean="0">
+                <a:solidFill>
+                  <a:schemeClr val="accent2">
+                    <a:lumMod val="75000"/>
+                  </a:schemeClr>
+                </a:solidFill>
+                <a:latin typeface="나눔고딕" panose="020D0604000000000000" pitchFamily="50" charset="-127"/>
+                <a:ea typeface="나눔고딕" panose="020D0604000000000000" pitchFamily="50" charset="-127"/>
+              </a:rPr>
+              <a:t>: </a:t>
+            </a:r>
+            <a:r>
+              <a:rPr lang="ko-KR" altLang="en-US" sz="2400" b="1" smtClean="0">
+                <a:solidFill>
+                  <a:schemeClr val="accent2">
+                    <a:lumMod val="75000"/>
+                  </a:schemeClr>
+                </a:solidFill>
+                <a:latin typeface="나눔고딕" panose="020D0604000000000000" pitchFamily="50" charset="-127"/>
+                <a:ea typeface="나눔고딕" panose="020D0604000000000000" pitchFamily="50" charset="-127"/>
+              </a:rPr>
+              <a:t>사용자 맞춤 음악 서비스 제공 사이트</a:t>
+            </a:r>
+            <a:endParaRPr lang="en-US" altLang="ko-KR" sz="2400" b="1" dirty="0" smtClean="0">
+              <a:solidFill>
+                <a:schemeClr val="accent2">
+                  <a:lumMod val="75000"/>
+                </a:schemeClr>
+              </a:solidFill>
+              <a:latin typeface="나눔고딕" panose="020D0604000000000000" pitchFamily="50" charset="-127"/>
+              <a:ea typeface="나눔고딕" panose="020D0604000000000000" pitchFamily="50" charset="-127"/>
+            </a:endParaRPr>
+          </a:p>
+          <a:p>
+            <a:pPr marL="0" indent="0">
+              <a:buNone/>
+            </a:pPr>
+            <a:endParaRPr lang="en-US" altLang="ko-KR" sz="2400" b="1" dirty="0">
+              <a:solidFill>
+                <a:schemeClr val="accent2">
+                  <a:lumMod val="75000"/>
+                </a:schemeClr>
+              </a:solidFill>
+              <a:latin typeface="나눔고딕" panose="020D0604000000000000" pitchFamily="50" charset="-127"/>
+              <a:ea typeface="나눔고딕" panose="020D0604000000000000" pitchFamily="50" charset="-127"/>
+            </a:endParaRPr>
+          </a:p>
+          <a:p>
+            <a:pPr marL="0" indent="0">
+              <a:buNone/>
+            </a:pPr>
+            <a:r>
+              <a:rPr lang="en-US" altLang="ko-KR" sz="5600" b="1" dirty="0">
+                <a:solidFill>
+                  <a:schemeClr val="accent2">
+                    <a:lumMod val="75000"/>
+                  </a:schemeClr>
+                </a:solidFill>
+                <a:latin typeface="나눔손글씨 펜" panose="03040600000000000000" pitchFamily="66" charset="-127"/>
+                <a:ea typeface="나눔손글씨 펜" panose="03040600000000000000" pitchFamily="66" charset="-127"/>
+              </a:rPr>
+              <a:t>‘</a:t>
+            </a:r>
+            <a:r>
+              <a:rPr lang="en-US" altLang="ko-KR" sz="5600" b="1" dirty="0" err="1">
+                <a:solidFill>
+                  <a:schemeClr val="accent2">
+                    <a:lumMod val="75000"/>
+                  </a:schemeClr>
+                </a:solidFill>
+                <a:latin typeface="나눔손글씨 펜" panose="03040600000000000000" pitchFamily="66" charset="-127"/>
+                <a:ea typeface="나눔손글씨 펜" panose="03040600000000000000" pitchFamily="66" charset="-127"/>
+              </a:rPr>
+              <a:t>Ssavi</a:t>
+            </a:r>
+            <a:r>
+              <a:rPr lang="en-US" altLang="ko-KR" sz="5600" b="1" dirty="0">
+                <a:solidFill>
+                  <a:schemeClr val="accent2">
+                    <a:lumMod val="75000"/>
+                  </a:schemeClr>
+                </a:solidFill>
+                <a:latin typeface="나눔손글씨 펜" panose="03040600000000000000" pitchFamily="66" charset="-127"/>
+                <a:ea typeface="나눔손글씨 펜" panose="03040600000000000000" pitchFamily="66" charset="-127"/>
+              </a:rPr>
+              <a:t> (</a:t>
+            </a:r>
+            <a:r>
+              <a:rPr lang="en-US" altLang="ko-KR" sz="5600" b="1" dirty="0" err="1">
+                <a:solidFill>
+                  <a:schemeClr val="accent2">
+                    <a:lumMod val="75000"/>
+                  </a:schemeClr>
+                </a:solidFill>
+                <a:latin typeface="나눔손글씨 펜" panose="03040600000000000000" pitchFamily="66" charset="-127"/>
+                <a:ea typeface="나눔손글씨 펜" panose="03040600000000000000" pitchFamily="66" charset="-127"/>
+              </a:rPr>
+              <a:t>SoundVision</a:t>
+            </a:r>
+            <a:r>
+              <a:rPr lang="en-US" altLang="ko-KR" sz="5600" b="1" dirty="0" smtClean="0">
+                <a:solidFill>
+                  <a:schemeClr val="accent2">
+                    <a:lumMod val="75000"/>
+                  </a:schemeClr>
+                </a:solidFill>
+                <a:latin typeface="나눔손글씨 펜" panose="03040600000000000000" pitchFamily="66" charset="-127"/>
+                <a:ea typeface="나눔손글씨 펜" panose="03040600000000000000" pitchFamily="66" charset="-127"/>
+              </a:rPr>
+              <a:t>)’</a:t>
+            </a:r>
+            <a:endParaRPr lang="en-US" altLang="ko-KR" sz="5600" b="1" dirty="0" smtClean="0">
+              <a:solidFill>
+                <a:schemeClr val="accent2">
+                  <a:lumMod val="75000"/>
+                </a:schemeClr>
+              </a:solidFill>
+              <a:latin typeface="나눔고딕" panose="020D0604000000000000" pitchFamily="50" charset="-127"/>
+              <a:ea typeface="나눔고딕" panose="020D0604000000000000" pitchFamily="50" charset="-127"/>
+            </a:endParaRPr>
+          </a:p>
+          <a:p>
+            <a:pPr marL="0" indent="0">
+              <a:buNone/>
+            </a:pPr>
+            <a:endParaRPr lang="en-US" altLang="ko-KR" sz="2000" dirty="0">
+              <a:latin typeface="나눔고딕" panose="020D0604000000000000" pitchFamily="50" charset="-127"/>
+              <a:ea typeface="나눔고딕" panose="020D0604000000000000" pitchFamily="50" charset="-127"/>
+            </a:endParaRPr>
+          </a:p>
+          <a:p>
+            <a:pPr marL="0" indent="0">
+              <a:buNone/>
+            </a:pPr>
+            <a:r>
+              <a:rPr lang="ko-KR" altLang="en-US" sz="2000" dirty="0" smtClean="0">
+                <a:latin typeface="나눔고딕" panose="020D0604000000000000" pitchFamily="50" charset="-127"/>
+                <a:ea typeface="나눔고딕" panose="020D0604000000000000" pitchFamily="50" charset="-127"/>
+              </a:rPr>
+              <a:t>세계적으로 가장 규모가 크고 방대한 음원 데이터를 보유한 </a:t>
+            </a:r>
+            <a:r>
+              <a:rPr lang="en-US" altLang="ko-KR" sz="2000" dirty="0" smtClean="0">
+                <a:latin typeface="나눔고딕" panose="020D0604000000000000" pitchFamily="50" charset="-127"/>
+                <a:ea typeface="나눔고딕" panose="020D0604000000000000" pitchFamily="50" charset="-127"/>
+              </a:rPr>
+              <a:t>‘Spotify’</a:t>
+            </a:r>
+            <a:r>
+              <a:rPr lang="ko-KR" altLang="en-US" sz="2000" dirty="0" smtClean="0">
+                <a:latin typeface="나눔고딕" panose="020D0604000000000000" pitchFamily="50" charset="-127"/>
+                <a:ea typeface="나눔고딕" panose="020D0604000000000000" pitchFamily="50" charset="-127"/>
+              </a:rPr>
+              <a:t>에서 검색 </a:t>
+            </a:r>
+            <a:r>
+              <a:rPr lang="en-US" altLang="ko-KR" sz="2000" dirty="0" smtClean="0">
+                <a:latin typeface="나눔고딕" panose="020D0604000000000000" pitchFamily="50" charset="-127"/>
+                <a:ea typeface="나눔고딕" panose="020D0604000000000000" pitchFamily="50" charset="-127"/>
+              </a:rPr>
+              <a:t>API</a:t>
+            </a:r>
+            <a:r>
+              <a:rPr lang="ko-KR" altLang="en-US" sz="2000" dirty="0" smtClean="0">
+                <a:latin typeface="나눔고딕" panose="020D0604000000000000" pitchFamily="50" charset="-127"/>
+                <a:ea typeface="나눔고딕" panose="020D0604000000000000" pitchFamily="50" charset="-127"/>
+              </a:rPr>
+              <a:t>를 제공하고 있다는 것을 알게 되었고</a:t>
+            </a:r>
+            <a:r>
+              <a:rPr lang="en-US" altLang="ko-KR" sz="2000" dirty="0" smtClean="0">
+                <a:latin typeface="나눔고딕" panose="020D0604000000000000" pitchFamily="50" charset="-127"/>
+                <a:ea typeface="나눔고딕" panose="020D0604000000000000" pitchFamily="50" charset="-127"/>
+              </a:rPr>
+              <a:t>, </a:t>
+            </a:r>
+            <a:r>
+              <a:rPr lang="ko-KR" altLang="en-US" sz="2000" dirty="0" smtClean="0">
+                <a:latin typeface="나눔고딕" panose="020D0604000000000000" pitchFamily="50" charset="-127"/>
+                <a:ea typeface="나눔고딕" panose="020D0604000000000000" pitchFamily="50" charset="-127"/>
+              </a:rPr>
+              <a:t>이것을 활용하여 사용자 맞춤 음악 제공 사이트를 만들 수 있겠다 </a:t>
+            </a:r>
+            <a:r>
+              <a:rPr lang="ko-KR" altLang="en-US" sz="2000" smtClean="0">
+                <a:latin typeface="나눔고딕" panose="020D0604000000000000" pitchFamily="50" charset="-127"/>
+                <a:ea typeface="나눔고딕" panose="020D0604000000000000" pitchFamily="50" charset="-127"/>
+              </a:rPr>
+              <a:t>생각하였습니다</a:t>
+            </a:r>
+            <a:r>
+              <a:rPr lang="en-US" altLang="ko-KR" sz="2000" dirty="0" smtClean="0">
+                <a:latin typeface="나눔고딕" panose="020D0604000000000000" pitchFamily="50" charset="-127"/>
+                <a:ea typeface="나눔고딕" panose="020D0604000000000000" pitchFamily="50" charset="-127"/>
+              </a:rPr>
               <a:t>.</a:t>
             </a:r>
           </a:p>
@@ -6085,39 +8051,118 @@
             <a:pPr marL="0" indent="0">
               <a:buNone/>
             </a:pPr>
-            <a:r>
-              <a:rPr lang="ko-KR" altLang="en-US" dirty="0" smtClean="0"/>
-              <a:t>관계형 </a:t>
-            </a:r>
-            <a:r>
-              <a:rPr lang="en-US" altLang="ko-KR" dirty="0" smtClean="0"/>
-              <a:t>DB </a:t>
-            </a:r>
-            <a:r>
-              <a:rPr lang="ko-KR" altLang="en-US" dirty="0" smtClean="0"/>
-              <a:t>구조를 활용해 </a:t>
-            </a:r>
-            <a:r>
-              <a:rPr lang="ko-KR" altLang="en-US" dirty="0" err="1" smtClean="0"/>
-              <a:t>프론트엔드와</a:t>
-            </a:r>
-            <a:r>
-              <a:rPr lang="ko-KR" altLang="en-US" dirty="0" smtClean="0"/>
-              <a:t> </a:t>
-            </a:r>
-            <a:r>
-              <a:rPr lang="ko-KR" altLang="en-US" dirty="0" err="1" smtClean="0"/>
-              <a:t>백엔드를</a:t>
-            </a:r>
-            <a:r>
-              <a:rPr lang="ko-KR" altLang="en-US" dirty="0" smtClean="0"/>
-              <a:t> 연결하여 서비스를 </a:t>
-            </a:r>
-            <a:r>
-              <a:rPr lang="ko-KR" altLang="en-US" smtClean="0"/>
-              <a:t>구축하는 방법의 대표격 예제인 쇼핑몰은 </a:t>
-            </a:r>
-            <a:endParaRPr lang="ko-KR" altLang="en-US" dirty="0"/>
+            <a:endParaRPr lang="en-US" altLang="ko-KR" sz="2000" dirty="0">
+              <a:latin typeface="나눔고딕" panose="020D0604000000000000" pitchFamily="50" charset="-127"/>
+              <a:ea typeface="나눔고딕" panose="020D0604000000000000" pitchFamily="50" charset="-127"/>
+            </a:endParaRPr>
+          </a:p>
+          <a:p>
+            <a:pPr marL="0" indent="0">
+              <a:buNone/>
+            </a:pPr>
+            <a:r>
+              <a:rPr lang="ko-KR" altLang="en-US" sz="2000" dirty="0">
+                <a:latin typeface="나눔고딕" panose="020D0604000000000000" pitchFamily="50" charset="-127"/>
+                <a:ea typeface="나눔고딕" panose="020D0604000000000000" pitchFamily="50" charset="-127"/>
+              </a:rPr>
+              <a:t>이 </a:t>
+            </a:r>
+            <a:r>
+              <a:rPr lang="en-US" altLang="ko-KR" sz="2000" dirty="0">
+                <a:latin typeface="나눔고딕" panose="020D0604000000000000" pitchFamily="50" charset="-127"/>
+                <a:ea typeface="나눔고딕" panose="020D0604000000000000" pitchFamily="50" charset="-127"/>
+              </a:rPr>
+              <a:t>API</a:t>
+            </a:r>
+            <a:r>
+              <a:rPr lang="ko-KR" altLang="en-US" sz="2000">
+                <a:latin typeface="나눔고딕" panose="020D0604000000000000" pitchFamily="50" charset="-127"/>
+                <a:ea typeface="나눔고딕" panose="020D0604000000000000" pitchFamily="50" charset="-127"/>
+              </a:rPr>
+              <a:t>를 활용하여 받은 다양한 데이터를 분석</a:t>
+            </a:r>
+            <a:r>
+              <a:rPr lang="en-US" altLang="ko-KR" sz="2000" dirty="0">
+                <a:latin typeface="나눔고딕" panose="020D0604000000000000" pitchFamily="50" charset="-127"/>
+                <a:ea typeface="나눔고딕" panose="020D0604000000000000" pitchFamily="50" charset="-127"/>
+              </a:rPr>
+              <a:t>, </a:t>
+            </a:r>
+            <a:r>
+              <a:rPr lang="ko-KR" altLang="en-US" sz="2000">
+                <a:latin typeface="나눔고딕" panose="020D0604000000000000" pitchFamily="50" charset="-127"/>
+                <a:ea typeface="나눔고딕" panose="020D0604000000000000" pitchFamily="50" charset="-127"/>
+              </a:rPr>
+              <a:t>시각화하여 사용자가 자신의 취향에 맞는 곡에 쉽게 접근할 수 </a:t>
+            </a:r>
+            <a:r>
+              <a:rPr lang="ko-KR" altLang="en-US" sz="2000" smtClean="0">
+                <a:latin typeface="나눔고딕" panose="020D0604000000000000" pitchFamily="50" charset="-127"/>
+                <a:ea typeface="나눔고딕" panose="020D0604000000000000" pitchFamily="50" charset="-127"/>
+              </a:rPr>
+              <a:t>있도록 돕는 </a:t>
+            </a:r>
+            <a:r>
+              <a:rPr lang="en-US" altLang="ko-KR" sz="2800" dirty="0" smtClean="0">
+                <a:solidFill>
+                  <a:schemeClr val="accent2">
+                    <a:lumMod val="75000"/>
+                  </a:schemeClr>
+                </a:solidFill>
+                <a:latin typeface="나눔고딕" panose="020D0604000000000000" pitchFamily="50" charset="-127"/>
+                <a:ea typeface="나눔고딕" panose="020D0604000000000000" pitchFamily="50" charset="-127"/>
+              </a:rPr>
+              <a:t>‘</a:t>
+            </a:r>
+            <a:r>
+              <a:rPr lang="en-US" altLang="ko-KR" sz="2800" b="1" dirty="0" err="1" smtClean="0">
+                <a:solidFill>
+                  <a:schemeClr val="accent2">
+                    <a:lumMod val="75000"/>
+                  </a:schemeClr>
+                </a:solidFill>
+                <a:latin typeface="나눔고딕" panose="020D0604000000000000" pitchFamily="50" charset="-127"/>
+                <a:ea typeface="나눔고딕" panose="020D0604000000000000" pitchFamily="50" charset="-127"/>
+              </a:rPr>
+              <a:t>Ssavi</a:t>
+            </a:r>
+            <a:r>
+              <a:rPr lang="en-US" altLang="ko-KR" sz="2800" dirty="0" smtClean="0">
+                <a:solidFill>
+                  <a:schemeClr val="accent2">
+                    <a:lumMod val="75000"/>
+                  </a:schemeClr>
+                </a:solidFill>
+                <a:latin typeface="나눔고딕" panose="020D0604000000000000" pitchFamily="50" charset="-127"/>
+                <a:ea typeface="나눔고딕" panose="020D0604000000000000" pitchFamily="50" charset="-127"/>
+              </a:rPr>
+              <a:t>’</a:t>
+            </a:r>
+            <a:r>
+              <a:rPr lang="ko-KR" altLang="en-US" sz="2000" smtClean="0">
+                <a:latin typeface="나눔고딕" panose="020D0604000000000000" pitchFamily="50" charset="-127"/>
+                <a:ea typeface="나눔고딕" panose="020D0604000000000000" pitchFamily="50" charset="-127"/>
+              </a:rPr>
+              <a:t> 프로젝트를 </a:t>
+            </a:r>
+            <a:r>
+              <a:rPr lang="ko-KR" altLang="en-US" sz="2000">
+                <a:latin typeface="나눔고딕" panose="020D0604000000000000" pitchFamily="50" charset="-127"/>
+                <a:ea typeface="나눔고딕" panose="020D0604000000000000" pitchFamily="50" charset="-127"/>
+              </a:rPr>
+              <a:t>시작하게 되었습니다</a:t>
+            </a:r>
+            <a:r>
+              <a:rPr lang="en-US" altLang="ko-KR" sz="2000" dirty="0" smtClean="0">
+                <a:latin typeface="나눔고딕" panose="020D0604000000000000" pitchFamily="50" charset="-127"/>
+                <a:ea typeface="나눔고딕" panose="020D0604000000000000" pitchFamily="50" charset="-127"/>
+              </a:rPr>
+              <a:t>.</a:t>
+            </a:r>
+            <a:endParaRPr lang="en-US" altLang="ko-KR" sz="2000" dirty="0">
+              <a:latin typeface="나눔고딕" panose="020D0604000000000000" pitchFamily="50" charset="-127"/>
+              <a:ea typeface="나눔고딕" panose="020D0604000000000000" pitchFamily="50" charset="-127"/>
+            </a:endParaRPr>
           </a:p>
         </p:txBody>
       </p:sp>
@@ -6131,10 +8176,2083 @@
   <p:clrMapOvr>
     <a:masterClrMapping/>
   </p:clrMapOvr>
+  <p:timing>
+    <p:tnLst>
+      <p:par>
+        <p:cTn id="1" dur="indefinite" restart="never" nodeType="tmRoot"/>
+      </p:par>
+    </p:tnLst>
+  </p:timing>
 </p:sld>
 </file>
 
-<file path=ppt/slides/slide3.xml><?xml version="1.0" encoding="utf-8"?>
+<file path=ppt/slides/slide4.xml><?xml version="1.0" encoding="utf-8"?>
+<p:sld xmlns:a="http://schemas.openxmlformats.org/drawingml/2006/main" xmlns:r="http://schemas.openxmlformats.org/officeDocument/2006/relationships" xmlns:p="http://schemas.openxmlformats.org/presentationml/2006/main">
+  <p:cSld>
+    <p:spTree>
+      <p:nvGrpSpPr>
+        <p:cNvPr id="1" name=""/>
+        <p:cNvGrpSpPr/>
+        <p:nvPr/>
+      </p:nvGrpSpPr>
+      <p:grpSpPr>
+        <a:xfrm>
+          <a:off x="0" y="0"/>
+          <a:ext cx="0" cy="0"/>
+          <a:chOff x="0" y="0"/>
+          <a:chExt cx="0" cy="0"/>
+        </a:xfrm>
+      </p:grpSpPr>
+      <p:sp>
+        <p:nvSpPr>
+          <p:cNvPr id="2" name="제목 1"/>
+          <p:cNvSpPr>
+            <a:spLocks noGrp="1"/>
+          </p:cNvSpPr>
+          <p:nvPr>
+            <p:ph type="title"/>
+          </p:nvPr>
+        </p:nvSpPr>
+        <p:spPr/>
+        <p:txBody>
+          <a:bodyPr/>
+          <a:lstStyle/>
+          <a:p>
+            <a:r>
+              <a:rPr lang="ko-KR" altLang="en-US" dirty="0" smtClean="0">
+                <a:latin typeface="휴먼모음T" panose="02030504000101010101" pitchFamily="18" charset="-127"/>
+                <a:ea typeface="휴먼모음T" panose="02030504000101010101" pitchFamily="18" charset="-127"/>
+              </a:rPr>
+              <a:t>기존 음악 제공 사이트와 차별화 되는 점</a:t>
+            </a:r>
+            <a:endParaRPr lang="ko-KR" altLang="en-US" dirty="0">
+              <a:latin typeface="휴먼모음T" panose="02030504000101010101" pitchFamily="18" charset="-127"/>
+              <a:ea typeface="휴먼모음T" panose="02030504000101010101" pitchFamily="18" charset="-127"/>
+            </a:endParaRPr>
+          </a:p>
+        </p:txBody>
+      </p:sp>
+      <p:sp>
+        <p:nvSpPr>
+          <p:cNvPr id="3" name="내용 개체 틀 2"/>
+          <p:cNvSpPr>
+            <a:spLocks noGrp="1"/>
+          </p:cNvSpPr>
+          <p:nvPr>
+            <p:ph idx="1"/>
+          </p:nvPr>
+        </p:nvSpPr>
+        <p:spPr>
+          <a:xfrm>
+            <a:off x="677334" y="2160589"/>
+            <a:ext cx="8596668" cy="4005433"/>
+          </a:xfrm>
+        </p:spPr>
+        <p:txBody>
+          <a:bodyPr>
+            <a:normAutofit/>
+          </a:bodyPr>
+          <a:lstStyle/>
+          <a:p>
+            <a:pPr marL="0" indent="0">
+              <a:buNone/>
+            </a:pPr>
+            <a:r>
+              <a:rPr lang="ko-KR" altLang="en-US" sz="2800" b="1" dirty="0" smtClean="0">
+                <a:solidFill>
+                  <a:schemeClr val="accent1">
+                    <a:lumMod val="75000"/>
+                  </a:schemeClr>
+                </a:solidFill>
+                <a:latin typeface="나눔고딕" panose="020D0604000000000000" pitchFamily="50" charset="-127"/>
+                <a:ea typeface="나눔고딕" panose="020D0604000000000000" pitchFamily="50" charset="-127"/>
+              </a:rPr>
+              <a:t>개인화 기능</a:t>
+            </a:r>
+            <a:endParaRPr lang="en-US" altLang="ko-KR" sz="2800" b="1" dirty="0" smtClean="0">
+              <a:solidFill>
+                <a:schemeClr val="accent1">
+                  <a:lumMod val="75000"/>
+                </a:schemeClr>
+              </a:solidFill>
+              <a:latin typeface="나눔고딕" panose="020D0604000000000000" pitchFamily="50" charset="-127"/>
+              <a:ea typeface="나눔고딕" panose="020D0604000000000000" pitchFamily="50" charset="-127"/>
+            </a:endParaRPr>
+          </a:p>
+          <a:p>
+            <a:pPr marL="0" indent="0">
+              <a:buNone/>
+            </a:pPr>
+            <a:r>
+              <a:rPr lang="en-US" altLang="ko-KR" dirty="0" smtClean="0">
+                <a:latin typeface="나눔고딕" panose="020D0604000000000000" pitchFamily="50" charset="-127"/>
+                <a:ea typeface="나눔고딕" panose="020D0604000000000000" pitchFamily="50" charset="-127"/>
+              </a:rPr>
+              <a:t>Spotify</a:t>
+            </a:r>
+            <a:r>
+              <a:rPr lang="ko-KR" altLang="en-US" smtClean="0">
+                <a:latin typeface="나눔고딕" panose="020D0604000000000000" pitchFamily="50" charset="-127"/>
+                <a:ea typeface="나눔고딕" panose="020D0604000000000000" pitchFamily="50" charset="-127"/>
+              </a:rPr>
+              <a:t>를 비롯한 다른 사이트에서도 제공하는 </a:t>
+            </a:r>
+            <a:r>
+              <a:rPr lang="ko-KR" altLang="en-US">
+                <a:latin typeface="나눔고딕" panose="020D0604000000000000" pitchFamily="50" charset="-127"/>
+                <a:ea typeface="나눔고딕" panose="020D0604000000000000" pitchFamily="50" charset="-127"/>
+              </a:rPr>
+              <a:t>일반 검색 기능에서 더 나아가 사용자의 관심 장르</a:t>
+            </a:r>
+            <a:r>
+              <a:rPr lang="en-US" altLang="ko-KR" dirty="0" smtClean="0">
+                <a:latin typeface="나눔고딕" panose="020D0604000000000000" pitchFamily="50" charset="-127"/>
+                <a:ea typeface="나눔고딕" panose="020D0604000000000000" pitchFamily="50" charset="-127"/>
+              </a:rPr>
+              <a:t>, </a:t>
+            </a:r>
+            <a:r>
+              <a:rPr lang="ko-KR" altLang="en-US" smtClean="0">
+                <a:latin typeface="나눔고딕" panose="020D0604000000000000" pitchFamily="50" charset="-127"/>
+                <a:ea typeface="나눔고딕" panose="020D0604000000000000" pitchFamily="50" charset="-127"/>
+              </a:rPr>
+              <a:t>좋아하는 </a:t>
+            </a:r>
+            <a:r>
+              <a:rPr lang="ko-KR" altLang="en-US" dirty="0">
+                <a:latin typeface="나눔고딕" panose="020D0604000000000000" pitchFamily="50" charset="-127"/>
+                <a:ea typeface="나눔고딕" panose="020D0604000000000000" pitchFamily="50" charset="-127"/>
+              </a:rPr>
+              <a:t>음악의 특성을 </a:t>
+            </a:r>
+            <a:r>
+              <a:rPr lang="ko-KR" altLang="en-US" sz="2000" b="1" dirty="0">
+                <a:solidFill>
+                  <a:schemeClr val="accent2">
+                    <a:lumMod val="75000"/>
+                  </a:schemeClr>
+                </a:solidFill>
+                <a:latin typeface="나눔고딕" panose="020D0604000000000000" pitchFamily="50" charset="-127"/>
+                <a:ea typeface="나눔고딕" panose="020D0604000000000000" pitchFamily="50" charset="-127"/>
+              </a:rPr>
+              <a:t>분석</a:t>
+            </a:r>
+            <a:r>
+              <a:rPr lang="ko-KR" altLang="en-US" dirty="0">
+                <a:latin typeface="나눔고딕" panose="020D0604000000000000" pitchFamily="50" charset="-127"/>
+                <a:ea typeface="나눔고딕" panose="020D0604000000000000" pitchFamily="50" charset="-127"/>
+              </a:rPr>
+              <a:t>하여 취향에 맞는 음악을 </a:t>
+            </a:r>
+            <a:r>
+              <a:rPr lang="ko-KR" altLang="en-US">
+                <a:latin typeface="나눔고딕" panose="020D0604000000000000" pitchFamily="50" charset="-127"/>
+                <a:ea typeface="나눔고딕" panose="020D0604000000000000" pitchFamily="50" charset="-127"/>
+              </a:rPr>
+              <a:t>쉽게 </a:t>
+            </a:r>
+            <a:r>
+              <a:rPr lang="ko-KR" altLang="en-US" smtClean="0">
+                <a:latin typeface="나눔고딕" panose="020D0604000000000000" pitchFamily="50" charset="-127"/>
+                <a:ea typeface="나눔고딕" panose="020D0604000000000000" pitchFamily="50" charset="-127"/>
+              </a:rPr>
+              <a:t>발견하고 저장할 수 있도록 도와주는 것이 다른 사이트에 없는 차별점입니다</a:t>
+            </a:r>
+            <a:r>
+              <a:rPr lang="en-US" altLang="ko-KR" dirty="0" smtClean="0">
+                <a:latin typeface="나눔고딕" panose="020D0604000000000000" pitchFamily="50" charset="-127"/>
+                <a:ea typeface="나눔고딕" panose="020D0604000000000000" pitchFamily="50" charset="-127"/>
+              </a:rPr>
+              <a:t>.</a:t>
+            </a:r>
+          </a:p>
+          <a:p>
+            <a:pPr marL="0" indent="0">
+              <a:buNone/>
+            </a:pPr>
+            <a:endParaRPr lang="en-US" altLang="ko-KR" dirty="0" smtClean="0">
+              <a:latin typeface="나눔고딕" panose="020D0604000000000000" pitchFamily="50" charset="-127"/>
+              <a:ea typeface="나눔고딕" panose="020D0604000000000000" pitchFamily="50" charset="-127"/>
+            </a:endParaRPr>
+          </a:p>
+          <a:p>
+            <a:pPr marL="0" indent="0">
+              <a:buNone/>
+            </a:pPr>
+            <a:r>
+              <a:rPr lang="ko-KR" altLang="en-US" sz="2800" b="1" dirty="0" smtClean="0">
+                <a:solidFill>
+                  <a:schemeClr val="accent1">
+                    <a:lumMod val="75000"/>
+                  </a:schemeClr>
+                </a:solidFill>
+                <a:latin typeface="나눔고딕" panose="020D0604000000000000" pitchFamily="50" charset="-127"/>
+                <a:ea typeface="나눔고딕" panose="020D0604000000000000" pitchFamily="50" charset="-127"/>
+              </a:rPr>
+              <a:t>사용자의 음악 취향과 잘 맞는 아티스트와 연결</a:t>
+            </a:r>
+            <a:endParaRPr lang="en-US" altLang="ko-KR" sz="2800" b="1" dirty="0">
+              <a:solidFill>
+                <a:schemeClr val="accent1">
+                  <a:lumMod val="75000"/>
+                </a:schemeClr>
+              </a:solidFill>
+              <a:latin typeface="나눔고딕" panose="020D0604000000000000" pitchFamily="50" charset="-127"/>
+              <a:ea typeface="나눔고딕" panose="020D0604000000000000" pitchFamily="50" charset="-127"/>
+            </a:endParaRPr>
+          </a:p>
+          <a:p>
+            <a:pPr marL="0" indent="0">
+              <a:buNone/>
+            </a:pPr>
+            <a:r>
+              <a:rPr lang="ko-KR" altLang="en-US" dirty="0" smtClean="0">
+                <a:latin typeface="나눔고딕" panose="020D0604000000000000" pitchFamily="50" charset="-127"/>
+                <a:ea typeface="나눔고딕" panose="020D0604000000000000" pitchFamily="50" charset="-127"/>
+              </a:rPr>
+              <a:t>사용자가 자주 듣는 음악 장르의 </a:t>
+            </a:r>
+            <a:r>
+              <a:rPr lang="ko-KR" altLang="en-US" sz="2000" b="1" dirty="0" smtClean="0">
+                <a:solidFill>
+                  <a:schemeClr val="accent2">
+                    <a:lumMod val="75000"/>
+                  </a:schemeClr>
+                </a:solidFill>
+                <a:latin typeface="나눔고딕" panose="020D0604000000000000" pitchFamily="50" charset="-127"/>
+                <a:ea typeface="나눔고딕" panose="020D0604000000000000" pitchFamily="50" charset="-127"/>
+              </a:rPr>
+              <a:t>오디오 특징을 분석</a:t>
+            </a:r>
+            <a:r>
+              <a:rPr lang="en-US" altLang="ko-KR" sz="2000" b="1" dirty="0" smtClean="0">
+                <a:solidFill>
+                  <a:schemeClr val="accent2">
+                    <a:lumMod val="75000"/>
+                  </a:schemeClr>
+                </a:solidFill>
+                <a:latin typeface="나눔고딕" panose="020D0604000000000000" pitchFamily="50" charset="-127"/>
+                <a:ea typeface="나눔고딕" panose="020D0604000000000000" pitchFamily="50" charset="-127"/>
+              </a:rPr>
+              <a:t>, </a:t>
+            </a:r>
+            <a:r>
+              <a:rPr lang="ko-KR" altLang="en-US" sz="2000" b="1" smtClean="0">
+                <a:solidFill>
+                  <a:schemeClr val="accent2">
+                    <a:lumMod val="75000"/>
+                  </a:schemeClr>
+                </a:solidFill>
+                <a:latin typeface="나눔고딕" panose="020D0604000000000000" pitchFamily="50" charset="-127"/>
+                <a:ea typeface="나눔고딕" panose="020D0604000000000000" pitchFamily="50" charset="-127"/>
+              </a:rPr>
+              <a:t>시각화하여 </a:t>
+            </a:r>
+            <a:r>
+              <a:rPr lang="ko-KR" altLang="en-US" dirty="0" smtClean="0">
+                <a:latin typeface="나눔고딕" panose="020D0604000000000000" pitchFamily="50" charset="-127"/>
+                <a:ea typeface="나눔고딕" panose="020D0604000000000000" pitchFamily="50" charset="-127"/>
+              </a:rPr>
+              <a:t>사용자가 좋아할만한 장르의 </a:t>
+            </a:r>
+            <a:r>
+              <a:rPr lang="ko-KR" altLang="en-US" dirty="0">
+                <a:latin typeface="나눔고딕" panose="020D0604000000000000" pitchFamily="50" charset="-127"/>
+                <a:ea typeface="나눔고딕" panose="020D0604000000000000" pitchFamily="50" charset="-127"/>
+              </a:rPr>
+              <a:t>아티스트와 연결시켜 음반 시장 활성화에 도움을 주었으면 </a:t>
+            </a:r>
+            <a:r>
+              <a:rPr lang="ko-KR" altLang="en-US">
+                <a:latin typeface="나눔고딕" panose="020D0604000000000000" pitchFamily="50" charset="-127"/>
+                <a:ea typeface="나눔고딕" panose="020D0604000000000000" pitchFamily="50" charset="-127"/>
+              </a:rPr>
+              <a:t>좋겠습니다</a:t>
+            </a:r>
+            <a:r>
+              <a:rPr lang="en-US" altLang="ko-KR" dirty="0" smtClean="0">
+                <a:latin typeface="나눔고딕" panose="020D0604000000000000" pitchFamily="50" charset="-127"/>
+                <a:ea typeface="나눔고딕" panose="020D0604000000000000" pitchFamily="50" charset="-127"/>
+              </a:rPr>
+              <a:t>.</a:t>
+            </a:r>
+          </a:p>
+        </p:txBody>
+      </p:sp>
+    </p:spTree>
+    <p:extLst>
+      <p:ext uri="{BB962C8B-B14F-4D97-AF65-F5344CB8AC3E}">
+        <p14:creationId xmlns:p14="http://schemas.microsoft.com/office/powerpoint/2010/main" val="3733489012"/>
+      </p:ext>
+    </p:extLst>
+  </p:cSld>
+  <p:clrMapOvr>
+    <a:masterClrMapping/>
+  </p:clrMapOvr>
+  <p:timing>
+    <p:tnLst>
+      <p:par>
+        <p:cTn id="1" dur="indefinite" restart="never" nodeType="tmRoot"/>
+      </p:par>
+    </p:tnLst>
+  </p:timing>
+</p:sld>
+</file>
+
+<file path=ppt/slides/slide5.xml><?xml version="1.0" encoding="utf-8"?>
+<p:sld xmlns:a="http://schemas.openxmlformats.org/drawingml/2006/main" xmlns:r="http://schemas.openxmlformats.org/officeDocument/2006/relationships" xmlns:p="http://schemas.openxmlformats.org/presentationml/2006/main">
+  <p:cSld>
+    <p:spTree>
+      <p:nvGrpSpPr>
+        <p:cNvPr id="1" name=""/>
+        <p:cNvGrpSpPr/>
+        <p:nvPr/>
+      </p:nvGrpSpPr>
+      <p:grpSpPr>
+        <a:xfrm>
+          <a:off x="0" y="0"/>
+          <a:ext cx="0" cy="0"/>
+          <a:chOff x="0" y="0"/>
+          <a:chExt cx="0" cy="0"/>
+        </a:xfrm>
+      </p:grpSpPr>
+      <p:sp>
+        <p:nvSpPr>
+          <p:cNvPr id="2" name="제목 1"/>
+          <p:cNvSpPr>
+            <a:spLocks noGrp="1"/>
+          </p:cNvSpPr>
+          <p:nvPr>
+            <p:ph type="title"/>
+          </p:nvPr>
+        </p:nvSpPr>
+        <p:spPr/>
+        <p:txBody>
+          <a:bodyPr/>
+          <a:lstStyle/>
+          <a:p>
+            <a:r>
+              <a:rPr lang="en-US" altLang="ko-KR" dirty="0" smtClean="0">
+                <a:latin typeface="휴먼모음T" panose="02030504000101010101" pitchFamily="18" charset="-127"/>
+                <a:ea typeface="휴먼모음T" panose="02030504000101010101" pitchFamily="18" charset="-127"/>
+              </a:rPr>
+              <a:t>2. </a:t>
+            </a:r>
+            <a:r>
+              <a:rPr lang="ko-KR" altLang="en-US" dirty="0" smtClean="0">
+                <a:latin typeface="휴먼모음T" panose="02030504000101010101" pitchFamily="18" charset="-127"/>
+                <a:ea typeface="휴먼모음T" panose="02030504000101010101" pitchFamily="18" charset="-127"/>
+              </a:rPr>
+              <a:t>구현 </a:t>
+            </a:r>
+            <a:r>
+              <a:rPr lang="ko-KR" altLang="en-US" dirty="0" smtClean="0">
+                <a:latin typeface="휴먼모음T" panose="02030504000101010101" pitchFamily="18" charset="-127"/>
+                <a:ea typeface="휴먼모음T" panose="02030504000101010101" pitchFamily="18" charset="-127"/>
+              </a:rPr>
+              <a:t>기능 설명</a:t>
+            </a:r>
+            <a:endParaRPr lang="ko-KR" altLang="en-US" dirty="0">
+              <a:latin typeface="휴먼모음T" panose="02030504000101010101" pitchFamily="18" charset="-127"/>
+              <a:ea typeface="휴먼모음T" panose="02030504000101010101" pitchFamily="18" charset="-127"/>
+            </a:endParaRPr>
+          </a:p>
+        </p:txBody>
+      </p:sp>
+      <p:sp>
+        <p:nvSpPr>
+          <p:cNvPr id="3" name="내용 개체 틀 2"/>
+          <p:cNvSpPr>
+            <a:spLocks noGrp="1"/>
+          </p:cNvSpPr>
+          <p:nvPr>
+            <p:ph sz="half" idx="1"/>
+          </p:nvPr>
+        </p:nvSpPr>
+        <p:spPr/>
+        <p:txBody>
+          <a:bodyPr/>
+          <a:lstStyle/>
+          <a:p>
+            <a:pPr>
+              <a:buFont typeface="+mj-lt"/>
+              <a:buAutoNum type="arabicPeriod"/>
+            </a:pPr>
+            <a:r>
+              <a:rPr lang="ko-KR" altLang="en-US" sz="2400" b="1" dirty="0" smtClean="0">
+                <a:solidFill>
+                  <a:schemeClr val="accent2">
+                    <a:lumMod val="75000"/>
+                  </a:schemeClr>
+                </a:solidFill>
+                <a:latin typeface="나눔고딕" panose="020D0604000000000000" pitchFamily="50" charset="-127"/>
+                <a:ea typeface="나눔고딕" panose="020D0604000000000000" pitchFamily="50" charset="-127"/>
+              </a:rPr>
+              <a:t>검색 서비스</a:t>
+            </a:r>
+            <a:endParaRPr lang="en-US" altLang="ko-KR" sz="2400" b="1" dirty="0">
+              <a:solidFill>
+                <a:schemeClr val="accent2">
+                  <a:lumMod val="75000"/>
+                </a:schemeClr>
+              </a:solidFill>
+              <a:latin typeface="나눔고딕" panose="020D0604000000000000" pitchFamily="50" charset="-127"/>
+              <a:ea typeface="나눔고딕" panose="020D0604000000000000" pitchFamily="50" charset="-127"/>
+            </a:endParaRPr>
+          </a:p>
+          <a:p>
+            <a:pPr lvl="1"/>
+            <a:r>
+              <a:rPr lang="ko-KR" altLang="en-US" dirty="0" smtClean="0">
+                <a:latin typeface="나눔고딕" panose="020D0604000000000000" pitchFamily="50" charset="-127"/>
+                <a:ea typeface="나눔고딕" panose="020D0604000000000000" pitchFamily="50" charset="-127"/>
+              </a:rPr>
+              <a:t>앨범</a:t>
+            </a:r>
+            <a:r>
+              <a:rPr lang="en-US" altLang="ko-KR" dirty="0" smtClean="0">
+                <a:latin typeface="나눔고딕" panose="020D0604000000000000" pitchFamily="50" charset="-127"/>
+                <a:ea typeface="나눔고딕" panose="020D0604000000000000" pitchFamily="50" charset="-127"/>
+              </a:rPr>
+              <a:t>, </a:t>
+            </a:r>
+            <a:r>
+              <a:rPr lang="ko-KR" altLang="en-US" dirty="0" smtClean="0">
+                <a:latin typeface="나눔고딕" panose="020D0604000000000000" pitchFamily="50" charset="-127"/>
+                <a:ea typeface="나눔고딕" panose="020D0604000000000000" pitchFamily="50" charset="-127"/>
+              </a:rPr>
+              <a:t>곡명</a:t>
+            </a:r>
+            <a:r>
+              <a:rPr lang="en-US" altLang="ko-KR" dirty="0" smtClean="0">
+                <a:latin typeface="나눔고딕" panose="020D0604000000000000" pitchFamily="50" charset="-127"/>
+                <a:ea typeface="나눔고딕" panose="020D0604000000000000" pitchFamily="50" charset="-127"/>
+              </a:rPr>
+              <a:t>, </a:t>
+            </a:r>
+            <a:r>
+              <a:rPr lang="ko-KR" altLang="en-US" dirty="0" err="1" smtClean="0">
+                <a:latin typeface="나눔고딕" panose="020D0604000000000000" pitchFamily="50" charset="-127"/>
+                <a:ea typeface="나눔고딕" panose="020D0604000000000000" pitchFamily="50" charset="-127"/>
+              </a:rPr>
+              <a:t>장르명</a:t>
+            </a:r>
+            <a:r>
+              <a:rPr lang="en-US" altLang="ko-KR" dirty="0" smtClean="0">
+                <a:latin typeface="나눔고딕" panose="020D0604000000000000" pitchFamily="50" charset="-127"/>
+                <a:ea typeface="나눔고딕" panose="020D0604000000000000" pitchFamily="50" charset="-127"/>
+              </a:rPr>
+              <a:t>, </a:t>
+            </a:r>
+            <a:r>
+              <a:rPr lang="ko-KR" altLang="en-US" dirty="0" err="1" smtClean="0">
+                <a:latin typeface="나눔고딕" panose="020D0604000000000000" pitchFamily="50" charset="-127"/>
+                <a:ea typeface="나눔고딕" panose="020D0604000000000000" pitchFamily="50" charset="-127"/>
+              </a:rPr>
+              <a:t>아티스트명</a:t>
+            </a:r>
+            <a:r>
+              <a:rPr lang="ko-KR" altLang="en-US" dirty="0" smtClean="0">
+                <a:latin typeface="나눔고딕" panose="020D0604000000000000" pitchFamily="50" charset="-127"/>
+                <a:ea typeface="나눔고딕" panose="020D0604000000000000" pitchFamily="50" charset="-127"/>
+              </a:rPr>
+              <a:t> </a:t>
+            </a:r>
+            <a:r>
+              <a:rPr lang="en-US" altLang="ko-KR" dirty="0" smtClean="0">
+                <a:latin typeface="나눔고딕" panose="020D0604000000000000" pitchFamily="50" charset="-127"/>
+                <a:ea typeface="나눔고딕" panose="020D0604000000000000" pitchFamily="50" charset="-127"/>
+              </a:rPr>
+              <a:t>4</a:t>
+            </a:r>
+            <a:r>
+              <a:rPr lang="ko-KR" altLang="en-US" dirty="0" smtClean="0">
+                <a:latin typeface="나눔고딕" panose="020D0604000000000000" pitchFamily="50" charset="-127"/>
+                <a:ea typeface="나눔고딕" panose="020D0604000000000000" pitchFamily="50" charset="-127"/>
+              </a:rPr>
+              <a:t>가지 키워드로 검색하여 결과를 출력한다</a:t>
+            </a:r>
+            <a:r>
+              <a:rPr lang="en-US" altLang="ko-KR" dirty="0" smtClean="0">
+                <a:latin typeface="나눔고딕" panose="020D0604000000000000" pitchFamily="50" charset="-127"/>
+                <a:ea typeface="나눔고딕" panose="020D0604000000000000" pitchFamily="50" charset="-127"/>
+              </a:rPr>
+              <a:t>.</a:t>
+            </a:r>
+          </a:p>
+          <a:p>
+            <a:pPr>
+              <a:buFont typeface="+mj-lt"/>
+              <a:buAutoNum type="arabicPeriod"/>
+            </a:pPr>
+            <a:r>
+              <a:rPr lang="ko-KR" altLang="en-US" sz="2400" b="1" dirty="0" err="1" smtClean="0">
+                <a:solidFill>
+                  <a:schemeClr val="accent2">
+                    <a:lumMod val="75000"/>
+                  </a:schemeClr>
+                </a:solidFill>
+                <a:latin typeface="나눔고딕" panose="020D0604000000000000" pitchFamily="50" charset="-127"/>
+                <a:ea typeface="나눔고딕" panose="020D0604000000000000" pitchFamily="50" charset="-127"/>
+              </a:rPr>
+              <a:t>추천음악과</a:t>
+            </a:r>
+            <a:r>
+              <a:rPr lang="ko-KR" altLang="en-US" sz="2400" b="1" dirty="0" smtClean="0">
+                <a:solidFill>
+                  <a:schemeClr val="accent2">
+                    <a:lumMod val="75000"/>
+                  </a:schemeClr>
+                </a:solidFill>
+                <a:latin typeface="나눔고딕" panose="020D0604000000000000" pitchFamily="50" charset="-127"/>
+                <a:ea typeface="나눔고딕" panose="020D0604000000000000" pitchFamily="50" charset="-127"/>
+              </a:rPr>
+              <a:t> </a:t>
+            </a:r>
+            <a:r>
+              <a:rPr lang="ko-KR" altLang="en-US" sz="2400" b="1" dirty="0" err="1" smtClean="0">
+                <a:solidFill>
+                  <a:schemeClr val="accent2">
+                    <a:lumMod val="75000"/>
+                  </a:schemeClr>
+                </a:solidFill>
+                <a:latin typeface="나눔고딕" panose="020D0604000000000000" pitchFamily="50" charset="-127"/>
+                <a:ea typeface="나눔고딕" panose="020D0604000000000000" pitchFamily="50" charset="-127"/>
+              </a:rPr>
+              <a:t>최신음악</a:t>
+            </a:r>
+            <a:endParaRPr lang="en-US" altLang="ko-KR" sz="2400" b="1" dirty="0">
+              <a:solidFill>
+                <a:schemeClr val="accent2">
+                  <a:lumMod val="75000"/>
+                </a:schemeClr>
+              </a:solidFill>
+              <a:latin typeface="나눔고딕" panose="020D0604000000000000" pitchFamily="50" charset="-127"/>
+              <a:ea typeface="나눔고딕" panose="020D0604000000000000" pitchFamily="50" charset="-127"/>
+            </a:endParaRPr>
+          </a:p>
+          <a:p>
+            <a:pPr lvl="1"/>
+            <a:r>
+              <a:rPr lang="ko-KR" altLang="en-US" dirty="0" smtClean="0">
+                <a:latin typeface="나눔고딕" panose="020D0604000000000000" pitchFamily="50" charset="-127"/>
+                <a:ea typeface="나눔고딕" panose="020D0604000000000000" pitchFamily="50" charset="-127"/>
+              </a:rPr>
+              <a:t>최초 회원가입 때 기재한 장르를 바탕으로 해당 장르의 인기 앨범 목록을 출력한다</a:t>
+            </a:r>
+            <a:r>
+              <a:rPr lang="en-US" altLang="ko-KR" dirty="0" smtClean="0">
+                <a:latin typeface="나눔고딕" panose="020D0604000000000000" pitchFamily="50" charset="-127"/>
+                <a:ea typeface="나눔고딕" panose="020D0604000000000000" pitchFamily="50" charset="-127"/>
+              </a:rPr>
+              <a:t>.</a:t>
+            </a:r>
+          </a:p>
+          <a:p>
+            <a:pPr lvl="1"/>
+            <a:r>
+              <a:rPr lang="ko-KR" altLang="en-US" dirty="0" smtClean="0">
+                <a:latin typeface="나눔고딕" panose="020D0604000000000000" pitchFamily="50" charset="-127"/>
+                <a:ea typeface="나눔고딕" panose="020D0604000000000000" pitchFamily="50" charset="-127"/>
+              </a:rPr>
+              <a:t>현재를 기준으로 최신에 공개된 앨범 목록을 정렬한다</a:t>
+            </a:r>
+            <a:endParaRPr lang="en-US" altLang="ko-KR" dirty="0">
+              <a:latin typeface="나눔고딕" panose="020D0604000000000000" pitchFamily="50" charset="-127"/>
+              <a:ea typeface="나눔고딕" panose="020D0604000000000000" pitchFamily="50" charset="-127"/>
+            </a:endParaRPr>
+          </a:p>
+        </p:txBody>
+      </p:sp>
+      <p:sp>
+        <p:nvSpPr>
+          <p:cNvPr id="4" name="내용 개체 틀 3"/>
+          <p:cNvSpPr>
+            <a:spLocks noGrp="1"/>
+          </p:cNvSpPr>
+          <p:nvPr>
+            <p:ph sz="half" idx="2"/>
+          </p:nvPr>
+        </p:nvSpPr>
+        <p:spPr/>
+        <p:txBody>
+          <a:bodyPr/>
+          <a:lstStyle/>
+          <a:p>
+            <a:pPr>
+              <a:buFont typeface="+mj-lt"/>
+              <a:buAutoNum type="arabicPeriod" startAt="3"/>
+            </a:pPr>
+            <a:r>
+              <a:rPr lang="ko-KR" altLang="en-US" sz="2400" b="1" dirty="0" err="1" smtClean="0">
+                <a:solidFill>
+                  <a:schemeClr val="accent2">
+                    <a:lumMod val="75000"/>
+                  </a:schemeClr>
+                </a:solidFill>
+                <a:latin typeface="나눔고딕" panose="020D0604000000000000" pitchFamily="50" charset="-127"/>
+                <a:ea typeface="나눔고딕" panose="020D0604000000000000" pitchFamily="50" charset="-127"/>
+              </a:rPr>
+              <a:t>마이페이지</a:t>
+            </a:r>
+            <a:endParaRPr lang="en-US" altLang="ko-KR" sz="2400" b="1" dirty="0" smtClean="0">
+              <a:solidFill>
+                <a:schemeClr val="accent2">
+                  <a:lumMod val="75000"/>
+                </a:schemeClr>
+              </a:solidFill>
+              <a:latin typeface="나눔고딕" panose="020D0604000000000000" pitchFamily="50" charset="-127"/>
+              <a:ea typeface="나눔고딕" panose="020D0604000000000000" pitchFamily="50" charset="-127"/>
+            </a:endParaRPr>
+          </a:p>
+          <a:p>
+            <a:pPr lvl="1"/>
+            <a:r>
+              <a:rPr lang="ko-KR" altLang="en-US" dirty="0" err="1" smtClean="0">
+                <a:latin typeface="나눔고딕" panose="020D0604000000000000" pitchFamily="50" charset="-127"/>
+                <a:ea typeface="나눔고딕" panose="020D0604000000000000" pitchFamily="50" charset="-127"/>
+              </a:rPr>
+              <a:t>좋아요에</a:t>
+            </a:r>
+            <a:r>
+              <a:rPr lang="ko-KR" altLang="en-US" dirty="0" smtClean="0">
+                <a:latin typeface="나눔고딕" panose="020D0604000000000000" pitchFamily="50" charset="-127"/>
+                <a:ea typeface="나눔고딕" panose="020D0604000000000000" pitchFamily="50" charset="-127"/>
+              </a:rPr>
+              <a:t> 추가한 앨범과 재생목록에 추가한 곡에 쉽게 접근할 수 있도록 한다</a:t>
+            </a:r>
+            <a:endParaRPr lang="en-US" altLang="ko-KR" dirty="0" smtClean="0">
+              <a:latin typeface="나눔고딕" panose="020D0604000000000000" pitchFamily="50" charset="-127"/>
+              <a:ea typeface="나눔고딕" panose="020D0604000000000000" pitchFamily="50" charset="-127"/>
+            </a:endParaRPr>
+          </a:p>
+          <a:p>
+            <a:pPr>
+              <a:buFont typeface="+mj-lt"/>
+              <a:buAutoNum type="arabicPeriod" startAt="3"/>
+            </a:pPr>
+            <a:r>
+              <a:rPr lang="ko-KR" altLang="en-US" sz="2400" b="1" dirty="0" err="1" smtClean="0">
+                <a:solidFill>
+                  <a:schemeClr val="accent2">
+                    <a:lumMod val="75000"/>
+                  </a:schemeClr>
+                </a:solidFill>
+                <a:latin typeface="나눔고딕" panose="020D0604000000000000" pitchFamily="50" charset="-127"/>
+                <a:ea typeface="나눔고딕" panose="020D0604000000000000" pitchFamily="50" charset="-127"/>
+              </a:rPr>
+              <a:t>수록곡</a:t>
+            </a:r>
+            <a:r>
+              <a:rPr lang="ko-KR" altLang="en-US" sz="2400" b="1" dirty="0" smtClean="0">
+                <a:solidFill>
+                  <a:schemeClr val="accent2">
+                    <a:lumMod val="75000"/>
+                  </a:schemeClr>
+                </a:solidFill>
+                <a:latin typeface="나눔고딕" panose="020D0604000000000000" pitchFamily="50" charset="-127"/>
+                <a:ea typeface="나눔고딕" panose="020D0604000000000000" pitchFamily="50" charset="-127"/>
+              </a:rPr>
+              <a:t> 분석</a:t>
+            </a:r>
+            <a:endParaRPr lang="en-US" altLang="ko-KR" sz="2400" b="1" dirty="0" smtClean="0">
+              <a:solidFill>
+                <a:schemeClr val="accent2">
+                  <a:lumMod val="75000"/>
+                </a:schemeClr>
+              </a:solidFill>
+              <a:latin typeface="나눔고딕" panose="020D0604000000000000" pitchFamily="50" charset="-127"/>
+              <a:ea typeface="나눔고딕" panose="020D0604000000000000" pitchFamily="50" charset="-127"/>
+            </a:endParaRPr>
+          </a:p>
+          <a:p>
+            <a:pPr lvl="1"/>
+            <a:r>
+              <a:rPr lang="en-US" altLang="ko-KR" dirty="0" err="1" smtClean="0">
+                <a:latin typeface="나눔고딕" panose="020D0604000000000000" pitchFamily="50" charset="-127"/>
+                <a:ea typeface="나눔고딕" panose="020D0604000000000000" pitchFamily="50" charset="-127"/>
+              </a:rPr>
+              <a:t>Audio_features</a:t>
+            </a:r>
+            <a:r>
+              <a:rPr lang="en-US" altLang="ko-KR" dirty="0" smtClean="0">
+                <a:latin typeface="나눔고딕" panose="020D0604000000000000" pitchFamily="50" charset="-127"/>
+                <a:ea typeface="나눔고딕" panose="020D0604000000000000" pitchFamily="50" charset="-127"/>
+              </a:rPr>
+              <a:t> </a:t>
+            </a:r>
+            <a:r>
+              <a:rPr lang="ko-KR" altLang="en-US" dirty="0" smtClean="0">
+                <a:latin typeface="나눔고딕" panose="020D0604000000000000" pitchFamily="50" charset="-127"/>
+                <a:ea typeface="나눔고딕" panose="020D0604000000000000" pitchFamily="50" charset="-127"/>
+              </a:rPr>
+              <a:t>함수를 통해 받아온 </a:t>
+            </a:r>
+            <a:r>
+              <a:rPr lang="ko-KR" altLang="en-US" dirty="0" err="1" smtClean="0">
+                <a:latin typeface="나눔고딕" panose="020D0604000000000000" pitchFamily="50" charset="-127"/>
+                <a:ea typeface="나눔고딕" panose="020D0604000000000000" pitchFamily="50" charset="-127"/>
+              </a:rPr>
+              <a:t>정량값을</a:t>
+            </a:r>
+            <a:r>
+              <a:rPr lang="ko-KR" altLang="en-US" dirty="0" smtClean="0">
+                <a:latin typeface="나눔고딕" panose="020D0604000000000000" pitchFamily="50" charset="-127"/>
+                <a:ea typeface="나눔고딕" panose="020D0604000000000000" pitchFamily="50" charset="-127"/>
+              </a:rPr>
+              <a:t> 분석하여 시각화한 후</a:t>
+            </a:r>
+            <a:r>
+              <a:rPr lang="en-US" altLang="ko-KR" dirty="0" smtClean="0">
+                <a:latin typeface="나눔고딕" panose="020D0604000000000000" pitchFamily="50" charset="-127"/>
+                <a:ea typeface="나눔고딕" panose="020D0604000000000000" pitchFamily="50" charset="-127"/>
+              </a:rPr>
+              <a:t>, </a:t>
+            </a:r>
+            <a:r>
+              <a:rPr lang="ko-KR" altLang="en-US" dirty="0" smtClean="0">
+                <a:latin typeface="나눔고딕" panose="020D0604000000000000" pitchFamily="50" charset="-127"/>
+                <a:ea typeface="나눔고딕" panose="020D0604000000000000" pitchFamily="50" charset="-127"/>
+              </a:rPr>
+              <a:t>사용자가 좋아할 만한 다른 트랙을 추천한다</a:t>
+            </a:r>
+            <a:r>
+              <a:rPr lang="en-US" altLang="ko-KR" dirty="0" smtClean="0">
+                <a:latin typeface="나눔고딕" panose="020D0604000000000000" pitchFamily="50" charset="-127"/>
+                <a:ea typeface="나눔고딕" panose="020D0604000000000000" pitchFamily="50" charset="-127"/>
+              </a:rPr>
+              <a:t>.</a:t>
+            </a:r>
+            <a:endParaRPr lang="ko-KR" altLang="en-US" dirty="0">
+              <a:latin typeface="나눔고딕" panose="020D0604000000000000" pitchFamily="50" charset="-127"/>
+              <a:ea typeface="나눔고딕" panose="020D0604000000000000" pitchFamily="50" charset="-127"/>
+            </a:endParaRPr>
+          </a:p>
+        </p:txBody>
+      </p:sp>
+    </p:spTree>
+    <p:extLst>
+      <p:ext uri="{BB962C8B-B14F-4D97-AF65-F5344CB8AC3E}">
+        <p14:creationId xmlns:p14="http://schemas.microsoft.com/office/powerpoint/2010/main" val="2295742878"/>
+      </p:ext>
+    </p:extLst>
+  </p:cSld>
+  <p:clrMapOvr>
+    <a:masterClrMapping/>
+  </p:clrMapOvr>
+  <p:timing>
+    <p:tnLst>
+      <p:par>
+        <p:cTn id="1" dur="indefinite" restart="never" nodeType="tmRoot"/>
+      </p:par>
+    </p:tnLst>
+  </p:timing>
+</p:sld>
+</file>
+
+<file path=ppt/slides/slide6.xml><?xml version="1.0" encoding="utf-8"?>
+<p:sld xmlns:a="http://schemas.openxmlformats.org/drawingml/2006/main" xmlns:r="http://schemas.openxmlformats.org/officeDocument/2006/relationships" xmlns:p="http://schemas.openxmlformats.org/presentationml/2006/main">
+  <p:cSld>
+    <p:spTree>
+      <p:nvGrpSpPr>
+        <p:cNvPr id="1" name=""/>
+        <p:cNvGrpSpPr/>
+        <p:nvPr/>
+      </p:nvGrpSpPr>
+      <p:grpSpPr>
+        <a:xfrm>
+          <a:off x="0" y="0"/>
+          <a:ext cx="0" cy="0"/>
+          <a:chOff x="0" y="0"/>
+          <a:chExt cx="0" cy="0"/>
+        </a:xfrm>
+      </p:grpSpPr>
+      <p:sp>
+        <p:nvSpPr>
+          <p:cNvPr id="2" name="제목 1"/>
+          <p:cNvSpPr>
+            <a:spLocks noGrp="1"/>
+          </p:cNvSpPr>
+          <p:nvPr>
+            <p:ph type="title"/>
+          </p:nvPr>
+        </p:nvSpPr>
+        <p:spPr/>
+        <p:txBody>
+          <a:bodyPr/>
+          <a:lstStyle/>
+          <a:p>
+            <a:r>
+              <a:rPr lang="en-US" altLang="ko-KR" dirty="0" smtClean="0">
+                <a:latin typeface="휴먼모음T" panose="02030504000101010101" pitchFamily="18" charset="-127"/>
+                <a:ea typeface="휴먼모음T" panose="02030504000101010101" pitchFamily="18" charset="-127"/>
+              </a:rPr>
+              <a:t>3. </a:t>
+            </a:r>
+            <a:r>
+              <a:rPr lang="ko-KR" altLang="en-US" dirty="0" smtClean="0">
+                <a:latin typeface="휴먼모음T" panose="02030504000101010101" pitchFamily="18" charset="-127"/>
+                <a:ea typeface="휴먼모음T" panose="02030504000101010101" pitchFamily="18" charset="-127"/>
+              </a:rPr>
+              <a:t>사이트 </a:t>
+            </a:r>
+            <a:r>
+              <a:rPr lang="ko-KR" altLang="en-US" dirty="0" smtClean="0">
+                <a:latin typeface="휴먼모음T" panose="02030504000101010101" pitchFamily="18" charset="-127"/>
+                <a:ea typeface="휴먼모음T" panose="02030504000101010101" pitchFamily="18" charset="-127"/>
+              </a:rPr>
+              <a:t>맵</a:t>
+            </a:r>
+            <a:endParaRPr lang="ko-KR" altLang="en-US" dirty="0">
+              <a:latin typeface="휴먼모음T" panose="02030504000101010101" pitchFamily="18" charset="-127"/>
+              <a:ea typeface="휴먼모음T" panose="02030504000101010101" pitchFamily="18" charset="-127"/>
+            </a:endParaRPr>
+          </a:p>
+        </p:txBody>
+      </p:sp>
+      <p:sp>
+        <p:nvSpPr>
+          <p:cNvPr id="6" name="직사각형 5"/>
+          <p:cNvSpPr/>
+          <p:nvPr/>
+        </p:nvSpPr>
+        <p:spPr>
+          <a:xfrm>
+            <a:off x="2664941" y="1550773"/>
+            <a:ext cx="1445741" cy="778476"/>
+          </a:xfrm>
+          <a:prstGeom prst="rect">
+            <a:avLst/>
+          </a:prstGeom>
+        </p:spPr>
+        <p:style>
+          <a:lnRef idx="2">
+            <a:schemeClr val="dk1"/>
+          </a:lnRef>
+          <a:fillRef idx="1">
+            <a:schemeClr val="lt1"/>
+          </a:fillRef>
+          <a:effectRef idx="0">
+            <a:schemeClr val="dk1"/>
+          </a:effectRef>
+          <a:fontRef idx="minor">
+            <a:schemeClr val="dk1"/>
+          </a:fontRef>
+        </p:style>
+        <p:txBody>
+          <a:bodyPr rtlCol="0" anchor="ctr"/>
+          <a:lstStyle/>
+          <a:p>
+            <a:pPr algn="ctr"/>
+            <a:r>
+              <a:rPr lang="ko-KR" altLang="en-US" dirty="0" err="1" smtClean="0">
+                <a:latin typeface="휴먼모음T" panose="02030504000101010101" pitchFamily="18" charset="-127"/>
+                <a:ea typeface="휴먼모음T" panose="02030504000101010101" pitchFamily="18" charset="-127"/>
+              </a:rPr>
+              <a:t>메인페이지</a:t>
+            </a:r>
+            <a:endParaRPr lang="ko-KR" altLang="en-US" dirty="0">
+              <a:latin typeface="휴먼모음T" panose="02030504000101010101" pitchFamily="18" charset="-127"/>
+              <a:ea typeface="휴먼모음T" panose="02030504000101010101" pitchFamily="18" charset="-127"/>
+            </a:endParaRPr>
+          </a:p>
+        </p:txBody>
+      </p:sp>
+      <p:sp>
+        <p:nvSpPr>
+          <p:cNvPr id="7" name="직사각형 6"/>
+          <p:cNvSpPr/>
+          <p:nvPr/>
+        </p:nvSpPr>
+        <p:spPr>
+          <a:xfrm>
+            <a:off x="4547288" y="1550773"/>
+            <a:ext cx="1445741" cy="778476"/>
+          </a:xfrm>
+          <a:prstGeom prst="rect">
+            <a:avLst/>
+          </a:prstGeom>
+        </p:spPr>
+        <p:style>
+          <a:lnRef idx="2">
+            <a:schemeClr val="dk1"/>
+          </a:lnRef>
+          <a:fillRef idx="1">
+            <a:schemeClr val="lt1"/>
+          </a:fillRef>
+          <a:effectRef idx="0">
+            <a:schemeClr val="dk1"/>
+          </a:effectRef>
+          <a:fontRef idx="minor">
+            <a:schemeClr val="dk1"/>
+          </a:fontRef>
+        </p:style>
+        <p:txBody>
+          <a:bodyPr rtlCol="0" anchor="ctr"/>
+          <a:lstStyle/>
+          <a:p>
+            <a:pPr algn="ctr"/>
+            <a:r>
+              <a:rPr lang="ko-KR" altLang="en-US" dirty="0" smtClean="0">
+                <a:latin typeface="휴먼모음T" panose="02030504000101010101" pitchFamily="18" charset="-127"/>
+                <a:ea typeface="휴먼모음T" panose="02030504000101010101" pitchFamily="18" charset="-127"/>
+              </a:rPr>
+              <a:t>로그인</a:t>
+            </a:r>
+            <a:endParaRPr lang="ko-KR" altLang="en-US" dirty="0">
+              <a:latin typeface="휴먼모음T" panose="02030504000101010101" pitchFamily="18" charset="-127"/>
+              <a:ea typeface="휴먼모음T" panose="02030504000101010101" pitchFamily="18" charset="-127"/>
+            </a:endParaRPr>
+          </a:p>
+        </p:txBody>
+      </p:sp>
+      <p:sp>
+        <p:nvSpPr>
+          <p:cNvPr id="8" name="직사각형 7"/>
+          <p:cNvSpPr/>
+          <p:nvPr/>
+        </p:nvSpPr>
+        <p:spPr>
+          <a:xfrm>
+            <a:off x="6421395" y="1541162"/>
+            <a:ext cx="1445741" cy="778476"/>
+          </a:xfrm>
+          <a:prstGeom prst="rect">
+            <a:avLst/>
+          </a:prstGeom>
+        </p:spPr>
+        <p:style>
+          <a:lnRef idx="2">
+            <a:schemeClr val="dk1"/>
+          </a:lnRef>
+          <a:fillRef idx="1">
+            <a:schemeClr val="lt1"/>
+          </a:fillRef>
+          <a:effectRef idx="0">
+            <a:schemeClr val="dk1"/>
+          </a:effectRef>
+          <a:fontRef idx="minor">
+            <a:schemeClr val="dk1"/>
+          </a:fontRef>
+        </p:style>
+        <p:txBody>
+          <a:bodyPr rtlCol="0" anchor="ctr"/>
+          <a:lstStyle/>
+          <a:p>
+            <a:pPr algn="ctr"/>
+            <a:r>
+              <a:rPr lang="ko-KR" altLang="en-US" dirty="0" smtClean="0">
+                <a:latin typeface="휴먼모음T" panose="02030504000101010101" pitchFamily="18" charset="-127"/>
+                <a:ea typeface="휴먼모음T" panose="02030504000101010101" pitchFamily="18" charset="-127"/>
+              </a:rPr>
+              <a:t>회원가입</a:t>
+            </a:r>
+            <a:endParaRPr lang="ko-KR" altLang="en-US" dirty="0">
+              <a:latin typeface="휴먼모음T" panose="02030504000101010101" pitchFamily="18" charset="-127"/>
+              <a:ea typeface="휴먼모음T" panose="02030504000101010101" pitchFamily="18" charset="-127"/>
+            </a:endParaRPr>
+          </a:p>
+        </p:txBody>
+      </p:sp>
+      <p:sp>
+        <p:nvSpPr>
+          <p:cNvPr id="9" name="직사각형 8"/>
+          <p:cNvSpPr/>
+          <p:nvPr/>
+        </p:nvSpPr>
+        <p:spPr>
+          <a:xfrm>
+            <a:off x="4028434" y="4280244"/>
+            <a:ext cx="1587842" cy="778476"/>
+          </a:xfrm>
+          <a:prstGeom prst="rect">
+            <a:avLst/>
+          </a:prstGeom>
+        </p:spPr>
+        <p:style>
+          <a:lnRef idx="2">
+            <a:schemeClr val="dk1"/>
+          </a:lnRef>
+          <a:fillRef idx="1">
+            <a:schemeClr val="lt1"/>
+          </a:fillRef>
+          <a:effectRef idx="0">
+            <a:schemeClr val="dk1"/>
+          </a:effectRef>
+          <a:fontRef idx="minor">
+            <a:schemeClr val="dk1"/>
+          </a:fontRef>
+        </p:style>
+        <p:txBody>
+          <a:bodyPr rtlCol="0" anchor="ctr"/>
+          <a:lstStyle/>
+          <a:p>
+            <a:pPr algn="ctr"/>
+            <a:r>
+              <a:rPr lang="ko-KR" altLang="en-US" dirty="0" smtClean="0">
+                <a:latin typeface="휴먼모음T" panose="02030504000101010101" pitchFamily="18" charset="-127"/>
+                <a:ea typeface="휴먼모음T" panose="02030504000101010101" pitchFamily="18" charset="-127"/>
+              </a:rPr>
+              <a:t>플레이리스트</a:t>
+            </a:r>
+            <a:endParaRPr lang="ko-KR" altLang="en-US" dirty="0">
+              <a:latin typeface="휴먼모음T" panose="02030504000101010101" pitchFamily="18" charset="-127"/>
+              <a:ea typeface="휴먼모음T" panose="02030504000101010101" pitchFamily="18" charset="-127"/>
+            </a:endParaRPr>
+          </a:p>
+        </p:txBody>
+      </p:sp>
+      <p:sp>
+        <p:nvSpPr>
+          <p:cNvPr id="10" name="직사각형 9"/>
+          <p:cNvSpPr/>
+          <p:nvPr/>
+        </p:nvSpPr>
+        <p:spPr>
+          <a:xfrm>
+            <a:off x="496330" y="2871573"/>
+            <a:ext cx="1445741" cy="778476"/>
+          </a:xfrm>
+          <a:prstGeom prst="rect">
+            <a:avLst/>
+          </a:prstGeom>
+        </p:spPr>
+        <p:style>
+          <a:lnRef idx="2">
+            <a:schemeClr val="dk1"/>
+          </a:lnRef>
+          <a:fillRef idx="1">
+            <a:schemeClr val="lt1"/>
+          </a:fillRef>
+          <a:effectRef idx="0">
+            <a:schemeClr val="dk1"/>
+          </a:effectRef>
+          <a:fontRef idx="minor">
+            <a:schemeClr val="dk1"/>
+          </a:fontRef>
+        </p:style>
+        <p:txBody>
+          <a:bodyPr rtlCol="0" anchor="ctr"/>
+          <a:lstStyle/>
+          <a:p>
+            <a:pPr algn="ctr"/>
+            <a:r>
+              <a:rPr lang="ko-KR" altLang="en-US" dirty="0" err="1">
+                <a:latin typeface="휴먼모음T" panose="02030504000101010101" pitchFamily="18" charset="-127"/>
+                <a:ea typeface="휴먼모음T" panose="02030504000101010101" pitchFamily="18" charset="-127"/>
+              </a:rPr>
+              <a:t>추천음악</a:t>
+            </a:r>
+            <a:endParaRPr lang="ko-KR" altLang="en-US" dirty="0">
+              <a:latin typeface="휴먼모음T" panose="02030504000101010101" pitchFamily="18" charset="-127"/>
+              <a:ea typeface="휴먼모음T" panose="02030504000101010101" pitchFamily="18" charset="-127"/>
+            </a:endParaRPr>
+          </a:p>
+        </p:txBody>
+      </p:sp>
+      <p:cxnSp>
+        <p:nvCxnSpPr>
+          <p:cNvPr id="12" name="직선 연결선 11"/>
+          <p:cNvCxnSpPr>
+            <a:stCxn id="6" idx="2"/>
+            <a:endCxn id="26" idx="0"/>
+          </p:cNvCxnSpPr>
+          <p:nvPr/>
+        </p:nvCxnSpPr>
+        <p:spPr>
+          <a:xfrm>
+            <a:off x="3387812" y="2329249"/>
+            <a:ext cx="0" cy="545070"/>
+          </a:xfrm>
+          <a:prstGeom prst="line">
+            <a:avLst/>
+          </a:prstGeom>
+        </p:spPr>
+        <p:style>
+          <a:lnRef idx="2">
+            <a:schemeClr val="dk1"/>
+          </a:lnRef>
+          <a:fillRef idx="1">
+            <a:schemeClr val="lt1"/>
+          </a:fillRef>
+          <a:effectRef idx="0">
+            <a:schemeClr val="dk1"/>
+          </a:effectRef>
+          <a:fontRef idx="minor">
+            <a:schemeClr val="dk1"/>
+          </a:fontRef>
+        </p:style>
+      </p:cxnSp>
+      <p:cxnSp>
+        <p:nvCxnSpPr>
+          <p:cNvPr id="14" name="직선 연결선 13"/>
+          <p:cNvCxnSpPr>
+            <a:stCxn id="26" idx="3"/>
+            <a:endCxn id="9" idx="0"/>
+          </p:cNvCxnSpPr>
+          <p:nvPr/>
+        </p:nvCxnSpPr>
+        <p:spPr>
+          <a:xfrm>
+            <a:off x="4110682" y="3263557"/>
+            <a:ext cx="711673" cy="1016687"/>
+          </a:xfrm>
+          <a:prstGeom prst="line">
+            <a:avLst/>
+          </a:prstGeom>
+        </p:spPr>
+        <p:style>
+          <a:lnRef idx="2">
+            <a:schemeClr val="dk1"/>
+          </a:lnRef>
+          <a:fillRef idx="1">
+            <a:schemeClr val="lt1"/>
+          </a:fillRef>
+          <a:effectRef idx="0">
+            <a:schemeClr val="dk1"/>
+          </a:effectRef>
+          <a:fontRef idx="minor">
+            <a:schemeClr val="dk1"/>
+          </a:fontRef>
+        </p:style>
+      </p:cxnSp>
+      <p:cxnSp>
+        <p:nvCxnSpPr>
+          <p:cNvPr id="16" name="직선 연결선 15"/>
+          <p:cNvCxnSpPr>
+            <a:stCxn id="10" idx="3"/>
+          </p:cNvCxnSpPr>
+          <p:nvPr/>
+        </p:nvCxnSpPr>
+        <p:spPr>
+          <a:xfrm>
+            <a:off x="1942071" y="3260811"/>
+            <a:ext cx="722870" cy="0"/>
+          </a:xfrm>
+          <a:prstGeom prst="line">
+            <a:avLst/>
+          </a:prstGeom>
+        </p:spPr>
+        <p:style>
+          <a:lnRef idx="2">
+            <a:schemeClr val="dk1"/>
+          </a:lnRef>
+          <a:fillRef idx="1">
+            <a:schemeClr val="lt1"/>
+          </a:fillRef>
+          <a:effectRef idx="0">
+            <a:schemeClr val="dk1"/>
+          </a:effectRef>
+          <a:fontRef idx="minor">
+            <a:schemeClr val="dk1"/>
+          </a:fontRef>
+        </p:style>
+      </p:cxnSp>
+      <p:cxnSp>
+        <p:nvCxnSpPr>
+          <p:cNvPr id="18" name="직선 연결선 17"/>
+          <p:cNvCxnSpPr>
+            <a:stCxn id="6" idx="3"/>
+            <a:endCxn id="7" idx="1"/>
+          </p:cNvCxnSpPr>
+          <p:nvPr/>
+        </p:nvCxnSpPr>
+        <p:spPr>
+          <a:xfrm>
+            <a:off x="4110682" y="1940011"/>
+            <a:ext cx="436606" cy="0"/>
+          </a:xfrm>
+          <a:prstGeom prst="line">
+            <a:avLst/>
+          </a:prstGeom>
+        </p:spPr>
+        <p:style>
+          <a:lnRef idx="2">
+            <a:schemeClr val="dk1"/>
+          </a:lnRef>
+          <a:fillRef idx="1">
+            <a:schemeClr val="lt1"/>
+          </a:fillRef>
+          <a:effectRef idx="0">
+            <a:schemeClr val="dk1"/>
+          </a:effectRef>
+          <a:fontRef idx="minor">
+            <a:schemeClr val="dk1"/>
+          </a:fontRef>
+        </p:style>
+      </p:cxnSp>
+      <p:cxnSp>
+        <p:nvCxnSpPr>
+          <p:cNvPr id="20" name="직선 연결선 19"/>
+          <p:cNvCxnSpPr>
+            <a:stCxn id="7" idx="3"/>
+            <a:endCxn id="8" idx="1"/>
+          </p:cNvCxnSpPr>
+          <p:nvPr/>
+        </p:nvCxnSpPr>
+        <p:spPr>
+          <a:xfrm flipV="1">
+            <a:off x="5993029" y="1930400"/>
+            <a:ext cx="428366" cy="9611"/>
+          </a:xfrm>
+          <a:prstGeom prst="line">
+            <a:avLst/>
+          </a:prstGeom>
+        </p:spPr>
+        <p:style>
+          <a:lnRef idx="2">
+            <a:schemeClr val="dk1"/>
+          </a:lnRef>
+          <a:fillRef idx="1">
+            <a:schemeClr val="lt1"/>
+          </a:fillRef>
+          <a:effectRef idx="0">
+            <a:schemeClr val="dk1"/>
+          </a:effectRef>
+          <a:fontRef idx="minor">
+            <a:schemeClr val="dk1"/>
+          </a:fontRef>
+        </p:style>
+      </p:cxnSp>
+      <p:sp>
+        <p:nvSpPr>
+          <p:cNvPr id="26" name="직사각형 25"/>
+          <p:cNvSpPr/>
+          <p:nvPr/>
+        </p:nvSpPr>
+        <p:spPr>
+          <a:xfrm>
+            <a:off x="2664941" y="2874319"/>
+            <a:ext cx="1445741" cy="778476"/>
+          </a:xfrm>
+          <a:prstGeom prst="rect">
+            <a:avLst/>
+          </a:prstGeom>
+        </p:spPr>
+        <p:style>
+          <a:lnRef idx="2">
+            <a:schemeClr val="dk1"/>
+          </a:lnRef>
+          <a:fillRef idx="1">
+            <a:schemeClr val="lt1"/>
+          </a:fillRef>
+          <a:effectRef idx="0">
+            <a:schemeClr val="dk1"/>
+          </a:effectRef>
+          <a:fontRef idx="minor">
+            <a:schemeClr val="dk1"/>
+          </a:fontRef>
+        </p:style>
+        <p:txBody>
+          <a:bodyPr rtlCol="0" anchor="ctr"/>
+          <a:lstStyle/>
+          <a:p>
+            <a:pPr algn="ctr"/>
+            <a:r>
+              <a:rPr lang="ko-KR" altLang="en-US" dirty="0" err="1" smtClean="0">
+                <a:latin typeface="휴먼모음T" panose="02030504000101010101" pitchFamily="18" charset="-127"/>
+                <a:ea typeface="휴먼모음T" panose="02030504000101010101" pitchFamily="18" charset="-127"/>
+              </a:rPr>
+              <a:t>최신음악</a:t>
+            </a:r>
+            <a:endParaRPr lang="ko-KR" altLang="en-US" dirty="0">
+              <a:latin typeface="휴먼모음T" panose="02030504000101010101" pitchFamily="18" charset="-127"/>
+              <a:ea typeface="휴먼모음T" panose="02030504000101010101" pitchFamily="18" charset="-127"/>
+            </a:endParaRPr>
+          </a:p>
+        </p:txBody>
+      </p:sp>
+      <p:sp>
+        <p:nvSpPr>
+          <p:cNvPr id="29" name="직사각형 28"/>
+          <p:cNvSpPr/>
+          <p:nvPr/>
+        </p:nvSpPr>
+        <p:spPr>
+          <a:xfrm>
+            <a:off x="5095234" y="2881184"/>
+            <a:ext cx="1445741" cy="778476"/>
+          </a:xfrm>
+          <a:prstGeom prst="rect">
+            <a:avLst/>
+          </a:prstGeom>
+        </p:spPr>
+        <p:style>
+          <a:lnRef idx="2">
+            <a:schemeClr val="dk1"/>
+          </a:lnRef>
+          <a:fillRef idx="1">
+            <a:schemeClr val="lt1"/>
+          </a:fillRef>
+          <a:effectRef idx="0">
+            <a:schemeClr val="dk1"/>
+          </a:effectRef>
+          <a:fontRef idx="minor">
+            <a:schemeClr val="dk1"/>
+          </a:fontRef>
+        </p:style>
+        <p:txBody>
+          <a:bodyPr rtlCol="0" anchor="ctr"/>
+          <a:lstStyle/>
+          <a:p>
+            <a:pPr algn="ctr"/>
+            <a:r>
+              <a:rPr lang="ko-KR" altLang="en-US" dirty="0" err="1" smtClean="0">
+                <a:latin typeface="휴먼모음T" panose="02030504000101010101" pitchFamily="18" charset="-127"/>
+                <a:ea typeface="휴먼모음T" panose="02030504000101010101" pitchFamily="18" charset="-127"/>
+              </a:rPr>
+              <a:t>마이페이지</a:t>
+            </a:r>
+            <a:endParaRPr lang="ko-KR" altLang="en-US" dirty="0">
+              <a:latin typeface="휴먼모음T" panose="02030504000101010101" pitchFamily="18" charset="-127"/>
+              <a:ea typeface="휴먼모음T" panose="02030504000101010101" pitchFamily="18" charset="-127"/>
+            </a:endParaRPr>
+          </a:p>
+        </p:txBody>
+      </p:sp>
+      <p:cxnSp>
+        <p:nvCxnSpPr>
+          <p:cNvPr id="33" name="직선 연결선 32"/>
+          <p:cNvCxnSpPr>
+            <a:stCxn id="9" idx="0"/>
+            <a:endCxn id="29" idx="2"/>
+          </p:cNvCxnSpPr>
+          <p:nvPr/>
+        </p:nvCxnSpPr>
+        <p:spPr>
+          <a:xfrm flipV="1">
+            <a:off x="4822355" y="3659660"/>
+            <a:ext cx="995750" cy="620584"/>
+          </a:xfrm>
+          <a:prstGeom prst="line">
+            <a:avLst/>
+          </a:prstGeom>
+        </p:spPr>
+        <p:style>
+          <a:lnRef idx="2">
+            <a:schemeClr val="dk1"/>
+          </a:lnRef>
+          <a:fillRef idx="1">
+            <a:schemeClr val="lt1"/>
+          </a:fillRef>
+          <a:effectRef idx="0">
+            <a:schemeClr val="dk1"/>
+          </a:effectRef>
+          <a:fontRef idx="minor">
+            <a:schemeClr val="dk1"/>
+          </a:fontRef>
+        </p:style>
+      </p:cxnSp>
+      <p:sp>
+        <p:nvSpPr>
+          <p:cNvPr id="36" name="직사각형 35"/>
+          <p:cNvSpPr/>
+          <p:nvPr/>
+        </p:nvSpPr>
+        <p:spPr>
+          <a:xfrm>
+            <a:off x="6055005" y="4280244"/>
+            <a:ext cx="1516792" cy="778476"/>
+          </a:xfrm>
+          <a:prstGeom prst="rect">
+            <a:avLst/>
+          </a:prstGeom>
+        </p:spPr>
+        <p:style>
+          <a:lnRef idx="2">
+            <a:schemeClr val="dk1"/>
+          </a:lnRef>
+          <a:fillRef idx="1">
+            <a:schemeClr val="lt1"/>
+          </a:fillRef>
+          <a:effectRef idx="0">
+            <a:schemeClr val="dk1"/>
+          </a:effectRef>
+          <a:fontRef idx="minor">
+            <a:schemeClr val="dk1"/>
+          </a:fontRef>
+        </p:style>
+        <p:txBody>
+          <a:bodyPr rtlCol="0" anchor="ctr"/>
+          <a:lstStyle/>
+          <a:p>
+            <a:pPr algn="ctr"/>
+            <a:r>
+              <a:rPr lang="ko-KR" altLang="en-US" dirty="0" smtClean="0">
+                <a:latin typeface="휴먼모음T" panose="02030504000101010101" pitchFamily="18" charset="-127"/>
+                <a:ea typeface="휴먼모음T" panose="02030504000101010101" pitchFamily="18" charset="-127"/>
+              </a:rPr>
+              <a:t>좋아요</a:t>
+            </a:r>
+            <a:endParaRPr lang="ko-KR" altLang="en-US" dirty="0">
+              <a:latin typeface="휴먼모음T" panose="02030504000101010101" pitchFamily="18" charset="-127"/>
+              <a:ea typeface="휴먼모음T" panose="02030504000101010101" pitchFamily="18" charset="-127"/>
+            </a:endParaRPr>
+          </a:p>
+        </p:txBody>
+      </p:sp>
+      <p:cxnSp>
+        <p:nvCxnSpPr>
+          <p:cNvPr id="43" name="직선 연결선 42"/>
+          <p:cNvCxnSpPr>
+            <a:stCxn id="29" idx="2"/>
+            <a:endCxn id="36" idx="0"/>
+          </p:cNvCxnSpPr>
+          <p:nvPr/>
+        </p:nvCxnSpPr>
+        <p:spPr>
+          <a:xfrm>
+            <a:off x="5818105" y="3659660"/>
+            <a:ext cx="995296" cy="620584"/>
+          </a:xfrm>
+          <a:prstGeom prst="line">
+            <a:avLst/>
+          </a:prstGeom>
+        </p:spPr>
+        <p:style>
+          <a:lnRef idx="2">
+            <a:schemeClr val="dk1"/>
+          </a:lnRef>
+          <a:fillRef idx="1">
+            <a:schemeClr val="lt1"/>
+          </a:fillRef>
+          <a:effectRef idx="0">
+            <a:schemeClr val="dk1"/>
+          </a:effectRef>
+          <a:fontRef idx="minor">
+            <a:schemeClr val="dk1"/>
+          </a:fontRef>
+        </p:style>
+      </p:cxnSp>
+      <p:sp>
+        <p:nvSpPr>
+          <p:cNvPr id="54" name="직사각형 53"/>
+          <p:cNvSpPr/>
+          <p:nvPr/>
+        </p:nvSpPr>
+        <p:spPr>
+          <a:xfrm>
+            <a:off x="8105261" y="2491946"/>
+            <a:ext cx="1445741" cy="778476"/>
+          </a:xfrm>
+          <a:prstGeom prst="rect">
+            <a:avLst/>
+          </a:prstGeom>
+        </p:spPr>
+        <p:style>
+          <a:lnRef idx="2">
+            <a:schemeClr val="dk1"/>
+          </a:lnRef>
+          <a:fillRef idx="1">
+            <a:schemeClr val="lt1"/>
+          </a:fillRef>
+          <a:effectRef idx="0">
+            <a:schemeClr val="dk1"/>
+          </a:effectRef>
+          <a:fontRef idx="minor">
+            <a:schemeClr val="dk1"/>
+          </a:fontRef>
+        </p:style>
+        <p:txBody>
+          <a:bodyPr rtlCol="0" anchor="ctr"/>
+          <a:lstStyle/>
+          <a:p>
+            <a:pPr algn="ctr"/>
+            <a:r>
+              <a:rPr lang="ko-KR" altLang="en-US" dirty="0" smtClean="0">
+                <a:latin typeface="휴먼모음T" panose="02030504000101010101" pitchFamily="18" charset="-127"/>
+                <a:ea typeface="휴먼모음T" panose="02030504000101010101" pitchFamily="18" charset="-127"/>
+              </a:rPr>
+              <a:t>로그아웃</a:t>
+            </a:r>
+            <a:endParaRPr lang="ko-KR" altLang="en-US" dirty="0">
+              <a:latin typeface="휴먼모음T" panose="02030504000101010101" pitchFamily="18" charset="-127"/>
+              <a:ea typeface="휴먼모음T" panose="02030504000101010101" pitchFamily="18" charset="-127"/>
+            </a:endParaRPr>
+          </a:p>
+        </p:txBody>
+      </p:sp>
+      <p:cxnSp>
+        <p:nvCxnSpPr>
+          <p:cNvPr id="56" name="직선 연결선 55"/>
+          <p:cNvCxnSpPr>
+            <a:stCxn id="54" idx="1"/>
+            <a:endCxn id="29" idx="3"/>
+          </p:cNvCxnSpPr>
+          <p:nvPr/>
+        </p:nvCxnSpPr>
+        <p:spPr>
+          <a:xfrm flipH="1">
+            <a:off x="6540975" y="2881184"/>
+            <a:ext cx="1564286" cy="389238"/>
+          </a:xfrm>
+          <a:prstGeom prst="line">
+            <a:avLst/>
+          </a:prstGeom>
+        </p:spPr>
+        <p:style>
+          <a:lnRef idx="2">
+            <a:schemeClr val="dk1"/>
+          </a:lnRef>
+          <a:fillRef idx="1">
+            <a:schemeClr val="lt1"/>
+          </a:fillRef>
+          <a:effectRef idx="0">
+            <a:schemeClr val="dk1"/>
+          </a:effectRef>
+          <a:fontRef idx="minor">
+            <a:schemeClr val="dk1"/>
+          </a:fontRef>
+        </p:style>
+      </p:cxnSp>
+      <p:sp>
+        <p:nvSpPr>
+          <p:cNvPr id="69" name="직사각형 68"/>
+          <p:cNvSpPr/>
+          <p:nvPr/>
+        </p:nvSpPr>
+        <p:spPr>
+          <a:xfrm>
+            <a:off x="1580635" y="4280244"/>
+            <a:ext cx="1445741" cy="1057875"/>
+          </a:xfrm>
+          <a:prstGeom prst="rect">
+            <a:avLst/>
+          </a:prstGeom>
+        </p:spPr>
+        <p:style>
+          <a:lnRef idx="2">
+            <a:schemeClr val="dk1"/>
+          </a:lnRef>
+          <a:fillRef idx="1">
+            <a:schemeClr val="lt1"/>
+          </a:fillRef>
+          <a:effectRef idx="0">
+            <a:schemeClr val="dk1"/>
+          </a:effectRef>
+          <a:fontRef idx="minor">
+            <a:schemeClr val="dk1"/>
+          </a:fontRef>
+        </p:style>
+        <p:txBody>
+          <a:bodyPr rtlCol="0" anchor="ctr"/>
+          <a:lstStyle/>
+          <a:p>
+            <a:pPr algn="ctr"/>
+            <a:r>
+              <a:rPr lang="ko-KR" altLang="en-US" dirty="0" smtClean="0">
+                <a:latin typeface="휴먼모음T" panose="02030504000101010101" pitchFamily="18" charset="-127"/>
+                <a:ea typeface="휴먼모음T" panose="02030504000101010101" pitchFamily="18" charset="-127"/>
+              </a:rPr>
+              <a:t>앨범</a:t>
+            </a:r>
+            <a:endParaRPr lang="en-US" altLang="ko-KR" smtClean="0">
+              <a:latin typeface="휴먼모음T" panose="02030504000101010101" pitchFamily="18" charset="-127"/>
+              <a:ea typeface="휴먼모음T" panose="02030504000101010101" pitchFamily="18" charset="-127"/>
+            </a:endParaRPr>
+          </a:p>
+          <a:p>
+            <a:pPr algn="ctr"/>
+            <a:r>
+              <a:rPr lang="ko-KR" altLang="en-US" smtClean="0">
+                <a:latin typeface="휴먼모음T" panose="02030504000101010101" pitchFamily="18" charset="-127"/>
+                <a:ea typeface="휴먼모음T" panose="02030504000101010101" pitchFamily="18" charset="-127"/>
+              </a:rPr>
+              <a:t>상세페이지</a:t>
+            </a:r>
+            <a:endParaRPr lang="ko-KR" altLang="en-US" dirty="0">
+              <a:latin typeface="휴먼모음T" panose="02030504000101010101" pitchFamily="18" charset="-127"/>
+              <a:ea typeface="휴먼모음T" panose="02030504000101010101" pitchFamily="18" charset="-127"/>
+            </a:endParaRPr>
+          </a:p>
+        </p:txBody>
+      </p:sp>
+      <p:cxnSp>
+        <p:nvCxnSpPr>
+          <p:cNvPr id="71" name="직선 연결선 70"/>
+          <p:cNvCxnSpPr>
+            <a:stCxn id="10" idx="2"/>
+            <a:endCxn id="69" idx="0"/>
+          </p:cNvCxnSpPr>
+          <p:nvPr/>
+        </p:nvCxnSpPr>
+        <p:spPr>
+          <a:xfrm>
+            <a:off x="1219201" y="3650049"/>
+            <a:ext cx="1084305" cy="630195"/>
+          </a:xfrm>
+          <a:prstGeom prst="line">
+            <a:avLst/>
+          </a:prstGeom>
+        </p:spPr>
+        <p:style>
+          <a:lnRef idx="3">
+            <a:schemeClr val="dk1"/>
+          </a:lnRef>
+          <a:fillRef idx="0">
+            <a:schemeClr val="dk1"/>
+          </a:fillRef>
+          <a:effectRef idx="2">
+            <a:schemeClr val="dk1"/>
+          </a:effectRef>
+          <a:fontRef idx="minor">
+            <a:schemeClr val="tx1"/>
+          </a:fontRef>
+        </p:style>
+      </p:cxnSp>
+      <p:cxnSp>
+        <p:nvCxnSpPr>
+          <p:cNvPr id="73" name="직선 연결선 72"/>
+          <p:cNvCxnSpPr>
+            <a:stCxn id="26" idx="2"/>
+            <a:endCxn id="69" idx="0"/>
+          </p:cNvCxnSpPr>
+          <p:nvPr/>
+        </p:nvCxnSpPr>
+        <p:spPr>
+          <a:xfrm flipH="1">
+            <a:off x="2303506" y="3652795"/>
+            <a:ext cx="1084306" cy="627449"/>
+          </a:xfrm>
+          <a:prstGeom prst="line">
+            <a:avLst/>
+          </a:prstGeom>
+        </p:spPr>
+        <p:style>
+          <a:lnRef idx="3">
+            <a:schemeClr val="dk1"/>
+          </a:lnRef>
+          <a:fillRef idx="0">
+            <a:schemeClr val="dk1"/>
+          </a:fillRef>
+          <a:effectRef idx="2">
+            <a:schemeClr val="dk1"/>
+          </a:effectRef>
+          <a:fontRef idx="minor">
+            <a:schemeClr val="tx1"/>
+          </a:fontRef>
+        </p:style>
+      </p:cxnSp>
+      <p:sp>
+        <p:nvSpPr>
+          <p:cNvPr id="74" name="직사각형 73"/>
+          <p:cNvSpPr/>
+          <p:nvPr/>
+        </p:nvSpPr>
+        <p:spPr>
+          <a:xfrm>
+            <a:off x="1580634" y="5767174"/>
+            <a:ext cx="1445741" cy="769549"/>
+          </a:xfrm>
+          <a:prstGeom prst="rect">
+            <a:avLst/>
+          </a:prstGeom>
+        </p:spPr>
+        <p:style>
+          <a:lnRef idx="2">
+            <a:schemeClr val="dk1"/>
+          </a:lnRef>
+          <a:fillRef idx="1">
+            <a:schemeClr val="lt1"/>
+          </a:fillRef>
+          <a:effectRef idx="0">
+            <a:schemeClr val="dk1"/>
+          </a:effectRef>
+          <a:fontRef idx="minor">
+            <a:schemeClr val="dk1"/>
+          </a:fontRef>
+        </p:style>
+        <p:txBody>
+          <a:bodyPr rtlCol="0" anchor="ctr"/>
+          <a:lstStyle/>
+          <a:p>
+            <a:pPr algn="ctr"/>
+            <a:r>
+              <a:rPr lang="ko-KR" altLang="en-US" smtClean="0">
+                <a:latin typeface="휴먼모음T" panose="02030504000101010101" pitchFamily="18" charset="-127"/>
+                <a:ea typeface="휴먼모음T" panose="02030504000101010101" pitchFamily="18" charset="-127"/>
+              </a:rPr>
+              <a:t>곡 분석</a:t>
+            </a:r>
+            <a:endParaRPr lang="en-US" altLang="ko-KR" smtClean="0">
+              <a:latin typeface="휴먼모음T" panose="02030504000101010101" pitchFamily="18" charset="-127"/>
+              <a:ea typeface="휴먼모음T" panose="02030504000101010101" pitchFamily="18" charset="-127"/>
+            </a:endParaRPr>
+          </a:p>
+        </p:txBody>
+      </p:sp>
+      <p:cxnSp>
+        <p:nvCxnSpPr>
+          <p:cNvPr id="76" name="직선 연결선 75"/>
+          <p:cNvCxnSpPr>
+            <a:stCxn id="69" idx="2"/>
+            <a:endCxn id="74" idx="0"/>
+          </p:cNvCxnSpPr>
+          <p:nvPr/>
+        </p:nvCxnSpPr>
+        <p:spPr>
+          <a:xfrm flipH="1">
+            <a:off x="2303505" y="5338119"/>
+            <a:ext cx="1" cy="429055"/>
+          </a:xfrm>
+          <a:prstGeom prst="line">
+            <a:avLst/>
+          </a:prstGeom>
+        </p:spPr>
+        <p:style>
+          <a:lnRef idx="3">
+            <a:schemeClr val="dk1"/>
+          </a:lnRef>
+          <a:fillRef idx="0">
+            <a:schemeClr val="dk1"/>
+          </a:fillRef>
+          <a:effectRef idx="2">
+            <a:schemeClr val="dk1"/>
+          </a:effectRef>
+          <a:fontRef idx="minor">
+            <a:schemeClr val="tx1"/>
+          </a:fontRef>
+        </p:style>
+      </p:cxnSp>
+      <p:sp>
+        <p:nvSpPr>
+          <p:cNvPr id="90" name="직사각형 89"/>
+          <p:cNvSpPr/>
+          <p:nvPr/>
+        </p:nvSpPr>
+        <p:spPr>
+          <a:xfrm>
+            <a:off x="8105261" y="4280244"/>
+            <a:ext cx="1445741" cy="778476"/>
+          </a:xfrm>
+          <a:prstGeom prst="rect">
+            <a:avLst/>
+          </a:prstGeom>
+        </p:spPr>
+        <p:style>
+          <a:lnRef idx="2">
+            <a:schemeClr val="dk1"/>
+          </a:lnRef>
+          <a:fillRef idx="1">
+            <a:schemeClr val="lt1"/>
+          </a:fillRef>
+          <a:effectRef idx="0">
+            <a:schemeClr val="dk1"/>
+          </a:effectRef>
+          <a:fontRef idx="minor">
+            <a:schemeClr val="dk1"/>
+          </a:fontRef>
+        </p:style>
+        <p:txBody>
+          <a:bodyPr rtlCol="0" anchor="ctr"/>
+          <a:lstStyle/>
+          <a:p>
+            <a:pPr algn="ctr"/>
+            <a:r>
+              <a:rPr lang="ko-KR" altLang="en-US" dirty="0" smtClean="0">
+                <a:latin typeface="휴먼모음T" panose="02030504000101010101" pitchFamily="18" charset="-127"/>
+                <a:ea typeface="휴먼모음T" panose="02030504000101010101" pitchFamily="18" charset="-127"/>
+              </a:rPr>
+              <a:t>회원정보</a:t>
+            </a:r>
+            <a:endParaRPr lang="ko-KR" altLang="en-US" dirty="0">
+              <a:latin typeface="휴먼모음T" panose="02030504000101010101" pitchFamily="18" charset="-127"/>
+              <a:ea typeface="휴먼모음T" panose="02030504000101010101" pitchFamily="18" charset="-127"/>
+            </a:endParaRPr>
+          </a:p>
+        </p:txBody>
+      </p:sp>
+      <p:cxnSp>
+        <p:nvCxnSpPr>
+          <p:cNvPr id="91" name="직선 연결선 90"/>
+          <p:cNvCxnSpPr>
+            <a:stCxn id="90" idx="0"/>
+            <a:endCxn id="29" idx="2"/>
+          </p:cNvCxnSpPr>
+          <p:nvPr/>
+        </p:nvCxnSpPr>
+        <p:spPr>
+          <a:xfrm flipH="1" flipV="1">
+            <a:off x="5818105" y="3659660"/>
+            <a:ext cx="3010027" cy="620584"/>
+          </a:xfrm>
+          <a:prstGeom prst="line">
+            <a:avLst/>
+          </a:prstGeom>
+        </p:spPr>
+        <p:style>
+          <a:lnRef idx="2">
+            <a:schemeClr val="dk1"/>
+          </a:lnRef>
+          <a:fillRef idx="1">
+            <a:schemeClr val="lt1"/>
+          </a:fillRef>
+          <a:effectRef idx="0">
+            <a:schemeClr val="dk1"/>
+          </a:effectRef>
+          <a:fontRef idx="minor">
+            <a:schemeClr val="dk1"/>
+          </a:fontRef>
+        </p:style>
+      </p:cxnSp>
+    </p:spTree>
+    <p:extLst>
+      <p:ext uri="{BB962C8B-B14F-4D97-AF65-F5344CB8AC3E}">
+        <p14:creationId xmlns:p14="http://schemas.microsoft.com/office/powerpoint/2010/main" val="3757130534"/>
+      </p:ext>
+    </p:extLst>
+  </p:cSld>
+  <p:clrMapOvr>
+    <a:masterClrMapping/>
+  </p:clrMapOvr>
+  <p:timing>
+    <p:tnLst>
+      <p:par>
+        <p:cTn id="1" dur="indefinite" restart="never" nodeType="tmRoot"/>
+      </p:par>
+    </p:tnLst>
+  </p:timing>
+</p:sld>
+</file>
+
+<file path=ppt/slides/slide7.xml><?xml version="1.0" encoding="utf-8"?>
+<p:sld xmlns:a="http://schemas.openxmlformats.org/drawingml/2006/main" xmlns:r="http://schemas.openxmlformats.org/officeDocument/2006/relationships" xmlns:p="http://schemas.openxmlformats.org/presentationml/2006/main">
+  <p:cSld>
+    <p:spTree>
+      <p:nvGrpSpPr>
+        <p:cNvPr id="1" name=""/>
+        <p:cNvGrpSpPr/>
+        <p:nvPr/>
+      </p:nvGrpSpPr>
+      <p:grpSpPr>
+        <a:xfrm>
+          <a:off x="0" y="0"/>
+          <a:ext cx="0" cy="0"/>
+          <a:chOff x="0" y="0"/>
+          <a:chExt cx="0" cy="0"/>
+        </a:xfrm>
+      </p:grpSpPr>
+      <p:sp>
+        <p:nvSpPr>
+          <p:cNvPr id="2" name="제목 1"/>
+          <p:cNvSpPr>
+            <a:spLocks noGrp="1"/>
+          </p:cNvSpPr>
+          <p:nvPr>
+            <p:ph type="title"/>
+          </p:nvPr>
+        </p:nvSpPr>
+        <p:spPr/>
+        <p:txBody>
+          <a:bodyPr/>
+          <a:lstStyle/>
+          <a:p>
+            <a:r>
+              <a:rPr lang="ko-KR" altLang="en-US" dirty="0" smtClean="0">
+                <a:latin typeface="휴먼모음T" panose="02030504000101010101" pitchFamily="18" charset="-127"/>
+                <a:ea typeface="휴먼모음T" panose="02030504000101010101" pitchFamily="18" charset="-127"/>
+              </a:rPr>
+              <a:t>페이지 </a:t>
+            </a:r>
+            <a:r>
+              <a:rPr lang="ko-KR" altLang="en-US" dirty="0" err="1" smtClean="0">
+                <a:latin typeface="휴먼모음T" panose="02030504000101010101" pitchFamily="18" charset="-127"/>
+                <a:ea typeface="휴먼모음T" panose="02030504000101010101" pitchFamily="18" charset="-127"/>
+              </a:rPr>
+              <a:t>미리보기</a:t>
+            </a:r>
+            <a:endParaRPr lang="ko-KR" altLang="en-US" dirty="0">
+              <a:latin typeface="휴먼모음T" panose="02030504000101010101" pitchFamily="18" charset="-127"/>
+              <a:ea typeface="휴먼모음T" panose="02030504000101010101" pitchFamily="18" charset="-127"/>
+            </a:endParaRPr>
+          </a:p>
+        </p:txBody>
+      </p:sp>
+      <p:pic>
+        <p:nvPicPr>
+          <p:cNvPr id="5" name="내용 개체 틀 4"/>
+          <p:cNvPicPr>
+            <a:picLocks noGrp="1" noChangeAspect="1"/>
+          </p:cNvPicPr>
+          <p:nvPr>
+            <p:ph sz="half" idx="1"/>
+          </p:nvPr>
+        </p:nvPicPr>
+        <p:blipFill>
+          <a:blip r:embed="rId2">
+            <a:extLst>
+              <a:ext uri="{28A0092B-C50C-407E-A947-70E740481C1C}">
+                <a14:useLocalDpi xmlns:a14="http://schemas.microsoft.com/office/drawing/2010/main" val="0"/>
+              </a:ext>
+            </a:extLst>
+          </a:blip>
+          <a:stretch>
+            <a:fillRect/>
+          </a:stretch>
+        </p:blipFill>
+        <p:spPr>
+          <a:xfrm>
+            <a:off x="399736" y="1895544"/>
+            <a:ext cx="2571396" cy="3881437"/>
+          </a:xfrm>
+          <a:prstGeom prst="rect">
+            <a:avLst/>
+          </a:prstGeom>
+          <a:ln>
+            <a:noFill/>
+          </a:ln>
+          <a:effectLst>
+            <a:outerShdw blurRad="292100" dist="139700" dir="2700000" algn="tl" rotWithShape="0">
+              <a:srgbClr val="333333">
+                <a:alpha val="65000"/>
+              </a:srgbClr>
+            </a:outerShdw>
+          </a:effectLst>
+        </p:spPr>
+      </p:pic>
+      <p:pic>
+        <p:nvPicPr>
+          <p:cNvPr id="6" name="내용 개체 틀 5"/>
+          <p:cNvPicPr>
+            <a:picLocks noGrp="1" noChangeAspect="1"/>
+          </p:cNvPicPr>
+          <p:nvPr>
+            <p:ph sz="half" idx="2"/>
+          </p:nvPr>
+        </p:nvPicPr>
+        <p:blipFill>
+          <a:blip r:embed="rId3">
+            <a:extLst>
+              <a:ext uri="{28A0092B-C50C-407E-A947-70E740481C1C}">
+                <a14:useLocalDpi xmlns:a14="http://schemas.microsoft.com/office/drawing/2010/main" val="0"/>
+              </a:ext>
+            </a:extLst>
+          </a:blip>
+          <a:stretch>
+            <a:fillRect/>
+          </a:stretch>
+        </p:blipFill>
+        <p:spPr>
+          <a:xfrm>
+            <a:off x="3220187" y="1895544"/>
+            <a:ext cx="2615654" cy="3881437"/>
+          </a:xfrm>
+          <a:prstGeom prst="rect">
+            <a:avLst/>
+          </a:prstGeom>
+          <a:ln>
+            <a:noFill/>
+          </a:ln>
+          <a:effectLst>
+            <a:outerShdw blurRad="292100" dist="139700" dir="2700000" algn="tl" rotWithShape="0">
+              <a:srgbClr val="333333">
+                <a:alpha val="65000"/>
+              </a:srgbClr>
+            </a:outerShdw>
+          </a:effectLst>
+        </p:spPr>
+      </p:pic>
+      <p:pic>
+        <p:nvPicPr>
+          <p:cNvPr id="7" name="그림 6"/>
+          <p:cNvPicPr>
+            <a:picLocks noChangeAspect="1"/>
+          </p:cNvPicPr>
+          <p:nvPr/>
+        </p:nvPicPr>
+        <p:blipFill>
+          <a:blip r:embed="rId4">
+            <a:extLst>
+              <a:ext uri="{28A0092B-C50C-407E-A947-70E740481C1C}">
+                <a14:useLocalDpi xmlns:a14="http://schemas.microsoft.com/office/drawing/2010/main" val="0"/>
+              </a:ext>
+            </a:extLst>
+          </a:blip>
+          <a:stretch>
+            <a:fillRect/>
+          </a:stretch>
+        </p:blipFill>
+        <p:spPr>
+          <a:xfrm>
+            <a:off x="6060430" y="1786835"/>
+            <a:ext cx="2703306" cy="3880194"/>
+          </a:xfrm>
+          <a:prstGeom prst="rect">
+            <a:avLst/>
+          </a:prstGeom>
+          <a:ln>
+            <a:noFill/>
+          </a:ln>
+          <a:effectLst>
+            <a:outerShdw blurRad="292100" dist="139700" dir="2700000" algn="tl" rotWithShape="0">
+              <a:srgbClr val="333333">
+                <a:alpha val="65000"/>
+              </a:srgbClr>
+            </a:outerShdw>
+          </a:effectLst>
+        </p:spPr>
+      </p:pic>
+      <p:pic>
+        <p:nvPicPr>
+          <p:cNvPr id="8" name="그림 7"/>
+          <p:cNvPicPr>
+            <a:picLocks noChangeAspect="1"/>
+          </p:cNvPicPr>
+          <p:nvPr/>
+        </p:nvPicPr>
+        <p:blipFill>
+          <a:blip r:embed="rId5">
+            <a:extLst>
+              <a:ext uri="{28A0092B-C50C-407E-A947-70E740481C1C}">
+                <a14:useLocalDpi xmlns:a14="http://schemas.microsoft.com/office/drawing/2010/main" val="0"/>
+              </a:ext>
+            </a:extLst>
+          </a:blip>
+          <a:stretch>
+            <a:fillRect/>
+          </a:stretch>
+        </p:blipFill>
+        <p:spPr>
+          <a:xfrm>
+            <a:off x="9168449" y="1646487"/>
+            <a:ext cx="2684585" cy="4130494"/>
+          </a:xfrm>
+          <a:prstGeom prst="rect">
+            <a:avLst/>
+          </a:prstGeom>
+          <a:ln>
+            <a:noFill/>
+          </a:ln>
+          <a:effectLst>
+            <a:outerShdw blurRad="292100" dist="139700" dir="2700000" algn="tl" rotWithShape="0">
+              <a:srgbClr val="333333">
+                <a:alpha val="65000"/>
+              </a:srgbClr>
+            </a:outerShdw>
+          </a:effectLst>
+        </p:spPr>
+      </p:pic>
+    </p:spTree>
+    <p:extLst>
+      <p:ext uri="{BB962C8B-B14F-4D97-AF65-F5344CB8AC3E}">
+        <p14:creationId xmlns:p14="http://schemas.microsoft.com/office/powerpoint/2010/main" val="684576968"/>
+      </p:ext>
+    </p:extLst>
+  </p:cSld>
+  <p:clrMapOvr>
+    <a:masterClrMapping/>
+  </p:clrMapOvr>
+  <p:timing>
+    <p:tnLst>
+      <p:par>
+        <p:cTn id="1" dur="indefinite" restart="never" nodeType="tmRoot"/>
+      </p:par>
+    </p:tnLst>
+  </p:timing>
+</p:sld>
+</file>
+
+<file path=ppt/slides/slide8.xml><?xml version="1.0" encoding="utf-8"?>
 <p:sld xmlns:a="http://schemas.openxmlformats.org/drawingml/2006/main" xmlns:r="http://schemas.openxmlformats.org/officeDocument/2006/relationships" xmlns:p="http://schemas.openxmlformats.org/presentationml/2006/main">
   <p:cSld>
     <p:spTree>
@@ -6208,7 +10326,7 @@
           <a:prstGeom prst="rect">
             <a:avLst/>
           </a:prstGeom>
-          <a:ln w="28575"/>
+          <a:ln/>
         </p:spPr>
         <p:style>
           <a:lnRef idx="2">
@@ -6251,7 +10369,7 @@
           <a:prstGeom prst="diamond">
             <a:avLst/>
           </a:prstGeom>
-          <a:ln w="28575"/>
+          <a:ln/>
         </p:spPr>
         <p:style>
           <a:lnRef idx="2">
@@ -6294,7 +10412,7 @@
           <a:prstGeom prst="rect">
             <a:avLst/>
           </a:prstGeom>
-          <a:ln w="28575"/>
+          <a:ln/>
         </p:spPr>
         <p:style>
           <a:lnRef idx="2">
@@ -6345,17 +10463,17 @@
           </a:ln>
         </p:spPr>
         <p:style>
-          <a:lnRef idx="1">
-            <a:schemeClr val="accent1"/>
+          <a:lnRef idx="2">
+            <a:schemeClr val="dk1"/>
           </a:lnRef>
-          <a:fillRef idx="0">
-            <a:schemeClr val="accent1"/>
+          <a:fillRef idx="1">
+            <a:schemeClr val="lt1"/>
           </a:fillRef>
           <a:effectRef idx="0">
-            <a:schemeClr val="accent1"/>
+            <a:schemeClr val="dk1"/>
           </a:effectRef>
           <a:fontRef idx="minor">
-            <a:schemeClr val="tx1"/>
+            <a:schemeClr val="dk1"/>
           </a:fontRef>
         </p:style>
       </p:cxnSp>
@@ -6381,17 +10499,17 @@
           </a:ln>
         </p:spPr>
         <p:style>
-          <a:lnRef idx="1">
-            <a:schemeClr val="accent1"/>
+          <a:lnRef idx="2">
+            <a:schemeClr val="dk1"/>
           </a:lnRef>
-          <a:fillRef idx="0">
-            <a:schemeClr val="accent1"/>
+          <a:fillRef idx="1">
+            <a:schemeClr val="lt1"/>
           </a:fillRef>
           <a:effectRef idx="0">
-            <a:schemeClr val="accent1"/>
+            <a:schemeClr val="dk1"/>
           </a:effectRef>
           <a:fontRef idx="minor">
-            <a:schemeClr val="tx1"/>
+            <a:schemeClr val="dk1"/>
           </a:fontRef>
         </p:style>
       </p:cxnSp>
@@ -6409,7 +10527,7 @@
           <a:prstGeom prst="diamond">
             <a:avLst/>
           </a:prstGeom>
-          <a:ln w="28575"/>
+          <a:ln/>
         </p:spPr>
         <p:style>
           <a:lnRef idx="2">
@@ -6460,17 +10578,17 @@
           </a:ln>
         </p:spPr>
         <p:style>
-          <a:lnRef idx="1">
-            <a:schemeClr val="accent1"/>
+          <a:lnRef idx="2">
+            <a:schemeClr val="dk1"/>
           </a:lnRef>
-          <a:fillRef idx="0">
-            <a:schemeClr val="accent1"/>
+          <a:fillRef idx="1">
+            <a:schemeClr val="lt1"/>
           </a:fillRef>
           <a:effectRef idx="0">
-            <a:schemeClr val="accent1"/>
+            <a:schemeClr val="dk1"/>
           </a:effectRef>
           <a:fontRef idx="minor">
-            <a:schemeClr val="tx1"/>
+            <a:schemeClr val="dk1"/>
           </a:fontRef>
         </p:style>
       </p:cxnSp>
@@ -6496,17 +10614,17 @@
           </a:ln>
         </p:spPr>
         <p:style>
-          <a:lnRef idx="1">
-            <a:schemeClr val="accent1"/>
+          <a:lnRef idx="2">
+            <a:schemeClr val="dk1"/>
           </a:lnRef>
-          <a:fillRef idx="0">
-            <a:schemeClr val="accent1"/>
+          <a:fillRef idx="1">
+            <a:schemeClr val="lt1"/>
           </a:fillRef>
           <a:effectRef idx="0">
-            <a:schemeClr val="accent1"/>
+            <a:schemeClr val="dk1"/>
           </a:effectRef>
           <a:fontRef idx="minor">
-            <a:schemeClr val="tx1"/>
+            <a:schemeClr val="dk1"/>
           </a:fontRef>
         </p:style>
       </p:cxnSp>
@@ -6532,17 +10650,17 @@
           </a:ln>
         </p:spPr>
         <p:style>
-          <a:lnRef idx="1">
-            <a:schemeClr val="accent1"/>
+          <a:lnRef idx="2">
+            <a:schemeClr val="dk1"/>
           </a:lnRef>
-          <a:fillRef idx="0">
-            <a:schemeClr val="accent1"/>
+          <a:fillRef idx="1">
+            <a:schemeClr val="lt1"/>
           </a:fillRef>
           <a:effectRef idx="0">
-            <a:schemeClr val="accent1"/>
+            <a:schemeClr val="dk1"/>
           </a:effectRef>
           <a:fontRef idx="minor">
-            <a:schemeClr val="tx1"/>
+            <a:schemeClr val="dk1"/>
           </a:fontRef>
         </p:style>
       </p:cxnSp>
@@ -6560,7 +10678,7 @@
           <a:prstGeom prst="rect">
             <a:avLst/>
           </a:prstGeom>
-          <a:ln w="28575"/>
+          <a:ln/>
         </p:spPr>
         <p:style>
           <a:lnRef idx="2">
@@ -6611,24 +10729,346 @@
           </a:ln>
         </p:spPr>
         <p:style>
-          <a:lnRef idx="1">
-            <a:schemeClr val="accent1"/>
+          <a:lnRef idx="2">
+            <a:schemeClr val="dk1"/>
           </a:lnRef>
-          <a:fillRef idx="0">
-            <a:schemeClr val="accent1"/>
+          <a:fillRef idx="1">
+            <a:schemeClr val="lt1"/>
           </a:fillRef>
           <a:effectRef idx="0">
-            <a:schemeClr val="accent1"/>
+            <a:schemeClr val="dk1"/>
           </a:effectRef>
           <a:fontRef idx="minor">
-            <a:schemeClr val="tx1"/>
+            <a:schemeClr val="dk1"/>
           </a:fontRef>
         </p:style>
       </p:cxnSp>
+      <p:sp>
+        <p:nvSpPr>
+          <p:cNvPr id="15" name="제목 1"/>
+          <p:cNvSpPr txBox="1">
+            <a:spLocks/>
+          </p:cNvSpPr>
+          <p:nvPr/>
+        </p:nvSpPr>
+        <p:spPr>
+          <a:xfrm>
+            <a:off x="812799" y="329293"/>
+            <a:ext cx="8596668" cy="1320800"/>
+          </a:xfrm>
+          <a:prstGeom prst="rect">
+            <a:avLst/>
+          </a:prstGeom>
+        </p:spPr>
+        <p:txBody>
+          <a:bodyPr vert="horz" lIns="91440" tIns="45720" rIns="91440" bIns="45720" rtlCol="0" anchor="b">
+            <a:noAutofit/>
+          </a:bodyPr>
+          <a:lstStyle>
+            <a:lvl1pPr algn="r" defTabSz="457200" rtl="0" eaLnBrk="1" latinLnBrk="1" hangingPunct="1">
+              <a:spcBef>
+                <a:spcPct val="0"/>
+              </a:spcBef>
+              <a:buNone/>
+              <a:defRPr sz="5400" kern="1200">
+                <a:solidFill>
+                  <a:schemeClr val="accent1"/>
+                </a:solidFill>
+                <a:latin typeface="+mj-lt"/>
+                <a:ea typeface="+mj-ea"/>
+                <a:cs typeface="+mj-cs"/>
+              </a:defRPr>
+            </a:lvl1pPr>
+            <a:lvl2pPr eaLnBrk="1" latinLnBrk="1" hangingPunct="1">
+              <a:defRPr>
+                <a:solidFill>
+                  <a:schemeClr val="tx2"/>
+                </a:solidFill>
+              </a:defRPr>
+            </a:lvl2pPr>
+            <a:lvl3pPr eaLnBrk="1" latinLnBrk="1" hangingPunct="1">
+              <a:defRPr>
+                <a:solidFill>
+                  <a:schemeClr val="tx2"/>
+                </a:solidFill>
+              </a:defRPr>
+            </a:lvl3pPr>
+            <a:lvl4pPr eaLnBrk="1" latinLnBrk="1" hangingPunct="1">
+              <a:defRPr>
+                <a:solidFill>
+                  <a:schemeClr val="tx2"/>
+                </a:solidFill>
+              </a:defRPr>
+            </a:lvl4pPr>
+            <a:lvl5pPr eaLnBrk="1" latinLnBrk="1" hangingPunct="1">
+              <a:defRPr>
+                <a:solidFill>
+                  <a:schemeClr val="tx2"/>
+                </a:solidFill>
+              </a:defRPr>
+            </a:lvl5pPr>
+            <a:lvl6pPr eaLnBrk="1" latinLnBrk="1" hangingPunct="1">
+              <a:defRPr>
+                <a:solidFill>
+                  <a:schemeClr val="tx2"/>
+                </a:solidFill>
+              </a:defRPr>
+            </a:lvl6pPr>
+            <a:lvl7pPr eaLnBrk="1" latinLnBrk="1" hangingPunct="1">
+              <a:defRPr>
+                <a:solidFill>
+                  <a:schemeClr val="tx2"/>
+                </a:solidFill>
+              </a:defRPr>
+            </a:lvl7pPr>
+            <a:lvl8pPr eaLnBrk="1" latinLnBrk="1" hangingPunct="1">
+              <a:defRPr>
+                <a:solidFill>
+                  <a:schemeClr val="tx2"/>
+                </a:solidFill>
+              </a:defRPr>
+            </a:lvl8pPr>
+            <a:lvl9pPr eaLnBrk="1" latinLnBrk="1" hangingPunct="1">
+              <a:defRPr>
+                <a:solidFill>
+                  <a:schemeClr val="tx2"/>
+                </a:solidFill>
+              </a:defRPr>
+            </a:lvl9pPr>
+          </a:lstStyle>
+          <a:p>
+            <a:pPr algn="l"/>
+            <a:r>
+              <a:rPr lang="en-US" altLang="ko-KR" dirty="0" smtClean="0">
+                <a:latin typeface="휴먼모음T" panose="02030504000101010101" pitchFamily="18" charset="-127"/>
+                <a:ea typeface="휴먼모음T" panose="02030504000101010101" pitchFamily="18" charset="-127"/>
+              </a:rPr>
+              <a:t>ERD (</a:t>
+            </a:r>
+            <a:r>
+              <a:rPr lang="ko-KR" altLang="en-US" dirty="0" err="1" smtClean="0">
+                <a:latin typeface="휴먼모음T" panose="02030504000101010101" pitchFamily="18" charset="-127"/>
+                <a:ea typeface="휴먼모음T" panose="02030504000101010101" pitchFamily="18" charset="-127"/>
+              </a:rPr>
+              <a:t>논리구조도</a:t>
+            </a:r>
+            <a:r>
+              <a:rPr lang="en-US" altLang="ko-KR" dirty="0" smtClean="0">
+                <a:latin typeface="휴먼모음T" panose="02030504000101010101" pitchFamily="18" charset="-127"/>
+                <a:ea typeface="휴먼모음T" panose="02030504000101010101" pitchFamily="18" charset="-127"/>
+              </a:rPr>
+              <a:t>)</a:t>
+            </a:r>
+            <a:endParaRPr lang="ko-KR" altLang="en-US" dirty="0">
+              <a:latin typeface="휴먼모음T" panose="02030504000101010101" pitchFamily="18" charset="-127"/>
+              <a:ea typeface="휴먼모음T" panose="02030504000101010101" pitchFamily="18" charset="-127"/>
+            </a:endParaRPr>
+          </a:p>
+        </p:txBody>
+      </p:sp>
     </p:spTree>
     <p:extLst>
       <p:ext uri="{BB962C8B-B14F-4D97-AF65-F5344CB8AC3E}">
         <p14:creationId xmlns:p14="http://schemas.microsoft.com/office/powerpoint/2010/main" val="2525249720"/>
+      </p:ext>
+    </p:extLst>
+  </p:cSld>
+  <p:clrMapOvr>
+    <a:masterClrMapping/>
+  </p:clrMapOvr>
+  <p:timing>
+    <p:tnLst>
+      <p:par>
+        <p:cTn id="1" dur="indefinite" restart="never" nodeType="tmRoot"/>
+      </p:par>
+    </p:tnLst>
+  </p:timing>
+</p:sld>
+</file>
+
+<file path=ppt/slides/slide9.xml><?xml version="1.0" encoding="utf-8"?>
+<p:sld xmlns:a="http://schemas.openxmlformats.org/drawingml/2006/main" xmlns:r="http://schemas.openxmlformats.org/officeDocument/2006/relationships" xmlns:p="http://schemas.openxmlformats.org/presentationml/2006/main">
+  <p:cSld>
+    <p:spTree>
+      <p:nvGrpSpPr>
+        <p:cNvPr id="1" name=""/>
+        <p:cNvGrpSpPr/>
+        <p:nvPr/>
+      </p:nvGrpSpPr>
+      <p:grpSpPr>
+        <a:xfrm>
+          <a:off x="0" y="0"/>
+          <a:ext cx="0" cy="0"/>
+          <a:chOff x="0" y="0"/>
+          <a:chExt cx="0" cy="0"/>
+        </a:xfrm>
+      </p:grpSpPr>
+      <p:sp>
+        <p:nvSpPr>
+          <p:cNvPr id="15" name="제목 1"/>
+          <p:cNvSpPr txBox="1">
+            <a:spLocks/>
+          </p:cNvSpPr>
+          <p:nvPr/>
+        </p:nvSpPr>
+        <p:spPr>
+          <a:xfrm>
+            <a:off x="812799" y="329293"/>
+            <a:ext cx="8596668" cy="1320800"/>
+          </a:xfrm>
+          <a:prstGeom prst="rect">
+            <a:avLst/>
+          </a:prstGeom>
+        </p:spPr>
+        <p:txBody>
+          <a:bodyPr vert="horz" lIns="91440" tIns="45720" rIns="91440" bIns="45720" rtlCol="0" anchor="b">
+            <a:noAutofit/>
+          </a:bodyPr>
+          <a:lstStyle>
+            <a:lvl1pPr algn="r" defTabSz="457200" rtl="0" eaLnBrk="1" latinLnBrk="1" hangingPunct="1">
+              <a:spcBef>
+                <a:spcPct val="0"/>
+              </a:spcBef>
+              <a:buNone/>
+              <a:defRPr sz="5400" kern="1200">
+                <a:solidFill>
+                  <a:schemeClr val="accent1"/>
+                </a:solidFill>
+                <a:latin typeface="+mj-lt"/>
+                <a:ea typeface="+mj-ea"/>
+                <a:cs typeface="+mj-cs"/>
+              </a:defRPr>
+            </a:lvl1pPr>
+            <a:lvl2pPr eaLnBrk="1" latinLnBrk="1" hangingPunct="1">
+              <a:defRPr>
+                <a:solidFill>
+                  <a:schemeClr val="tx2"/>
+                </a:solidFill>
+              </a:defRPr>
+            </a:lvl2pPr>
+            <a:lvl3pPr eaLnBrk="1" latinLnBrk="1" hangingPunct="1">
+              <a:defRPr>
+                <a:solidFill>
+                  <a:schemeClr val="tx2"/>
+                </a:solidFill>
+              </a:defRPr>
+            </a:lvl3pPr>
+            <a:lvl4pPr eaLnBrk="1" latinLnBrk="1" hangingPunct="1">
+              <a:defRPr>
+                <a:solidFill>
+                  <a:schemeClr val="tx2"/>
+                </a:solidFill>
+              </a:defRPr>
+            </a:lvl4pPr>
+            <a:lvl5pPr eaLnBrk="1" latinLnBrk="1" hangingPunct="1">
+              <a:defRPr>
+                <a:solidFill>
+                  <a:schemeClr val="tx2"/>
+                </a:solidFill>
+              </a:defRPr>
+            </a:lvl5pPr>
+            <a:lvl6pPr eaLnBrk="1" latinLnBrk="1" hangingPunct="1">
+              <a:defRPr>
+                <a:solidFill>
+                  <a:schemeClr val="tx2"/>
+                </a:solidFill>
+              </a:defRPr>
+            </a:lvl6pPr>
+            <a:lvl7pPr eaLnBrk="1" latinLnBrk="1" hangingPunct="1">
+              <a:defRPr>
+                <a:solidFill>
+                  <a:schemeClr val="tx2"/>
+                </a:solidFill>
+              </a:defRPr>
+            </a:lvl7pPr>
+            <a:lvl8pPr eaLnBrk="1" latinLnBrk="1" hangingPunct="1">
+              <a:defRPr>
+                <a:solidFill>
+                  <a:schemeClr val="tx2"/>
+                </a:solidFill>
+              </a:defRPr>
+            </a:lvl8pPr>
+            <a:lvl9pPr eaLnBrk="1" latinLnBrk="1" hangingPunct="1">
+              <a:defRPr>
+                <a:solidFill>
+                  <a:schemeClr val="tx2"/>
+                </a:solidFill>
+              </a:defRPr>
+            </a:lvl9pPr>
+          </a:lstStyle>
+          <a:p>
+            <a:pPr algn="l"/>
+            <a:r>
+              <a:rPr lang="ko-KR" altLang="en-US" dirty="0" smtClean="0">
+                <a:latin typeface="휴먼모음T" panose="02030504000101010101" pitchFamily="18" charset="-127"/>
+                <a:ea typeface="휴먼모음T" panose="02030504000101010101" pitchFamily="18" charset="-127"/>
+              </a:rPr>
+              <a:t>주요 테이블 조직도</a:t>
+            </a:r>
+            <a:endParaRPr lang="ko-KR" altLang="en-US" dirty="0">
+              <a:latin typeface="휴먼모음T" panose="02030504000101010101" pitchFamily="18" charset="-127"/>
+              <a:ea typeface="휴먼모음T" panose="02030504000101010101" pitchFamily="18" charset="-127"/>
+            </a:endParaRPr>
+          </a:p>
+        </p:txBody>
+      </p:sp>
+      <p:pic>
+        <p:nvPicPr>
+          <p:cNvPr id="3" name="그림 2"/>
+          <p:cNvPicPr>
+            <a:picLocks noChangeAspect="1"/>
+          </p:cNvPicPr>
+          <p:nvPr/>
+        </p:nvPicPr>
+        <p:blipFill>
+          <a:blip r:embed="rId2"/>
+          <a:stretch>
+            <a:fillRect/>
+          </a:stretch>
+        </p:blipFill>
+        <p:spPr>
+          <a:xfrm>
+            <a:off x="812799" y="1650093"/>
+            <a:ext cx="10193173" cy="4839375"/>
+          </a:xfrm>
+          <a:prstGeom prst="rect">
+            <a:avLst/>
+          </a:prstGeom>
+          <a:solidFill>
+            <a:srgbClr val="FFFFFF">
+              <a:shade val="85000"/>
+            </a:srgbClr>
+          </a:solidFill>
+          <a:ln w="190500" cap="rnd">
+            <a:solidFill>
+              <a:srgbClr val="FFFFFF"/>
+            </a:solidFill>
+          </a:ln>
+          <a:effectLst>
+            <a:outerShdw blurRad="50000" algn="tl" rotWithShape="0">
+              <a:srgbClr val="000000">
+                <a:alpha val="41000"/>
+              </a:srgbClr>
+            </a:outerShdw>
+          </a:effectLst>
+          <a:scene3d>
+            <a:camera prst="orthographicFront"/>
+            <a:lightRig rig="twoPt" dir="t">
+              <a:rot lat="0" lon="0" rev="7800000"/>
+            </a:lightRig>
+          </a:scene3d>
+          <a:sp3d contourW="6350">
+            <a:bevelT w="50800" h="16510"/>
+            <a:contourClr>
+              <a:srgbClr val="C0C0C0"/>
+            </a:contourClr>
+          </a:sp3d>
+        </p:spPr>
+      </p:pic>
+    </p:spTree>
+    <p:extLst>
+      <p:ext uri="{BB962C8B-B14F-4D97-AF65-F5344CB8AC3E}">
+        <p14:creationId xmlns:p14="http://schemas.microsoft.com/office/powerpoint/2010/main" val="4002897905"/>
       </p:ext>
     </p:extLst>
   </p:cSld>
